--- a/slides/aula4.pptx
+++ b/slides/aula4.pptx
@@ -13,6 +13,15 @@
     <p:sldId id="259" r:id="rId8"/>
     <p:sldId id="260" r:id="rId9"/>
     <p:sldId id="261" r:id="rId10"/>
+    <p:sldId id="262" r:id="rId11"/>
+    <p:sldId id="263" r:id="rId12"/>
+    <p:sldId id="264" r:id="rId13"/>
+    <p:sldId id="265" r:id="rId14"/>
+    <p:sldId id="266" r:id="rId15"/>
+    <p:sldId id="267" r:id="rId16"/>
+    <p:sldId id="268" r:id="rId17"/>
+    <p:sldId id="269" r:id="rId18"/>
+    <p:sldId id="270" r:id="rId19"/>
   </p:sldIdLst>
   <p:sldSz cx="12192000" cy="6858000"/>
   <p:notesSz cx="7559675" cy="10691812"/>
@@ -4124,7 +4133,7 @@
         <p:spPr>
           <a:xfrm>
             <a:off x="609480" y="273600"/>
-            <a:ext cx="10972080" cy="1144440"/>
+            <a:ext cx="10972440" cy="1144800"/>
           </a:xfrm>
           <a:prstGeom prst="rect">
             <a:avLst/>
@@ -4137,12 +4146,12 @@
           <a:p>
             <a:pPr algn="ctr"/>
             <a:r>
-              <a:rPr b="0" lang="pt-BR" sz="1800" spc="-1" strike="noStrike">
+              <a:rPr b="0" lang="pt-BR" sz="4400" spc="-1" strike="noStrike">
                 <a:latin typeface="Arial"/>
               </a:rPr>
               <a:t>Clique para editar o formato do texto do título</a:t>
             </a:r>
-            <a:endParaRPr b="0" lang="pt-BR" sz="1800" spc="-1" strike="noStrike">
+            <a:endParaRPr b="0" lang="pt-BR" sz="4400" spc="-1" strike="noStrike">
               <a:latin typeface="Arial"/>
             </a:endParaRPr>
           </a:p>
@@ -4161,7 +4170,7 @@
         <p:spPr>
           <a:xfrm>
             <a:off x="609480" y="1604520"/>
-            <a:ext cx="10972080" cy="3976920"/>
+            <a:ext cx="10972440" cy="3977280"/>
           </a:xfrm>
           <a:prstGeom prst="rect">
             <a:avLst/>
@@ -4172,7 +4181,7 @@
             <a:normAutofit/>
           </a:bodyPr>
           <a:p>
-            <a:pPr marL="432000" indent="-324000" algn="ctr">
+            <a:pPr marL="432000" indent="-324000">
               <a:spcBef>
                 <a:spcPts val="1417"/>
               </a:spcBef>
@@ -4184,17 +4193,17 @@
               <a:buChar char=""/>
             </a:pPr>
             <a:r>
-              <a:rPr b="0" lang="pt-BR" sz="1800" spc="-1" strike="noStrike">
+              <a:rPr b="0" lang="pt-BR" sz="3200" spc="-1" strike="noStrike">
                 <a:latin typeface="Arial"/>
               </a:rPr>
               <a:t>Clique para editar o formato do texto da estrutura de tópicos</a:t>
             </a:r>
-            <a:endParaRPr b="0" lang="pt-BR" sz="1800" spc="-1" strike="noStrike">
-              <a:latin typeface="Arial"/>
-            </a:endParaRPr>
-          </a:p>
-          <a:p>
-            <a:pPr lvl="1" marL="864000" indent="-324000" algn="ctr">
+            <a:endParaRPr b="0" lang="pt-BR" sz="3200" spc="-1" strike="noStrike">
+              <a:latin typeface="Arial"/>
+            </a:endParaRPr>
+          </a:p>
+          <a:p>
+            <a:pPr lvl="1" marL="864000" indent="-324000">
               <a:spcBef>
                 <a:spcPts val="1134"/>
               </a:spcBef>
@@ -4206,17 +4215,17 @@
               <a:buChar char=""/>
             </a:pPr>
             <a:r>
-              <a:rPr b="0" lang="pt-BR" sz="1800" spc="-1" strike="noStrike">
+              <a:rPr b="0" lang="pt-BR" sz="2800" spc="-1" strike="noStrike">
                 <a:latin typeface="Arial"/>
               </a:rPr>
               <a:t>2.º nível da estrutura de tópicos</a:t>
             </a:r>
-            <a:endParaRPr b="0" lang="pt-BR" sz="1800" spc="-1" strike="noStrike">
-              <a:latin typeface="Arial"/>
-            </a:endParaRPr>
-          </a:p>
-          <a:p>
-            <a:pPr lvl="2" marL="1296000" indent="-288000" algn="ctr">
+            <a:endParaRPr b="0" lang="pt-BR" sz="2800" spc="-1" strike="noStrike">
+              <a:latin typeface="Arial"/>
+            </a:endParaRPr>
+          </a:p>
+          <a:p>
+            <a:pPr lvl="2" marL="1296000" indent="-288000">
               <a:spcBef>
                 <a:spcPts val="850"/>
               </a:spcBef>
@@ -4228,17 +4237,17 @@
               <a:buChar char=""/>
             </a:pPr>
             <a:r>
-              <a:rPr b="0" lang="pt-BR" sz="1800" spc="-1" strike="noStrike">
+              <a:rPr b="0" lang="pt-BR" sz="2400" spc="-1" strike="noStrike">
                 <a:latin typeface="Arial"/>
               </a:rPr>
               <a:t>3.º nível da estrutura de tópicos</a:t>
             </a:r>
-            <a:endParaRPr b="0" lang="pt-BR" sz="1800" spc="-1" strike="noStrike">
-              <a:latin typeface="Arial"/>
-            </a:endParaRPr>
-          </a:p>
-          <a:p>
-            <a:pPr lvl="3" marL="1728000" indent="-216000" algn="ctr">
+            <a:endParaRPr b="0" lang="pt-BR" sz="2400" spc="-1" strike="noStrike">
+              <a:latin typeface="Arial"/>
+            </a:endParaRPr>
+          </a:p>
+          <a:p>
+            <a:pPr lvl="3" marL="1728000" indent="-216000">
               <a:spcBef>
                 <a:spcPts val="567"/>
               </a:spcBef>
@@ -4250,17 +4259,17 @@
               <a:buChar char=""/>
             </a:pPr>
             <a:r>
-              <a:rPr b="0" lang="pt-BR" sz="1800" spc="-1" strike="noStrike">
+              <a:rPr b="0" lang="pt-BR" sz="2000" spc="-1" strike="noStrike">
                 <a:latin typeface="Arial"/>
               </a:rPr>
               <a:t>4.º nível da estrutura de tópicos</a:t>
             </a:r>
-            <a:endParaRPr b="0" lang="pt-BR" sz="1800" spc="-1" strike="noStrike">
-              <a:latin typeface="Arial"/>
-            </a:endParaRPr>
-          </a:p>
-          <a:p>
-            <a:pPr lvl="4" marL="2160000" indent="-216000" algn="ctr">
+            <a:endParaRPr b="0" lang="pt-BR" sz="2000" spc="-1" strike="noStrike">
+              <a:latin typeface="Arial"/>
+            </a:endParaRPr>
+          </a:p>
+          <a:p>
+            <a:pPr lvl="4" marL="2160000" indent="-216000">
               <a:spcBef>
                 <a:spcPts val="283"/>
               </a:spcBef>
@@ -4272,17 +4281,17 @@
               <a:buChar char=""/>
             </a:pPr>
             <a:r>
-              <a:rPr b="0" lang="pt-BR" sz="1800" spc="-1" strike="noStrike">
+              <a:rPr b="0" lang="pt-BR" sz="2000" spc="-1" strike="noStrike">
                 <a:latin typeface="Arial"/>
               </a:rPr>
               <a:t>5.º nível da estrutura de tópicos</a:t>
             </a:r>
-            <a:endParaRPr b="0" lang="pt-BR" sz="1800" spc="-1" strike="noStrike">
-              <a:latin typeface="Arial"/>
-            </a:endParaRPr>
-          </a:p>
-          <a:p>
-            <a:pPr lvl="5" marL="2592000" indent="-216000" algn="ctr">
+            <a:endParaRPr b="0" lang="pt-BR" sz="2000" spc="-1" strike="noStrike">
+              <a:latin typeface="Arial"/>
+            </a:endParaRPr>
+          </a:p>
+          <a:p>
+            <a:pPr lvl="5" marL="2592000" indent="-216000">
               <a:spcBef>
                 <a:spcPts val="283"/>
               </a:spcBef>
@@ -4294,17 +4303,17 @@
               <a:buChar char=""/>
             </a:pPr>
             <a:r>
-              <a:rPr b="0" lang="pt-BR" sz="1800" spc="-1" strike="noStrike">
+              <a:rPr b="0" lang="pt-BR" sz="2000" spc="-1" strike="noStrike">
                 <a:latin typeface="Arial"/>
               </a:rPr>
               <a:t>6.º nível da estrutura de tópicos</a:t>
             </a:r>
-            <a:endParaRPr b="0" lang="pt-BR" sz="1800" spc="-1" strike="noStrike">
-              <a:latin typeface="Arial"/>
-            </a:endParaRPr>
-          </a:p>
-          <a:p>
-            <a:pPr lvl="6" marL="3024000" indent="-216000" algn="ctr">
+            <a:endParaRPr b="0" lang="pt-BR" sz="2000" spc="-1" strike="noStrike">
+              <a:latin typeface="Arial"/>
+            </a:endParaRPr>
+          </a:p>
+          <a:p>
+            <a:pPr lvl="6" marL="3024000" indent="-216000">
               <a:spcBef>
                 <a:spcPts val="283"/>
               </a:spcBef>
@@ -4316,12 +4325,12 @@
               <a:buChar char=""/>
             </a:pPr>
             <a:r>
-              <a:rPr b="0" lang="pt-BR" sz="1800" spc="-1" strike="noStrike">
+              <a:rPr b="0" lang="pt-BR" sz="2000" spc="-1" strike="noStrike">
                 <a:latin typeface="Arial"/>
               </a:rPr>
               <a:t>7.º nível da estrutura de tópicos</a:t>
             </a:r>
-            <a:endParaRPr b="0" lang="pt-BR" sz="1800" spc="-1" strike="noStrike">
+            <a:endParaRPr b="0" lang="pt-BR" sz="2000" spc="-1" strike="noStrike">
               <a:latin typeface="Arial"/>
             </a:endParaRPr>
           </a:p>
@@ -4898,7 +4907,7 @@
         <p:spPr>
           <a:xfrm>
             <a:off x="0" y="3866760"/>
-            <a:ext cx="12186360" cy="3012840"/>
+            <a:ext cx="12186000" cy="3012480"/>
           </a:xfrm>
           <a:prstGeom prst="rect">
             <a:avLst/>
@@ -4921,7 +4930,7 @@
         <p:spPr>
           <a:xfrm>
             <a:off x="3689640" y="629280"/>
-            <a:ext cx="4806720" cy="3593520"/>
+            <a:ext cx="4806360" cy="3593160"/>
           </a:xfrm>
           <a:prstGeom prst="rect">
             <a:avLst/>
@@ -4931,6 +4940,2357 @@
           </a:ln>
         </p:spPr>
       </p:pic>
+    </p:spTree>
+  </p:cSld>
+  <mc:AlternateContent>
+    <mc:Choice Requires="p14">
+      <p:transition spd="slow" p14:dur="2000"/>
+    </mc:Choice>
+    <mc:Fallback>
+      <p:transition spd="slow"/>
+    </mc:Fallback>
+  </mc:AlternateContent>
+</p:sld>
+</file>
+
+<file path=ppt/slides/slide10.xml><?xml version="1.0" encoding="utf-8"?>
+<p:sld xmlns:a="http://schemas.openxmlformats.org/drawingml/2006/main" xmlns:p="http://schemas.openxmlformats.org/presentationml/2006/main" xmlns:r="http://schemas.openxmlformats.org/officeDocument/2006/relationships" xmlns:p14="http://schemas.microsoft.com/office/powerpoint/2010/main" xmlns:p15="http://schemas.microsoft.com/office/powerpoint/2012/main" xmlns:mc="http://schemas.openxmlformats.org/markup-compatibility/2006">
+  <p:cSld>
+    <p:spTree>
+      <p:nvGrpSpPr>
+        <p:cNvPr id="1" name=""/>
+        <p:cNvGrpSpPr/>
+        <p:nvPr/>
+      </p:nvGrpSpPr>
+      <p:grpSpPr>
+        <a:xfrm>
+          <a:off x="0" y="0"/>
+          <a:ext cx="0" cy="0"/>
+          <a:chOff x="0" y="0"/>
+          <a:chExt cx="0" cy="0"/>
+        </a:xfrm>
+      </p:grpSpPr>
+      <p:pic>
+        <p:nvPicPr>
+          <p:cNvPr id="149" name="Imagem 3_6" descr=""/>
+          <p:cNvPicPr/>
+          <p:nvPr/>
+        </p:nvPicPr>
+        <p:blipFill>
+          <a:blip r:embed="rId1"/>
+          <a:srcRect l="0" t="0" r="0" b="14956"/>
+          <a:stretch/>
+        </p:blipFill>
+        <p:spPr>
+          <a:xfrm>
+            <a:off x="2520" y="3866760"/>
+            <a:ext cx="12186000" cy="3012480"/>
+          </a:xfrm>
+          <a:prstGeom prst="rect">
+            <a:avLst/>
+          </a:prstGeom>
+          <a:ln>
+            <a:noFill/>
+          </a:ln>
+        </p:spPr>
+      </p:pic>
+      <p:sp>
+        <p:nvSpPr>
+          <p:cNvPr id="150" name="CustomShape 1"/>
+          <p:cNvSpPr/>
+          <p:nvPr/>
+        </p:nvSpPr>
+        <p:spPr>
+          <a:xfrm>
+            <a:off x="371520" y="172800"/>
+            <a:ext cx="11442960" cy="669600"/>
+          </a:xfrm>
+          <a:prstGeom prst="rect">
+            <a:avLst/>
+          </a:prstGeom>
+          <a:noFill/>
+          <a:ln>
+            <a:noFill/>
+          </a:ln>
+        </p:spPr>
+        <p:style>
+          <a:lnRef idx="0"/>
+          <a:fillRef idx="0"/>
+          <a:effectRef idx="0"/>
+          <a:fontRef idx="minor"/>
+        </p:style>
+        <p:txBody>
+          <a:bodyPr lIns="90000" rIns="90000" tIns="45000" bIns="45000">
+            <a:spAutoFit/>
+          </a:bodyPr>
+          <a:p>
+            <a:pPr algn="ctr">
+              <a:lnSpc>
+                <a:spcPct val="100000"/>
+              </a:lnSpc>
+            </a:pPr>
+            <a:r>
+              <a:rPr b="1" lang="pt-BR" sz="3800" spc="-1" strike="noStrike">
+                <a:solidFill>
+                  <a:srgbClr val="09386f"/>
+                </a:solidFill>
+                <a:latin typeface="Segoe Condensed"/>
+                <a:ea typeface="DejaVu Sans"/>
+              </a:rPr>
+              <a:t>ACESSIBILIDADE</a:t>
+            </a:r>
+            <a:endParaRPr b="0" lang="pt-BR" sz="3800" spc="-1" strike="noStrike">
+              <a:latin typeface="Arial"/>
+            </a:endParaRPr>
+          </a:p>
+        </p:txBody>
+      </p:sp>
+      <p:sp>
+        <p:nvSpPr>
+          <p:cNvPr id="151" name="CustomShape 2"/>
+          <p:cNvSpPr/>
+          <p:nvPr/>
+        </p:nvSpPr>
+        <p:spPr>
+          <a:xfrm>
+            <a:off x="432000" y="1440000"/>
+            <a:ext cx="11228400" cy="4697640"/>
+          </a:xfrm>
+          <a:prstGeom prst="rect">
+            <a:avLst/>
+          </a:prstGeom>
+          <a:noFill/>
+          <a:ln>
+            <a:noFill/>
+          </a:ln>
+        </p:spPr>
+        <p:style>
+          <a:lnRef idx="0"/>
+          <a:fillRef idx="0"/>
+          <a:effectRef idx="0"/>
+          <a:fontRef idx="minor"/>
+        </p:style>
+        <p:txBody>
+          <a:bodyPr lIns="90000" rIns="90000" tIns="45000" bIns="45000">
+            <a:noAutofit/>
+          </a:bodyPr>
+          <a:p>
+            <a:pPr marL="216000" indent="-212400" algn="just">
+              <a:lnSpc>
+                <a:spcPct val="100000"/>
+              </a:lnSpc>
+              <a:spcBef>
+                <a:spcPts val="1417"/>
+              </a:spcBef>
+              <a:spcAft>
+                <a:spcPts val="1417"/>
+              </a:spcAft>
+              <a:buClr>
+                <a:srgbClr val="000000"/>
+              </a:buClr>
+              <a:buSzPct val="45000"/>
+              <a:buFont typeface="Wingdings" charset="2"/>
+              <a:buChar char=""/>
+            </a:pPr>
+            <a:r>
+              <a:rPr b="0" lang="pt-BR" sz="2800" spc="-1" strike="noStrike">
+                <a:solidFill>
+                  <a:srgbClr val="000000"/>
+                </a:solidFill>
+                <a:latin typeface="Arial"/>
+                <a:ea typeface="DejaVu Sans"/>
+              </a:rPr>
+              <a:t>A acessibilidade da Web é o design e a criação de sites que podem </a:t>
+            </a:r>
+            <a:r>
+              <a:rPr b="0" lang="pt-BR" sz="2800" spc="-1" strike="noStrike">
+                <a:solidFill>
+                  <a:srgbClr val="000000"/>
+                </a:solidFill>
+                <a:latin typeface="Arial"/>
+                <a:ea typeface="DejaVu Sans"/>
+              </a:rPr>
+              <a:t>ser usados ​​por todos.</a:t>
+            </a:r>
+            <a:endParaRPr b="0" lang="pt-BR" sz="2800" spc="-1" strike="noStrike">
+              <a:latin typeface="Arial"/>
+            </a:endParaRPr>
+          </a:p>
+          <a:p>
+            <a:pPr marL="216000" indent="-212400" algn="just">
+              <a:lnSpc>
+                <a:spcPct val="100000"/>
+              </a:lnSpc>
+              <a:spcBef>
+                <a:spcPts val="1417"/>
+              </a:spcBef>
+              <a:spcAft>
+                <a:spcPts val="1417"/>
+              </a:spcAft>
+              <a:buClr>
+                <a:srgbClr val="000000"/>
+              </a:buClr>
+              <a:buSzPct val="45000"/>
+              <a:buFont typeface="Wingdings" charset="2"/>
+              <a:buChar char=""/>
+            </a:pPr>
+            <a:r>
+              <a:rPr b="0" lang="pt-BR" sz="2800" spc="-1" strike="noStrike">
+                <a:solidFill>
+                  <a:srgbClr val="000000"/>
+                </a:solidFill>
+                <a:latin typeface="Arial"/>
+                <a:ea typeface="DejaVu Sans"/>
+              </a:rPr>
+              <a:t>O suporte à acessibilidade é necessário para permitir que tecnologias </a:t>
+            </a:r>
+            <a:r>
+              <a:rPr b="0" lang="pt-BR" sz="2800" spc="-1" strike="noStrike">
+                <a:solidFill>
+                  <a:srgbClr val="000000"/>
+                </a:solidFill>
+                <a:latin typeface="Arial"/>
+                <a:ea typeface="DejaVu Sans"/>
+              </a:rPr>
+              <a:t>assistivas interpretem as páginas da web.</a:t>
+            </a:r>
+            <a:endParaRPr b="0" lang="pt-BR" sz="2800" spc="-1" strike="noStrike">
+              <a:latin typeface="Arial"/>
+            </a:endParaRPr>
+          </a:p>
+          <a:p>
+            <a:pPr marL="216000" indent="-212400" algn="just">
+              <a:lnSpc>
+                <a:spcPct val="100000"/>
+              </a:lnSpc>
+              <a:spcBef>
+                <a:spcPts val="1417"/>
+              </a:spcBef>
+              <a:spcAft>
+                <a:spcPts val="1417"/>
+              </a:spcAft>
+              <a:buClr>
+                <a:srgbClr val="000000"/>
+              </a:buClr>
+              <a:buSzPct val="45000"/>
+              <a:buFont typeface="Wingdings" charset="2"/>
+              <a:buChar char=""/>
+            </a:pPr>
+            <a:r>
+              <a:rPr b="0" lang="pt-BR" sz="2800" spc="-1" strike="noStrike">
+                <a:solidFill>
+                  <a:srgbClr val="000000"/>
+                </a:solidFill>
+                <a:latin typeface="Arial"/>
+                <a:ea typeface="DejaVu Sans"/>
+              </a:rPr>
+              <a:t>React suporta totalmente a construção de sites acessíveis, muitas </a:t>
+            </a:r>
+            <a:r>
+              <a:rPr b="0" lang="pt-BR" sz="2800" spc="-1" strike="noStrike">
+                <a:solidFill>
+                  <a:srgbClr val="000000"/>
+                </a:solidFill>
+                <a:latin typeface="Arial"/>
+                <a:ea typeface="DejaVu Sans"/>
+              </a:rPr>
+              <a:t>vezes usando técnicas HTML padrão.</a:t>
+            </a:r>
+            <a:endParaRPr b="0" lang="pt-BR" sz="2800" spc="-1" strike="noStrike">
+              <a:latin typeface="Arial"/>
+            </a:endParaRPr>
+          </a:p>
+        </p:txBody>
+      </p:sp>
+    </p:spTree>
+  </p:cSld>
+  <mc:AlternateContent>
+    <mc:Choice Requires="p14">
+      <p:transition spd="slow" p14:dur="2000"/>
+    </mc:Choice>
+    <mc:Fallback>
+      <p:transition spd="slow"/>
+    </mc:Fallback>
+  </mc:AlternateContent>
+</p:sld>
+</file>
+
+<file path=ppt/slides/slide11.xml><?xml version="1.0" encoding="utf-8"?>
+<p:sld xmlns:a="http://schemas.openxmlformats.org/drawingml/2006/main" xmlns:p="http://schemas.openxmlformats.org/presentationml/2006/main" xmlns:r="http://schemas.openxmlformats.org/officeDocument/2006/relationships" xmlns:p14="http://schemas.microsoft.com/office/powerpoint/2010/main" xmlns:p15="http://schemas.microsoft.com/office/powerpoint/2012/main" xmlns:mc="http://schemas.openxmlformats.org/markup-compatibility/2006">
+  <p:cSld>
+    <p:spTree>
+      <p:nvGrpSpPr>
+        <p:cNvPr id="1" name=""/>
+        <p:cNvGrpSpPr/>
+        <p:nvPr/>
+      </p:nvGrpSpPr>
+      <p:grpSpPr>
+        <a:xfrm>
+          <a:off x="0" y="0"/>
+          <a:ext cx="0" cy="0"/>
+          <a:chOff x="0" y="0"/>
+          <a:chExt cx="0" cy="0"/>
+        </a:xfrm>
+      </p:grpSpPr>
+      <p:pic>
+        <p:nvPicPr>
+          <p:cNvPr id="152" name="Imagem 3_7" descr=""/>
+          <p:cNvPicPr/>
+          <p:nvPr/>
+        </p:nvPicPr>
+        <p:blipFill>
+          <a:blip r:embed="rId1"/>
+          <a:srcRect l="0" t="0" r="0" b="14956"/>
+          <a:stretch/>
+        </p:blipFill>
+        <p:spPr>
+          <a:xfrm>
+            <a:off x="2520" y="3866760"/>
+            <a:ext cx="12186000" cy="3012480"/>
+          </a:xfrm>
+          <a:prstGeom prst="rect">
+            <a:avLst/>
+          </a:prstGeom>
+          <a:ln>
+            <a:noFill/>
+          </a:ln>
+        </p:spPr>
+      </p:pic>
+      <p:sp>
+        <p:nvSpPr>
+          <p:cNvPr id="153" name="CustomShape 1"/>
+          <p:cNvSpPr/>
+          <p:nvPr/>
+        </p:nvSpPr>
+        <p:spPr>
+          <a:xfrm>
+            <a:off x="371520" y="172800"/>
+            <a:ext cx="11442960" cy="839880"/>
+          </a:xfrm>
+          <a:prstGeom prst="rect">
+            <a:avLst/>
+          </a:prstGeom>
+          <a:noFill/>
+          <a:ln>
+            <a:noFill/>
+          </a:ln>
+        </p:spPr>
+        <p:style>
+          <a:lnRef idx="0"/>
+          <a:fillRef idx="0"/>
+          <a:effectRef idx="0"/>
+          <a:fontRef idx="minor"/>
+        </p:style>
+        <p:txBody>
+          <a:bodyPr lIns="90000" rIns="90000" tIns="45000" bIns="45000">
+            <a:spAutoFit/>
+          </a:bodyPr>
+          <a:p>
+            <a:pPr algn="ctr">
+              <a:lnSpc>
+                <a:spcPct val="100000"/>
+              </a:lnSpc>
+            </a:pPr>
+            <a:r>
+              <a:rPr b="1" lang="pt-BR" sz="3800" spc="-1" strike="noStrike">
+                <a:solidFill>
+                  <a:srgbClr val="09386f"/>
+                </a:solidFill>
+                <a:latin typeface="Segoe Condensed"/>
+                <a:ea typeface="DejaVu Sans"/>
+              </a:rPr>
+              <a:t>ACESSIBILIDADE</a:t>
+            </a:r>
+            <a:endParaRPr b="0" lang="pt-BR" sz="3800" spc="-1" strike="noStrike">
+              <a:latin typeface="Arial"/>
+            </a:endParaRPr>
+          </a:p>
+          <a:p>
+            <a:pPr algn="ctr">
+              <a:lnSpc>
+                <a:spcPct val="80000"/>
+              </a:lnSpc>
+            </a:pPr>
+            <a:r>
+              <a:rPr b="0" lang="pt-BR" sz="1400" spc="-1" strike="noStrike">
+                <a:solidFill>
+                  <a:srgbClr val="8497b0"/>
+                </a:solidFill>
+                <a:latin typeface="Roboto"/>
+                <a:ea typeface="Roboto"/>
+              </a:rPr>
+              <a:t>WCAG – WEB CONTENT ACCESSIBILITY GUIDELINES</a:t>
+            </a:r>
+            <a:endParaRPr b="0" lang="pt-BR" sz="1400" spc="-1" strike="noStrike">
+              <a:latin typeface="Arial"/>
+            </a:endParaRPr>
+          </a:p>
+        </p:txBody>
+      </p:sp>
+      <p:sp>
+        <p:nvSpPr>
+          <p:cNvPr id="154" name="CustomShape 2"/>
+          <p:cNvSpPr/>
+          <p:nvPr/>
+        </p:nvSpPr>
+        <p:spPr>
+          <a:xfrm>
+            <a:off x="432000" y="1440000"/>
+            <a:ext cx="11228400" cy="4697640"/>
+          </a:xfrm>
+          <a:prstGeom prst="rect">
+            <a:avLst/>
+          </a:prstGeom>
+          <a:noFill/>
+          <a:ln>
+            <a:noFill/>
+          </a:ln>
+        </p:spPr>
+        <p:style>
+          <a:lnRef idx="0"/>
+          <a:fillRef idx="0"/>
+          <a:effectRef idx="0"/>
+          <a:fontRef idx="minor"/>
+        </p:style>
+        <p:txBody>
+          <a:bodyPr lIns="90000" rIns="90000" tIns="45000" bIns="45000">
+            <a:noAutofit/>
+          </a:bodyPr>
+          <a:p>
+            <a:pPr marL="216000" indent="-212400" algn="just">
+              <a:lnSpc>
+                <a:spcPct val="100000"/>
+              </a:lnSpc>
+              <a:spcBef>
+                <a:spcPts val="1417"/>
+              </a:spcBef>
+              <a:spcAft>
+                <a:spcPts val="1417"/>
+              </a:spcAft>
+              <a:buClr>
+                <a:srgbClr val="000000"/>
+              </a:buClr>
+              <a:buSzPct val="45000"/>
+              <a:buFont typeface="Wingdings" charset="2"/>
+              <a:buChar char=""/>
+            </a:pPr>
+            <a:r>
+              <a:rPr b="0" lang="pt-BR" sz="2800" spc="-1" strike="noStrike">
+                <a:solidFill>
+                  <a:srgbClr val="000000"/>
+                </a:solidFill>
+                <a:latin typeface="Arial"/>
+                <a:ea typeface="DejaVu Sans"/>
+              </a:rPr>
+              <a:t>O Web Content Accessibility Guidelines fornece diretrizes para a </a:t>
+            </a:r>
+            <a:r>
+              <a:rPr b="0" lang="pt-BR" sz="2800" spc="-1" strike="noStrike">
+                <a:solidFill>
+                  <a:srgbClr val="000000"/>
+                </a:solidFill>
+                <a:latin typeface="Arial"/>
+                <a:ea typeface="DejaVu Sans"/>
+              </a:rPr>
+              <a:t>criação de sites acessíveis.</a:t>
+            </a:r>
+            <a:endParaRPr b="0" lang="pt-BR" sz="2800" spc="-1" strike="noStrike">
+              <a:latin typeface="Arial"/>
+            </a:endParaRPr>
+          </a:p>
+          <a:p>
+            <a:pPr marL="216000" indent="-212400" algn="just">
+              <a:lnSpc>
+                <a:spcPct val="100000"/>
+              </a:lnSpc>
+              <a:spcBef>
+                <a:spcPts val="1417"/>
+              </a:spcBef>
+              <a:spcAft>
+                <a:spcPts val="1417"/>
+              </a:spcAft>
+              <a:buClr>
+                <a:srgbClr val="000000"/>
+              </a:buClr>
+              <a:buSzPct val="45000"/>
+              <a:buFont typeface="Wingdings" charset="2"/>
+              <a:buChar char=""/>
+            </a:pPr>
+            <a:r>
+              <a:rPr b="0" lang="pt-BR" sz="2800" spc="-1" strike="noStrike">
+                <a:solidFill>
+                  <a:srgbClr val="000000"/>
+                </a:solidFill>
+                <a:latin typeface="Arial"/>
+                <a:ea typeface="DejaVu Sans"/>
+              </a:rPr>
+              <a:t>As seguintes checklists das WCAG fornecem uma visão geral:</a:t>
+            </a:r>
+            <a:endParaRPr b="0" lang="pt-BR" sz="2800" spc="-1" strike="noStrike">
+              <a:latin typeface="Arial"/>
+            </a:endParaRPr>
+          </a:p>
+          <a:p>
+            <a:pPr lvl="2" marL="648000" indent="-216000" algn="just">
+              <a:lnSpc>
+                <a:spcPct val="100000"/>
+              </a:lnSpc>
+              <a:spcBef>
+                <a:spcPts val="1417"/>
+              </a:spcBef>
+              <a:spcAft>
+                <a:spcPts val="1417"/>
+              </a:spcAft>
+              <a:buClr>
+                <a:srgbClr val="000000"/>
+              </a:buClr>
+              <a:buSzPct val="45000"/>
+              <a:buFont typeface="Wingdings" charset="2"/>
+              <a:buChar char=""/>
+            </a:pPr>
+            <a:r>
+              <a:rPr b="0" lang="pt-BR" sz="2800" spc="-1" strike="noStrike">
+                <a:solidFill>
+                  <a:srgbClr val="2a6099"/>
+                </a:solidFill>
+                <a:latin typeface="Arial"/>
+                <a:ea typeface="DejaVu Sans"/>
+                <a:hlinkClick r:id="rId2"/>
+              </a:rPr>
+              <a:t>WCAG checklist from Wuhcag</a:t>
+            </a:r>
+            <a:endParaRPr b="0" lang="pt-BR" sz="2800" spc="-1" strike="noStrike">
+              <a:latin typeface="Arial"/>
+            </a:endParaRPr>
+          </a:p>
+          <a:p>
+            <a:pPr lvl="2" marL="648000" indent="-216000" algn="just">
+              <a:lnSpc>
+                <a:spcPct val="100000"/>
+              </a:lnSpc>
+              <a:spcBef>
+                <a:spcPts val="1417"/>
+              </a:spcBef>
+              <a:spcAft>
+                <a:spcPts val="1417"/>
+              </a:spcAft>
+              <a:buClr>
+                <a:srgbClr val="000000"/>
+              </a:buClr>
+              <a:buSzPct val="45000"/>
+              <a:buFont typeface="Wingdings" charset="2"/>
+              <a:buChar char=""/>
+            </a:pPr>
+            <a:r>
+              <a:rPr b="0" lang="pt-BR" sz="2800" spc="-1" strike="noStrike">
+                <a:solidFill>
+                  <a:srgbClr val="2a6099"/>
+                </a:solidFill>
+                <a:latin typeface="Arial"/>
+                <a:ea typeface="DejaVu Sans"/>
+                <a:hlinkClick r:id="rId3"/>
+              </a:rPr>
+              <a:t>WCAG checklist from WebAIM</a:t>
+            </a:r>
+            <a:endParaRPr b="0" lang="pt-BR" sz="2800" spc="-1" strike="noStrike">
+              <a:latin typeface="Arial"/>
+            </a:endParaRPr>
+          </a:p>
+          <a:p>
+            <a:pPr lvl="2" marL="648000" indent="-216000" algn="just">
+              <a:lnSpc>
+                <a:spcPct val="100000"/>
+              </a:lnSpc>
+              <a:spcBef>
+                <a:spcPts val="1417"/>
+              </a:spcBef>
+              <a:spcAft>
+                <a:spcPts val="1417"/>
+              </a:spcAft>
+              <a:buClr>
+                <a:srgbClr val="000000"/>
+              </a:buClr>
+              <a:buSzPct val="45000"/>
+              <a:buFont typeface="Wingdings" charset="2"/>
+              <a:buChar char=""/>
+            </a:pPr>
+            <a:r>
+              <a:rPr b="0" lang="pt-BR" sz="2800" spc="-1" strike="noStrike">
+                <a:solidFill>
+                  <a:srgbClr val="2a6099"/>
+                </a:solidFill>
+                <a:latin typeface="Arial"/>
+                <a:ea typeface="DejaVu Sans"/>
+                <a:hlinkClick r:id="rId4"/>
+              </a:rPr>
+              <a:t>Checklist from The A11Y Project</a:t>
+            </a:r>
+            <a:endParaRPr b="0" lang="pt-BR" sz="2800" spc="-1" strike="noStrike">
+              <a:latin typeface="Arial"/>
+            </a:endParaRPr>
+          </a:p>
+        </p:txBody>
+      </p:sp>
+    </p:spTree>
+  </p:cSld>
+  <mc:AlternateContent>
+    <mc:Choice Requires="p14">
+      <p:transition spd="slow" p14:dur="2000"/>
+    </mc:Choice>
+    <mc:Fallback>
+      <p:transition spd="slow"/>
+    </mc:Fallback>
+  </mc:AlternateContent>
+</p:sld>
+</file>
+
+<file path=ppt/slides/slide12.xml><?xml version="1.0" encoding="utf-8"?>
+<p:sld xmlns:a="http://schemas.openxmlformats.org/drawingml/2006/main" xmlns:p="http://schemas.openxmlformats.org/presentationml/2006/main" xmlns:r="http://schemas.openxmlformats.org/officeDocument/2006/relationships" xmlns:p14="http://schemas.microsoft.com/office/powerpoint/2010/main" xmlns:p15="http://schemas.microsoft.com/office/powerpoint/2012/main" xmlns:mc="http://schemas.openxmlformats.org/markup-compatibility/2006">
+  <p:cSld>
+    <p:spTree>
+      <p:nvGrpSpPr>
+        <p:cNvPr id="1" name=""/>
+        <p:cNvGrpSpPr/>
+        <p:nvPr/>
+      </p:nvGrpSpPr>
+      <p:grpSpPr>
+        <a:xfrm>
+          <a:off x="0" y="0"/>
+          <a:ext cx="0" cy="0"/>
+          <a:chOff x="0" y="0"/>
+          <a:chExt cx="0" cy="0"/>
+        </a:xfrm>
+      </p:grpSpPr>
+      <p:pic>
+        <p:nvPicPr>
+          <p:cNvPr id="155" name="Imagem 3_8" descr=""/>
+          <p:cNvPicPr/>
+          <p:nvPr/>
+        </p:nvPicPr>
+        <p:blipFill>
+          <a:blip r:embed="rId1"/>
+          <a:srcRect l="0" t="0" r="0" b="14956"/>
+          <a:stretch/>
+        </p:blipFill>
+        <p:spPr>
+          <a:xfrm>
+            <a:off x="2520" y="3866760"/>
+            <a:ext cx="12186000" cy="3012480"/>
+          </a:xfrm>
+          <a:prstGeom prst="rect">
+            <a:avLst/>
+          </a:prstGeom>
+          <a:ln>
+            <a:noFill/>
+          </a:ln>
+        </p:spPr>
+      </p:pic>
+      <p:sp>
+        <p:nvSpPr>
+          <p:cNvPr id="156" name="CustomShape 1"/>
+          <p:cNvSpPr/>
+          <p:nvPr/>
+        </p:nvSpPr>
+        <p:spPr>
+          <a:xfrm>
+            <a:off x="371520" y="172800"/>
+            <a:ext cx="11442960" cy="839880"/>
+          </a:xfrm>
+          <a:prstGeom prst="rect">
+            <a:avLst/>
+          </a:prstGeom>
+          <a:noFill/>
+          <a:ln>
+            <a:noFill/>
+          </a:ln>
+        </p:spPr>
+        <p:style>
+          <a:lnRef idx="0"/>
+          <a:fillRef idx="0"/>
+          <a:effectRef idx="0"/>
+          <a:fontRef idx="minor"/>
+        </p:style>
+        <p:txBody>
+          <a:bodyPr lIns="90000" rIns="90000" tIns="45000" bIns="45000">
+            <a:spAutoFit/>
+          </a:bodyPr>
+          <a:p>
+            <a:pPr algn="ctr">
+              <a:lnSpc>
+                <a:spcPct val="100000"/>
+              </a:lnSpc>
+            </a:pPr>
+            <a:r>
+              <a:rPr b="1" lang="pt-BR" sz="3800" spc="-1" strike="noStrike">
+                <a:solidFill>
+                  <a:srgbClr val="09386f"/>
+                </a:solidFill>
+                <a:latin typeface="Segoe Condensed"/>
+                <a:ea typeface="DejaVu Sans"/>
+              </a:rPr>
+              <a:t>ACESSIBILIDADE</a:t>
+            </a:r>
+            <a:endParaRPr b="0" lang="pt-BR" sz="3800" spc="-1" strike="noStrike">
+              <a:latin typeface="Arial"/>
+            </a:endParaRPr>
+          </a:p>
+          <a:p>
+            <a:pPr algn="ctr">
+              <a:lnSpc>
+                <a:spcPct val="80000"/>
+              </a:lnSpc>
+            </a:pPr>
+            <a:r>
+              <a:rPr b="0" lang="pt-BR" sz="1400" spc="-1" strike="noStrike">
+                <a:solidFill>
+                  <a:srgbClr val="8497b0"/>
+                </a:solidFill>
+                <a:latin typeface="Roboto"/>
+                <a:ea typeface="Roboto"/>
+              </a:rPr>
+              <a:t>WAI-ARIA – WEB ACCESSIBILITY INITIATIVE - ACCESSIBLE RICH INTERNET APPLICATIONS</a:t>
+            </a:r>
+            <a:endParaRPr b="0" lang="pt-BR" sz="1400" spc="-1" strike="noStrike">
+              <a:latin typeface="Arial"/>
+            </a:endParaRPr>
+          </a:p>
+        </p:txBody>
+      </p:sp>
+      <p:sp>
+        <p:nvSpPr>
+          <p:cNvPr id="157" name="CustomShape 2"/>
+          <p:cNvSpPr/>
+          <p:nvPr/>
+        </p:nvSpPr>
+        <p:spPr>
+          <a:xfrm>
+            <a:off x="432000" y="1260000"/>
+            <a:ext cx="11228400" cy="4697640"/>
+          </a:xfrm>
+          <a:prstGeom prst="rect">
+            <a:avLst/>
+          </a:prstGeom>
+          <a:noFill/>
+          <a:ln>
+            <a:noFill/>
+          </a:ln>
+        </p:spPr>
+        <p:style>
+          <a:lnRef idx="0"/>
+          <a:fillRef idx="0"/>
+          <a:effectRef idx="0"/>
+          <a:fontRef idx="minor"/>
+        </p:style>
+        <p:txBody>
+          <a:bodyPr lIns="90000" rIns="90000" tIns="45000" bIns="45000">
+            <a:noAutofit/>
+          </a:bodyPr>
+          <a:p>
+            <a:pPr marL="216000" indent="-212400" algn="just">
+              <a:lnSpc>
+                <a:spcPct val="100000"/>
+              </a:lnSpc>
+              <a:spcBef>
+                <a:spcPts val="1417"/>
+              </a:spcBef>
+              <a:spcAft>
+                <a:spcPts val="1417"/>
+              </a:spcAft>
+              <a:buClr>
+                <a:srgbClr val="000000"/>
+              </a:buClr>
+              <a:buSzPct val="45000"/>
+              <a:buFont typeface="Wingdings" charset="2"/>
+              <a:buChar char=""/>
+            </a:pPr>
+            <a:r>
+              <a:rPr b="0" lang="pt-BR" sz="2800" spc="-1" strike="noStrike">
+                <a:solidFill>
+                  <a:srgbClr val="000000"/>
+                </a:solidFill>
+                <a:latin typeface="Arial"/>
+                <a:ea typeface="DejaVu Sans"/>
+              </a:rPr>
+              <a:t>O </a:t>
+            </a:r>
+            <a:r>
+              <a:rPr b="0" lang="pt-BR" sz="2800" spc="-1" strike="noStrike">
+                <a:solidFill>
+                  <a:srgbClr val="2a6099"/>
+                </a:solidFill>
+                <a:latin typeface="Arial"/>
+                <a:ea typeface="DejaVu Sans"/>
+                <a:hlinkClick r:id="rId2"/>
+              </a:rPr>
+              <a:t>documento WAI-ARIA</a:t>
+            </a:r>
+            <a:r>
+              <a:rPr b="0" lang="pt-BR" sz="2800" spc="-1" strike="noStrike">
+                <a:solidFill>
+                  <a:srgbClr val="000000"/>
+                </a:solidFill>
+                <a:latin typeface="Arial"/>
+                <a:ea typeface="DejaVu Sans"/>
+              </a:rPr>
+              <a:t> contém técnicas para a criação de widgets </a:t>
+            </a:r>
+            <a:r>
+              <a:rPr b="0" lang="pt-BR" sz="2800" spc="-1" strike="noStrike">
+                <a:solidFill>
+                  <a:srgbClr val="000000"/>
+                </a:solidFill>
+                <a:latin typeface="Arial"/>
+                <a:ea typeface="DejaVu Sans"/>
+              </a:rPr>
+              <a:t>JavaScript totalmente acessíveis.</a:t>
+            </a:r>
+            <a:endParaRPr b="0" lang="pt-BR" sz="2800" spc="-1" strike="noStrike">
+              <a:latin typeface="Arial"/>
+            </a:endParaRPr>
+          </a:p>
+          <a:p>
+            <a:pPr marL="216000" indent="-212400" algn="just">
+              <a:lnSpc>
+                <a:spcPct val="100000"/>
+              </a:lnSpc>
+              <a:spcBef>
+                <a:spcPts val="1417"/>
+              </a:spcBef>
+              <a:spcAft>
+                <a:spcPts val="1417"/>
+              </a:spcAft>
+              <a:buClr>
+                <a:srgbClr val="000000"/>
+              </a:buClr>
+              <a:buSzPct val="45000"/>
+              <a:buFont typeface="Wingdings" charset="2"/>
+              <a:buChar char=""/>
+            </a:pPr>
+            <a:r>
+              <a:rPr b="0" lang="pt-BR" sz="2800" spc="-1" strike="noStrike">
+                <a:solidFill>
+                  <a:srgbClr val="000000"/>
+                </a:solidFill>
+                <a:latin typeface="Arial"/>
+                <a:ea typeface="DejaVu Sans"/>
+              </a:rPr>
+              <a:t>todos os atributos HTML aria-* são totalmente suportados no JSX.</a:t>
+            </a:r>
+            <a:endParaRPr b="0" lang="pt-BR" sz="2800" spc="-1" strike="noStrike">
+              <a:latin typeface="Arial"/>
+            </a:endParaRPr>
+          </a:p>
+          <a:p>
+            <a:pPr marL="216000" indent="-212400" algn="just">
+              <a:lnSpc>
+                <a:spcPct val="100000"/>
+              </a:lnSpc>
+              <a:spcBef>
+                <a:spcPts val="1417"/>
+              </a:spcBef>
+              <a:spcAft>
+                <a:spcPts val="1417"/>
+              </a:spcAft>
+              <a:buClr>
+                <a:srgbClr val="000000"/>
+              </a:buClr>
+              <a:buSzPct val="45000"/>
+              <a:buFont typeface="Wingdings" charset="2"/>
+              <a:buChar char=""/>
+            </a:pPr>
+            <a:r>
+              <a:rPr b="0" lang="pt-BR" sz="2800" spc="-1" strike="noStrike">
+                <a:solidFill>
+                  <a:srgbClr val="000000"/>
+                </a:solidFill>
+                <a:latin typeface="Arial"/>
+                <a:ea typeface="DejaVu Sans"/>
+              </a:rPr>
+              <a:t>Enquanto a maioria das propriedades e atributos do DOM no React </a:t>
+            </a:r>
+            <a:r>
+              <a:rPr b="0" lang="pt-BR" sz="2800" spc="-1" strike="noStrike">
+                <a:solidFill>
+                  <a:srgbClr val="000000"/>
+                </a:solidFill>
+                <a:latin typeface="Arial"/>
+                <a:ea typeface="DejaVu Sans"/>
+              </a:rPr>
+              <a:t>são camelCase, esses atributos devem ser hyphen-case.</a:t>
+            </a:r>
+            <a:endParaRPr b="0" lang="pt-BR" sz="2800" spc="-1" strike="noStrike">
+              <a:latin typeface="Arial"/>
+            </a:endParaRPr>
+          </a:p>
+        </p:txBody>
+      </p:sp>
+      <p:sp>
+        <p:nvSpPr>
+          <p:cNvPr id="158" name="CustomShape 3"/>
+          <p:cNvSpPr/>
+          <p:nvPr/>
+        </p:nvSpPr>
+        <p:spPr>
+          <a:xfrm>
+            <a:off x="576000" y="4464000"/>
+            <a:ext cx="11087640" cy="2088000"/>
+          </a:xfrm>
+          <a:prstGeom prst="rect">
+            <a:avLst/>
+          </a:prstGeom>
+          <a:solidFill>
+            <a:srgbClr val="eeeeee">
+              <a:alpha val="70000"/>
+            </a:srgbClr>
+          </a:solidFill>
+          <a:ln cap="rnd" w="36000">
+            <a:solidFill>
+              <a:srgbClr val="808080"/>
+            </a:solidFill>
+            <a:round/>
+          </a:ln>
+        </p:spPr>
+        <p:style>
+          <a:lnRef idx="0"/>
+          <a:fillRef idx="0"/>
+          <a:effectRef idx="0"/>
+          <a:fontRef idx="minor"/>
+        </p:style>
+        <p:txBody>
+          <a:bodyPr lIns="107640" rIns="107640" tIns="62640" bIns="62640">
+            <a:noAutofit/>
+          </a:bodyPr>
+          <a:p>
+            <a:pPr>
+              <a:lnSpc>
+                <a:spcPct val="100000"/>
+              </a:lnSpc>
+            </a:pPr>
+            <a:r>
+              <a:rPr b="0" lang="pt-BR" sz="1600" spc="-1" strike="noStrike">
+                <a:solidFill>
+                  <a:srgbClr val="000000"/>
+                </a:solidFill>
+                <a:latin typeface="Nimbus Mono PS"/>
+                <a:ea typeface="DejaVu Sans"/>
+              </a:rPr>
+              <a:t>&lt;</a:t>
+            </a:r>
+            <a:r>
+              <a:rPr b="0" lang="pt-BR" sz="1600" spc="-1" strike="noStrike">
+                <a:solidFill>
+                  <a:srgbClr val="008000"/>
+                </a:solidFill>
+                <a:latin typeface="Nimbus Mono PS"/>
+                <a:ea typeface="DejaVu Sans"/>
+              </a:rPr>
+              <a:t>input</a:t>
+            </a:r>
+            <a:endParaRPr b="0" lang="pt-BR" sz="1600" spc="-1" strike="noStrike">
+              <a:latin typeface="Arial"/>
+            </a:endParaRPr>
+          </a:p>
+          <a:p>
+            <a:pPr>
+              <a:lnSpc>
+                <a:spcPct val="100000"/>
+              </a:lnSpc>
+            </a:pPr>
+            <a:r>
+              <a:rPr b="0" lang="pt-BR" sz="1600" spc="-1" strike="noStrike">
+                <a:solidFill>
+                  <a:srgbClr val="000000"/>
+                </a:solidFill>
+                <a:latin typeface="Nimbus Mono PS"/>
+                <a:ea typeface="DejaVu Sans"/>
+              </a:rPr>
+              <a:t>  </a:t>
+            </a:r>
+            <a:r>
+              <a:rPr b="0" lang="pt-BR" sz="1600" spc="-1" strike="noStrike">
+                <a:solidFill>
+                  <a:srgbClr val="7d9029"/>
+                </a:solidFill>
+                <a:latin typeface="Nimbus Mono PS"/>
+                <a:ea typeface="DejaVu Sans"/>
+              </a:rPr>
+              <a:t>type</a:t>
+            </a:r>
+            <a:r>
+              <a:rPr b="0" lang="pt-BR" sz="1600" spc="-1" strike="noStrike">
+                <a:solidFill>
+                  <a:srgbClr val="666666"/>
+                </a:solidFill>
+                <a:latin typeface="Nimbus Mono PS"/>
+                <a:ea typeface="DejaVu Sans"/>
+              </a:rPr>
+              <a:t>=</a:t>
+            </a:r>
+            <a:r>
+              <a:rPr b="0" lang="pt-BR" sz="1600" spc="-1" strike="noStrike">
+                <a:solidFill>
+                  <a:srgbClr val="ba2121"/>
+                </a:solidFill>
+                <a:latin typeface="Nimbus Mono PS"/>
+                <a:ea typeface="DejaVu Sans"/>
+              </a:rPr>
+              <a:t>"text"</a:t>
+            </a:r>
+            <a:endParaRPr b="0" lang="pt-BR" sz="1600" spc="-1" strike="noStrike">
+              <a:latin typeface="Arial"/>
+            </a:endParaRPr>
+          </a:p>
+          <a:p>
+            <a:pPr>
+              <a:lnSpc>
+                <a:spcPct val="100000"/>
+              </a:lnSpc>
+            </a:pPr>
+            <a:r>
+              <a:rPr b="0" lang="pt-BR" sz="1600" spc="-1" strike="noStrike">
+                <a:solidFill>
+                  <a:srgbClr val="000000"/>
+                </a:solidFill>
+                <a:latin typeface="Nimbus Mono PS"/>
+                <a:ea typeface="DejaVu Sans"/>
+              </a:rPr>
+              <a:t>  </a:t>
+            </a:r>
+            <a:r>
+              <a:rPr b="0" lang="pt-BR" sz="1600" spc="-1" strike="noStrike">
+                <a:solidFill>
+                  <a:srgbClr val="7d9029"/>
+                </a:solidFill>
+                <a:latin typeface="Nimbus Mono PS"/>
+                <a:ea typeface="DejaVu Sans"/>
+              </a:rPr>
+              <a:t>aria-label</a:t>
+            </a:r>
+            <a:r>
+              <a:rPr b="0" lang="pt-BR" sz="1600" spc="-1" strike="noStrike">
+                <a:solidFill>
+                  <a:srgbClr val="666666"/>
+                </a:solidFill>
+                <a:latin typeface="Nimbus Mono PS"/>
+                <a:ea typeface="DejaVu Sans"/>
+              </a:rPr>
+              <a:t>=</a:t>
+            </a:r>
+            <a:r>
+              <a:rPr b="0" lang="pt-BR" sz="1600" spc="-1" strike="noStrike">
+                <a:solidFill>
+                  <a:srgbClr val="ba2121"/>
+                </a:solidFill>
+                <a:latin typeface="Nimbus Mono PS"/>
+                <a:ea typeface="DejaVu Sans"/>
+              </a:rPr>
+              <a:t>{labelText}</a:t>
+            </a:r>
+            <a:endParaRPr b="0" lang="pt-BR" sz="1600" spc="-1" strike="noStrike">
+              <a:latin typeface="Arial"/>
+            </a:endParaRPr>
+          </a:p>
+          <a:p>
+            <a:pPr>
+              <a:lnSpc>
+                <a:spcPct val="100000"/>
+              </a:lnSpc>
+            </a:pPr>
+            <a:r>
+              <a:rPr b="0" lang="pt-BR" sz="1600" spc="-1" strike="noStrike">
+                <a:solidFill>
+                  <a:srgbClr val="000000"/>
+                </a:solidFill>
+                <a:latin typeface="Nimbus Mono PS"/>
+                <a:ea typeface="DejaVu Sans"/>
+              </a:rPr>
+              <a:t>  </a:t>
+            </a:r>
+            <a:r>
+              <a:rPr b="0" lang="pt-BR" sz="1600" spc="-1" strike="noStrike">
+                <a:solidFill>
+                  <a:srgbClr val="7d9029"/>
+                </a:solidFill>
+                <a:latin typeface="Nimbus Mono PS"/>
+                <a:ea typeface="DejaVu Sans"/>
+              </a:rPr>
+              <a:t>aria-required</a:t>
+            </a:r>
+            <a:r>
+              <a:rPr b="0" lang="pt-BR" sz="1600" spc="-1" strike="noStrike">
+                <a:solidFill>
+                  <a:srgbClr val="666666"/>
+                </a:solidFill>
+                <a:latin typeface="Nimbus Mono PS"/>
+                <a:ea typeface="DejaVu Sans"/>
+              </a:rPr>
+              <a:t>=</a:t>
+            </a:r>
+            <a:r>
+              <a:rPr b="0" lang="pt-BR" sz="1600" spc="-1" strike="noStrike">
+                <a:solidFill>
+                  <a:srgbClr val="ba2121"/>
+                </a:solidFill>
+                <a:latin typeface="Nimbus Mono PS"/>
+                <a:ea typeface="DejaVu Sans"/>
+              </a:rPr>
+              <a:t>"true"</a:t>
+            </a:r>
+            <a:endParaRPr b="0" lang="pt-BR" sz="1600" spc="-1" strike="noStrike">
+              <a:latin typeface="Arial"/>
+            </a:endParaRPr>
+          </a:p>
+          <a:p>
+            <a:pPr>
+              <a:lnSpc>
+                <a:spcPct val="100000"/>
+              </a:lnSpc>
+            </a:pPr>
+            <a:r>
+              <a:rPr b="0" lang="pt-BR" sz="1600" spc="-1" strike="noStrike">
+                <a:solidFill>
+                  <a:srgbClr val="000000"/>
+                </a:solidFill>
+                <a:latin typeface="Nimbus Mono PS"/>
+                <a:ea typeface="DejaVu Sans"/>
+              </a:rPr>
+              <a:t>  </a:t>
+            </a:r>
+            <a:r>
+              <a:rPr b="0" lang="pt-BR" sz="1600" spc="-1" strike="noStrike">
+                <a:solidFill>
+                  <a:srgbClr val="7d9029"/>
+                </a:solidFill>
+                <a:latin typeface="Nimbus Mono PS"/>
+                <a:ea typeface="DejaVu Sans"/>
+              </a:rPr>
+              <a:t>onChange</a:t>
+            </a:r>
+            <a:r>
+              <a:rPr b="0" lang="pt-BR" sz="1600" spc="-1" strike="noStrike">
+                <a:solidFill>
+                  <a:srgbClr val="666666"/>
+                </a:solidFill>
+                <a:latin typeface="Nimbus Mono PS"/>
+                <a:ea typeface="DejaVu Sans"/>
+              </a:rPr>
+              <a:t>=</a:t>
+            </a:r>
+            <a:r>
+              <a:rPr b="0" lang="pt-BR" sz="1600" spc="-1" strike="noStrike">
+                <a:solidFill>
+                  <a:srgbClr val="ba2121"/>
+                </a:solidFill>
+                <a:latin typeface="Nimbus Mono PS"/>
+                <a:ea typeface="DejaVu Sans"/>
+              </a:rPr>
+              <a:t>{onchangeHandler}</a:t>
+            </a:r>
+            <a:endParaRPr b="0" lang="pt-BR" sz="1600" spc="-1" strike="noStrike">
+              <a:latin typeface="Arial"/>
+            </a:endParaRPr>
+          </a:p>
+          <a:p>
+            <a:pPr>
+              <a:lnSpc>
+                <a:spcPct val="100000"/>
+              </a:lnSpc>
+            </a:pPr>
+            <a:r>
+              <a:rPr b="0" lang="pt-BR" sz="1600" spc="-1" strike="noStrike">
+                <a:solidFill>
+                  <a:srgbClr val="000000"/>
+                </a:solidFill>
+                <a:latin typeface="Nimbus Mono PS"/>
+                <a:ea typeface="DejaVu Sans"/>
+              </a:rPr>
+              <a:t>  </a:t>
+            </a:r>
+            <a:r>
+              <a:rPr b="0" lang="pt-BR" sz="1600" spc="-1" strike="noStrike">
+                <a:solidFill>
+                  <a:srgbClr val="7d9029"/>
+                </a:solidFill>
+                <a:latin typeface="Nimbus Mono PS"/>
+                <a:ea typeface="DejaVu Sans"/>
+              </a:rPr>
+              <a:t>value</a:t>
+            </a:r>
+            <a:r>
+              <a:rPr b="0" lang="pt-BR" sz="1600" spc="-1" strike="noStrike">
+                <a:solidFill>
+                  <a:srgbClr val="666666"/>
+                </a:solidFill>
+                <a:latin typeface="Nimbus Mono PS"/>
+                <a:ea typeface="DejaVu Sans"/>
+              </a:rPr>
+              <a:t>=</a:t>
+            </a:r>
+            <a:r>
+              <a:rPr b="0" lang="pt-BR" sz="1600" spc="-1" strike="noStrike">
+                <a:solidFill>
+                  <a:srgbClr val="ba2121"/>
+                </a:solidFill>
+                <a:latin typeface="Nimbus Mono PS"/>
+                <a:ea typeface="DejaVu Sans"/>
+              </a:rPr>
+              <a:t>{inputValue}</a:t>
+            </a:r>
+            <a:endParaRPr b="0" lang="pt-BR" sz="1600" spc="-1" strike="noStrike">
+              <a:latin typeface="Arial"/>
+            </a:endParaRPr>
+          </a:p>
+          <a:p>
+            <a:pPr>
+              <a:lnSpc>
+                <a:spcPct val="100000"/>
+              </a:lnSpc>
+            </a:pPr>
+            <a:r>
+              <a:rPr b="0" lang="pt-BR" sz="1600" spc="-1" strike="noStrike">
+                <a:solidFill>
+                  <a:srgbClr val="000000"/>
+                </a:solidFill>
+                <a:latin typeface="Nimbus Mono PS"/>
+                <a:ea typeface="DejaVu Sans"/>
+              </a:rPr>
+              <a:t>  </a:t>
+            </a:r>
+            <a:r>
+              <a:rPr b="0" lang="pt-BR" sz="1600" spc="-1" strike="noStrike">
+                <a:solidFill>
+                  <a:srgbClr val="7d9029"/>
+                </a:solidFill>
+                <a:latin typeface="Nimbus Mono PS"/>
+                <a:ea typeface="DejaVu Sans"/>
+              </a:rPr>
+              <a:t>name</a:t>
+            </a:r>
+            <a:r>
+              <a:rPr b="0" lang="pt-BR" sz="1600" spc="-1" strike="noStrike">
+                <a:solidFill>
+                  <a:srgbClr val="666666"/>
+                </a:solidFill>
+                <a:latin typeface="Nimbus Mono PS"/>
+                <a:ea typeface="DejaVu Sans"/>
+              </a:rPr>
+              <a:t>=</a:t>
+            </a:r>
+            <a:r>
+              <a:rPr b="0" lang="pt-BR" sz="1600" spc="-1" strike="noStrike">
+                <a:solidFill>
+                  <a:srgbClr val="ba2121"/>
+                </a:solidFill>
+                <a:latin typeface="Nimbus Mono PS"/>
+                <a:ea typeface="DejaVu Sans"/>
+              </a:rPr>
+              <a:t>"name"</a:t>
+            </a:r>
+            <a:endParaRPr b="0" lang="pt-BR" sz="1600" spc="-1" strike="noStrike">
+              <a:latin typeface="Arial"/>
+            </a:endParaRPr>
+          </a:p>
+          <a:p>
+            <a:pPr>
+              <a:lnSpc>
+                <a:spcPct val="100000"/>
+              </a:lnSpc>
+            </a:pPr>
+            <a:r>
+              <a:rPr b="0" lang="pt-BR" sz="1600" spc="-1" strike="noStrike">
+                <a:solidFill>
+                  <a:srgbClr val="000000"/>
+                </a:solidFill>
+                <a:latin typeface="Nimbus Mono PS"/>
+                <a:ea typeface="DejaVu Sans"/>
+              </a:rPr>
+              <a:t>/&gt;</a:t>
+            </a:r>
+            <a:endParaRPr b="0" lang="pt-BR" sz="1600" spc="-1" strike="noStrike">
+              <a:latin typeface="Arial"/>
+            </a:endParaRPr>
+          </a:p>
+        </p:txBody>
+      </p:sp>
+    </p:spTree>
+  </p:cSld>
+  <mc:AlternateContent>
+    <mc:Choice Requires="p14">
+      <p:transition spd="slow" p14:dur="2000"/>
+    </mc:Choice>
+    <mc:Fallback>
+      <p:transition spd="slow"/>
+    </mc:Fallback>
+  </mc:AlternateContent>
+</p:sld>
+</file>
+
+<file path=ppt/slides/slide13.xml><?xml version="1.0" encoding="utf-8"?>
+<p:sld xmlns:a="http://schemas.openxmlformats.org/drawingml/2006/main" xmlns:p="http://schemas.openxmlformats.org/presentationml/2006/main" xmlns:r="http://schemas.openxmlformats.org/officeDocument/2006/relationships" xmlns:p14="http://schemas.microsoft.com/office/powerpoint/2010/main" xmlns:p15="http://schemas.microsoft.com/office/powerpoint/2012/main" xmlns:mc="http://schemas.openxmlformats.org/markup-compatibility/2006">
+  <p:cSld>
+    <p:spTree>
+      <p:nvGrpSpPr>
+        <p:cNvPr id="1" name=""/>
+        <p:cNvGrpSpPr/>
+        <p:nvPr/>
+      </p:nvGrpSpPr>
+      <p:grpSpPr>
+        <a:xfrm>
+          <a:off x="0" y="0"/>
+          <a:ext cx="0" cy="0"/>
+          <a:chOff x="0" y="0"/>
+          <a:chExt cx="0" cy="0"/>
+        </a:xfrm>
+      </p:grpSpPr>
+      <p:pic>
+        <p:nvPicPr>
+          <p:cNvPr id="159" name="Imagem 3_9" descr=""/>
+          <p:cNvPicPr/>
+          <p:nvPr/>
+        </p:nvPicPr>
+        <p:blipFill>
+          <a:blip r:embed="rId1"/>
+          <a:srcRect l="0" t="0" r="0" b="14956"/>
+          <a:stretch/>
+        </p:blipFill>
+        <p:spPr>
+          <a:xfrm>
+            <a:off x="2520" y="3866760"/>
+            <a:ext cx="12186000" cy="3012480"/>
+          </a:xfrm>
+          <a:prstGeom prst="rect">
+            <a:avLst/>
+          </a:prstGeom>
+          <a:ln>
+            <a:noFill/>
+          </a:ln>
+        </p:spPr>
+      </p:pic>
+      <p:sp>
+        <p:nvSpPr>
+          <p:cNvPr id="160" name="CustomShape 1"/>
+          <p:cNvSpPr/>
+          <p:nvPr/>
+        </p:nvSpPr>
+        <p:spPr>
+          <a:xfrm>
+            <a:off x="371520" y="172800"/>
+            <a:ext cx="11442960" cy="839880"/>
+          </a:xfrm>
+          <a:prstGeom prst="rect">
+            <a:avLst/>
+          </a:prstGeom>
+          <a:noFill/>
+          <a:ln>
+            <a:noFill/>
+          </a:ln>
+        </p:spPr>
+        <p:style>
+          <a:lnRef idx="0"/>
+          <a:fillRef idx="0"/>
+          <a:effectRef idx="0"/>
+          <a:fontRef idx="minor"/>
+        </p:style>
+        <p:txBody>
+          <a:bodyPr lIns="90000" rIns="90000" tIns="45000" bIns="45000">
+            <a:spAutoFit/>
+          </a:bodyPr>
+          <a:p>
+            <a:pPr algn="ctr">
+              <a:lnSpc>
+                <a:spcPct val="100000"/>
+              </a:lnSpc>
+            </a:pPr>
+            <a:r>
+              <a:rPr b="1" lang="pt-BR" sz="3800" spc="-1" strike="noStrike">
+                <a:solidFill>
+                  <a:srgbClr val="09386f"/>
+                </a:solidFill>
+                <a:latin typeface="Segoe Condensed"/>
+                <a:ea typeface="DejaVu Sans"/>
+              </a:rPr>
+              <a:t>ACESSIBILIDADE</a:t>
+            </a:r>
+            <a:endParaRPr b="0" lang="pt-BR" sz="3800" spc="-1" strike="noStrike">
+              <a:latin typeface="Arial"/>
+            </a:endParaRPr>
+          </a:p>
+          <a:p>
+            <a:pPr algn="ctr">
+              <a:lnSpc>
+                <a:spcPct val="80000"/>
+              </a:lnSpc>
+            </a:pPr>
+            <a:r>
+              <a:rPr b="0" lang="pt-BR" sz="1400" spc="-1" strike="noStrike">
+                <a:solidFill>
+                  <a:srgbClr val="8497b0"/>
+                </a:solidFill>
+                <a:latin typeface="Roboto"/>
+                <a:ea typeface="Roboto"/>
+              </a:rPr>
+              <a:t>HTML</a:t>
+            </a:r>
+            <a:endParaRPr b="0" lang="pt-BR" sz="1400" spc="-1" strike="noStrike">
+              <a:latin typeface="Arial"/>
+            </a:endParaRPr>
+          </a:p>
+        </p:txBody>
+      </p:sp>
+      <p:sp>
+        <p:nvSpPr>
+          <p:cNvPr id="161" name="CustomShape 2"/>
+          <p:cNvSpPr/>
+          <p:nvPr/>
+        </p:nvSpPr>
+        <p:spPr>
+          <a:xfrm>
+            <a:off x="432000" y="1260000"/>
+            <a:ext cx="11228400" cy="4697640"/>
+          </a:xfrm>
+          <a:prstGeom prst="rect">
+            <a:avLst/>
+          </a:prstGeom>
+          <a:noFill/>
+          <a:ln>
+            <a:noFill/>
+          </a:ln>
+        </p:spPr>
+        <p:style>
+          <a:lnRef idx="0"/>
+          <a:fillRef idx="0"/>
+          <a:effectRef idx="0"/>
+          <a:fontRef idx="minor"/>
+        </p:style>
+        <p:txBody>
+          <a:bodyPr lIns="90000" rIns="90000" tIns="45000" bIns="45000">
+            <a:noAutofit/>
+          </a:bodyPr>
+          <a:p>
+            <a:pPr marL="216000" indent="-212400" algn="just">
+              <a:lnSpc>
+                <a:spcPct val="100000"/>
+              </a:lnSpc>
+              <a:spcBef>
+                <a:spcPts val="1417"/>
+              </a:spcBef>
+              <a:spcAft>
+                <a:spcPts val="1417"/>
+              </a:spcAft>
+              <a:buClr>
+                <a:srgbClr val="000000"/>
+              </a:buClr>
+              <a:buSzPct val="45000"/>
+              <a:buFont typeface="Wingdings" charset="2"/>
+              <a:buChar char=""/>
+            </a:pPr>
+            <a:r>
+              <a:rPr b="0" lang="pt-BR" sz="2800" spc="-1" strike="noStrike">
+                <a:solidFill>
+                  <a:srgbClr val="000000"/>
+                </a:solidFill>
+                <a:latin typeface="Arial"/>
+                <a:ea typeface="DejaVu Sans"/>
+              </a:rPr>
+              <a:t>Linguagem é a base da acessibilidade em um aplicativo da web.</a:t>
+            </a:r>
+            <a:endParaRPr b="0" lang="pt-BR" sz="2800" spc="-1" strike="noStrike">
+              <a:latin typeface="Arial"/>
+            </a:endParaRPr>
+          </a:p>
+          <a:p>
+            <a:pPr marL="216000" indent="-212400" algn="just">
+              <a:lnSpc>
+                <a:spcPct val="100000"/>
+              </a:lnSpc>
+              <a:spcBef>
+                <a:spcPts val="1417"/>
+              </a:spcBef>
+              <a:spcAft>
+                <a:spcPts val="1417"/>
+              </a:spcAft>
+              <a:buClr>
+                <a:srgbClr val="000000"/>
+              </a:buClr>
+              <a:buSzPct val="45000"/>
+              <a:buFont typeface="Wingdings" charset="2"/>
+              <a:buChar char=""/>
+            </a:pPr>
+            <a:r>
+              <a:rPr b="0" lang="pt-BR" sz="2800" spc="-1" strike="noStrike">
+                <a:solidFill>
+                  <a:srgbClr val="000000"/>
+                </a:solidFill>
+                <a:latin typeface="Arial"/>
+                <a:ea typeface="DejaVu Sans"/>
+              </a:rPr>
+              <a:t>Usando os corretamente elementos HTML para reforçar o significado </a:t>
+            </a:r>
+            <a:r>
+              <a:rPr b="0" lang="pt-BR" sz="2800" spc="-1" strike="noStrike">
+                <a:solidFill>
+                  <a:srgbClr val="000000"/>
+                </a:solidFill>
+                <a:latin typeface="Arial"/>
+                <a:ea typeface="DejaVu Sans"/>
+              </a:rPr>
+              <a:t>da informação em nossos sites, muitas vezes a acessibilidade vem </a:t>
+            </a:r>
+            <a:r>
+              <a:rPr b="0" lang="pt-BR" sz="2800" spc="-1" strike="noStrike">
+                <a:solidFill>
+                  <a:srgbClr val="000000"/>
+                </a:solidFill>
+                <a:latin typeface="Arial"/>
+                <a:ea typeface="DejaVu Sans"/>
+              </a:rPr>
+              <a:t>“gratuitamente”.</a:t>
+            </a:r>
+            <a:endParaRPr b="0" lang="pt-BR" sz="2800" spc="-1" strike="noStrike">
+              <a:latin typeface="Arial"/>
+            </a:endParaRPr>
+          </a:p>
+          <a:p>
+            <a:pPr marL="216000" indent="-212400" algn="just">
+              <a:lnSpc>
+                <a:spcPct val="100000"/>
+              </a:lnSpc>
+              <a:spcBef>
+                <a:spcPts val="1417"/>
+              </a:spcBef>
+              <a:spcAft>
+                <a:spcPts val="1417"/>
+              </a:spcAft>
+              <a:buClr>
+                <a:srgbClr val="000000"/>
+              </a:buClr>
+              <a:buSzPct val="45000"/>
+              <a:buFont typeface="Wingdings" charset="2"/>
+              <a:buChar char=""/>
+            </a:pPr>
+            <a:r>
+              <a:rPr b="0" lang="pt-BR" sz="2800" spc="-1" strike="noStrike">
+                <a:solidFill>
+                  <a:srgbClr val="000000"/>
+                </a:solidFill>
+                <a:latin typeface="Arial"/>
+                <a:ea typeface="DejaVu Sans"/>
+              </a:rPr>
+              <a:t>É importante não quebrar a semântica dos elementos.</a:t>
+            </a:r>
+            <a:endParaRPr b="0" lang="pt-BR" sz="2800" spc="-1" strike="noStrike">
+              <a:latin typeface="Arial"/>
+            </a:endParaRPr>
+          </a:p>
+          <a:p>
+            <a:pPr marL="216000" indent="-212400" algn="just">
+              <a:lnSpc>
+                <a:spcPct val="100000"/>
+              </a:lnSpc>
+              <a:spcBef>
+                <a:spcPts val="1417"/>
+              </a:spcBef>
+              <a:spcAft>
+                <a:spcPts val="1417"/>
+              </a:spcAft>
+              <a:buClr>
+                <a:srgbClr val="000000"/>
+              </a:buClr>
+              <a:buSzPct val="45000"/>
+              <a:buFont typeface="Wingdings" charset="2"/>
+              <a:buChar char=""/>
+            </a:pPr>
+            <a:r>
+              <a:rPr b="0" lang="pt-BR" sz="2800" spc="-1" strike="noStrike">
+                <a:solidFill>
+                  <a:srgbClr val="000000"/>
+                </a:solidFill>
+                <a:latin typeface="Arial"/>
+                <a:ea typeface="DejaVu Sans"/>
+              </a:rPr>
+              <a:t>Às vezes, é quebrada a semântica de HTML ao adicionar elementos </a:t>
+            </a:r>
+            <a:r>
+              <a:rPr b="0" lang="pt-BR" sz="2800" spc="-1" strike="noStrike">
+                <a:solidFill>
+                  <a:srgbClr val="000000"/>
+                </a:solidFill>
+                <a:latin typeface="Arial"/>
+                <a:ea typeface="DejaVu Sans"/>
+              </a:rPr>
+              <a:t>&lt;div&gt; ao JSX somente para fazer o código React funcionar, </a:t>
+            </a:r>
+            <a:r>
+              <a:rPr b="0" lang="pt-BR" sz="2800" spc="-1" strike="noStrike">
+                <a:solidFill>
+                  <a:srgbClr val="000000"/>
+                </a:solidFill>
+                <a:latin typeface="Arial"/>
+                <a:ea typeface="DejaVu Sans"/>
+              </a:rPr>
+              <a:t>especialmente ao trabalhar com listas (&lt;ol&gt;, &lt;ul&gt; e &lt;dl&gt;) e HTML </a:t>
+            </a:r>
+            <a:r>
+              <a:rPr b="0" lang="pt-BR" sz="2800" spc="-1" strike="noStrike">
+                <a:solidFill>
+                  <a:srgbClr val="000000"/>
+                </a:solidFill>
+                <a:latin typeface="Arial"/>
+                <a:ea typeface="DejaVu Sans"/>
+              </a:rPr>
+              <a:t>&lt;table&gt;. Nesses casos, deve ser utilizado React Fragments para </a:t>
+            </a:r>
+            <a:r>
+              <a:rPr b="0" lang="pt-BR" sz="2800" spc="-1" strike="noStrike">
+                <a:solidFill>
+                  <a:srgbClr val="000000"/>
+                </a:solidFill>
+                <a:latin typeface="Arial"/>
+                <a:ea typeface="DejaVu Sans"/>
+              </a:rPr>
+              <a:t>agrupar vários elementos.</a:t>
+            </a:r>
+            <a:endParaRPr b="0" lang="pt-BR" sz="2800" spc="-1" strike="noStrike">
+              <a:latin typeface="Arial"/>
+            </a:endParaRPr>
+          </a:p>
+        </p:txBody>
+      </p:sp>
+    </p:spTree>
+  </p:cSld>
+  <mc:AlternateContent>
+    <mc:Choice Requires="p14">
+      <p:transition spd="slow" p14:dur="2000"/>
+    </mc:Choice>
+    <mc:Fallback>
+      <p:transition spd="slow"/>
+    </mc:Fallback>
+  </mc:AlternateContent>
+</p:sld>
+</file>
+
+<file path=ppt/slides/slide14.xml><?xml version="1.0" encoding="utf-8"?>
+<p:sld xmlns:a="http://schemas.openxmlformats.org/drawingml/2006/main" xmlns:p="http://schemas.openxmlformats.org/presentationml/2006/main" xmlns:r="http://schemas.openxmlformats.org/officeDocument/2006/relationships" xmlns:p14="http://schemas.microsoft.com/office/powerpoint/2010/main" xmlns:p15="http://schemas.microsoft.com/office/powerpoint/2012/main" xmlns:mc="http://schemas.openxmlformats.org/markup-compatibility/2006">
+  <p:cSld>
+    <p:spTree>
+      <p:nvGrpSpPr>
+        <p:cNvPr id="1" name=""/>
+        <p:cNvGrpSpPr/>
+        <p:nvPr/>
+      </p:nvGrpSpPr>
+      <p:grpSpPr>
+        <a:xfrm>
+          <a:off x="0" y="0"/>
+          <a:ext cx="0" cy="0"/>
+          <a:chOff x="0" y="0"/>
+          <a:chExt cx="0" cy="0"/>
+        </a:xfrm>
+      </p:grpSpPr>
+      <p:pic>
+        <p:nvPicPr>
+          <p:cNvPr id="162" name="Imagem 3_10" descr=""/>
+          <p:cNvPicPr/>
+          <p:nvPr/>
+        </p:nvPicPr>
+        <p:blipFill>
+          <a:blip r:embed="rId1"/>
+          <a:srcRect l="0" t="0" r="0" b="14956"/>
+          <a:stretch/>
+        </p:blipFill>
+        <p:spPr>
+          <a:xfrm>
+            <a:off x="2520" y="3866760"/>
+            <a:ext cx="12186000" cy="3012480"/>
+          </a:xfrm>
+          <a:prstGeom prst="rect">
+            <a:avLst/>
+          </a:prstGeom>
+          <a:ln>
+            <a:noFill/>
+          </a:ln>
+        </p:spPr>
+      </p:pic>
+      <p:sp>
+        <p:nvSpPr>
+          <p:cNvPr id="163" name="CustomShape 1"/>
+          <p:cNvSpPr/>
+          <p:nvPr/>
+        </p:nvSpPr>
+        <p:spPr>
+          <a:xfrm>
+            <a:off x="371520" y="172800"/>
+            <a:ext cx="11442960" cy="839880"/>
+          </a:xfrm>
+          <a:prstGeom prst="rect">
+            <a:avLst/>
+          </a:prstGeom>
+          <a:noFill/>
+          <a:ln>
+            <a:noFill/>
+          </a:ln>
+        </p:spPr>
+        <p:style>
+          <a:lnRef idx="0"/>
+          <a:fillRef idx="0"/>
+          <a:effectRef idx="0"/>
+          <a:fontRef idx="minor"/>
+        </p:style>
+        <p:txBody>
+          <a:bodyPr lIns="90000" rIns="90000" tIns="45000" bIns="45000">
+            <a:spAutoFit/>
+          </a:bodyPr>
+          <a:p>
+            <a:pPr algn="ctr">
+              <a:lnSpc>
+                <a:spcPct val="100000"/>
+              </a:lnSpc>
+            </a:pPr>
+            <a:r>
+              <a:rPr b="1" lang="pt-BR" sz="3800" spc="-1" strike="noStrike">
+                <a:solidFill>
+                  <a:srgbClr val="09386f"/>
+                </a:solidFill>
+                <a:latin typeface="Segoe Condensed"/>
+                <a:ea typeface="DejaVu Sans"/>
+              </a:rPr>
+              <a:t>ACESSIBILIDADE</a:t>
+            </a:r>
+            <a:endParaRPr b="0" lang="pt-BR" sz="3800" spc="-1" strike="noStrike">
+              <a:latin typeface="Arial"/>
+            </a:endParaRPr>
+          </a:p>
+          <a:p>
+            <a:pPr algn="ctr">
+              <a:lnSpc>
+                <a:spcPct val="80000"/>
+              </a:lnSpc>
+            </a:pPr>
+            <a:r>
+              <a:rPr b="0" lang="pt-BR" sz="1400" spc="-1" strike="noStrike">
+                <a:solidFill>
+                  <a:srgbClr val="8497b0"/>
+                </a:solidFill>
+                <a:latin typeface="Roboto"/>
+                <a:ea typeface="Roboto"/>
+              </a:rPr>
+              <a:t>HTML</a:t>
+            </a:r>
+            <a:endParaRPr b="0" lang="pt-BR" sz="1400" spc="-1" strike="noStrike">
+              <a:latin typeface="Arial"/>
+            </a:endParaRPr>
+          </a:p>
+        </p:txBody>
+      </p:sp>
+      <p:sp>
+        <p:nvSpPr>
+          <p:cNvPr id="164" name="CustomShape 2"/>
+          <p:cNvSpPr/>
+          <p:nvPr/>
+        </p:nvSpPr>
+        <p:spPr>
+          <a:xfrm>
+            <a:off x="432000" y="1260000"/>
+            <a:ext cx="11228400" cy="4697640"/>
+          </a:xfrm>
+          <a:prstGeom prst="rect">
+            <a:avLst/>
+          </a:prstGeom>
+          <a:noFill/>
+          <a:ln>
+            <a:noFill/>
+          </a:ln>
+        </p:spPr>
+        <p:style>
+          <a:lnRef idx="0"/>
+          <a:fillRef idx="0"/>
+          <a:effectRef idx="0"/>
+          <a:fontRef idx="minor"/>
+        </p:style>
+        <p:txBody>
+          <a:bodyPr lIns="90000" rIns="90000" tIns="45000" bIns="45000">
+            <a:noAutofit/>
+          </a:bodyPr>
+          <a:p>
+            <a:pPr marL="216000" indent="-212400" algn="just">
+              <a:lnSpc>
+                <a:spcPct val="100000"/>
+              </a:lnSpc>
+              <a:spcBef>
+                <a:spcPts val="1417"/>
+              </a:spcBef>
+              <a:spcAft>
+                <a:spcPts val="1417"/>
+              </a:spcAft>
+              <a:buClr>
+                <a:srgbClr val="000000"/>
+              </a:buClr>
+              <a:buSzPct val="45000"/>
+              <a:buFont typeface="Wingdings" charset="2"/>
+              <a:buChar char=""/>
+            </a:pPr>
+            <a:r>
+              <a:rPr b="0" lang="pt-BR" sz="2800" spc="-1" strike="noStrike">
+                <a:solidFill>
+                  <a:srgbClr val="000000"/>
+                </a:solidFill>
+                <a:latin typeface="Arial"/>
+                <a:ea typeface="DejaVu Sans"/>
+              </a:rPr>
+              <a:t> </a:t>
+            </a:r>
+            <a:endParaRPr b="0" lang="pt-BR" sz="2800" spc="-1" strike="noStrike">
+              <a:latin typeface="Arial"/>
+            </a:endParaRPr>
+          </a:p>
+          <a:p>
+            <a:pPr marL="216000" indent="-212400" algn="just">
+              <a:lnSpc>
+                <a:spcPct val="100000"/>
+              </a:lnSpc>
+              <a:spcBef>
+                <a:spcPts val="1417"/>
+              </a:spcBef>
+              <a:spcAft>
+                <a:spcPts val="1417"/>
+              </a:spcAft>
+              <a:buClr>
+                <a:srgbClr val="000000"/>
+              </a:buClr>
+              <a:buSzPct val="45000"/>
+              <a:buFont typeface="Wingdings" charset="2"/>
+              <a:buChar char=""/>
+            </a:pPr>
+            <a:r>
+              <a:rPr b="0" lang="pt-BR" sz="2800" spc="-1" strike="noStrike">
+                <a:solidFill>
+                  <a:srgbClr val="000000"/>
+                </a:solidFill>
+                <a:latin typeface="Arial"/>
+                <a:ea typeface="DejaVu Sans"/>
+              </a:rPr>
+              <a:t> </a:t>
+            </a:r>
+            <a:endParaRPr b="0" lang="pt-BR" sz="2800" spc="-1" strike="noStrike">
+              <a:latin typeface="Arial"/>
+            </a:endParaRPr>
+          </a:p>
+        </p:txBody>
+      </p:sp>
+    </p:spTree>
+  </p:cSld>
+  <mc:AlternateContent>
+    <mc:Choice Requires="p14">
+      <p:transition spd="slow" p14:dur="2000"/>
+    </mc:Choice>
+    <mc:Fallback>
+      <p:transition spd="slow"/>
+    </mc:Fallback>
+  </mc:AlternateContent>
+</p:sld>
+</file>
+
+<file path=ppt/slides/slide15.xml><?xml version="1.0" encoding="utf-8"?>
+<p:sld xmlns:a="http://schemas.openxmlformats.org/drawingml/2006/main" xmlns:p="http://schemas.openxmlformats.org/presentationml/2006/main" xmlns:r="http://schemas.openxmlformats.org/officeDocument/2006/relationships" xmlns:p14="http://schemas.microsoft.com/office/powerpoint/2010/main" xmlns:p15="http://schemas.microsoft.com/office/powerpoint/2012/main" xmlns:mc="http://schemas.openxmlformats.org/markup-compatibility/2006">
+  <p:cSld>
+    <p:spTree>
+      <p:nvGrpSpPr>
+        <p:cNvPr id="1" name=""/>
+        <p:cNvGrpSpPr/>
+        <p:nvPr/>
+      </p:nvGrpSpPr>
+      <p:grpSpPr>
+        <a:xfrm>
+          <a:off x="0" y="0"/>
+          <a:ext cx="0" cy="0"/>
+          <a:chOff x="0" y="0"/>
+          <a:chExt cx="0" cy="0"/>
+        </a:xfrm>
+      </p:grpSpPr>
+      <p:pic>
+        <p:nvPicPr>
+          <p:cNvPr id="165" name="Imagem 16" descr=""/>
+          <p:cNvPicPr/>
+          <p:nvPr/>
+        </p:nvPicPr>
+        <p:blipFill>
+          <a:blip r:embed="rId1"/>
+          <a:stretch/>
+        </p:blipFill>
+        <p:spPr>
+          <a:xfrm>
+            <a:off x="0" y="3315600"/>
+            <a:ext cx="12186000" cy="3543480"/>
+          </a:xfrm>
+          <a:prstGeom prst="rect">
+            <a:avLst/>
+          </a:prstGeom>
+          <a:ln>
+            <a:noFill/>
+          </a:ln>
+        </p:spPr>
+      </p:pic>
+      <p:pic>
+        <p:nvPicPr>
+          <p:cNvPr id="166" name="Google Shape;280;p40" descr="Logo_dataprev_Preferencial-01.jpg"/>
+          <p:cNvPicPr/>
+          <p:nvPr/>
+        </p:nvPicPr>
+        <p:blipFill>
+          <a:blip r:embed="rId2"/>
+          <a:srcRect l="0" t="11401" r="0" b="13021"/>
+          <a:stretch/>
+        </p:blipFill>
+        <p:spPr>
+          <a:xfrm>
+            <a:off x="213480" y="68040"/>
+            <a:ext cx="1744560" cy="1316880"/>
+          </a:xfrm>
+          <a:prstGeom prst="rect">
+            <a:avLst/>
+          </a:prstGeom>
+          <a:ln>
+            <a:noFill/>
+          </a:ln>
+        </p:spPr>
+      </p:pic>
+      <p:sp>
+        <p:nvSpPr>
+          <p:cNvPr id="167" name="CustomShape 1"/>
+          <p:cNvSpPr/>
+          <p:nvPr/>
+        </p:nvSpPr>
+        <p:spPr>
+          <a:xfrm>
+            <a:off x="371520" y="4010400"/>
+            <a:ext cx="1501200" cy="227160"/>
+          </a:xfrm>
+          <a:prstGeom prst="rect">
+            <a:avLst/>
+          </a:prstGeom>
+          <a:noFill/>
+          <a:ln>
+            <a:noFill/>
+          </a:ln>
+        </p:spPr>
+        <p:style>
+          <a:lnRef idx="0"/>
+          <a:fillRef idx="0"/>
+          <a:effectRef idx="0"/>
+          <a:fontRef idx="minor"/>
+        </p:style>
+        <p:txBody>
+          <a:bodyPr lIns="90000" rIns="90000" tIns="91440" bIns="91440" anchor="ctr">
+            <a:noAutofit/>
+          </a:bodyPr>
+          <a:p>
+            <a:pPr>
+              <a:lnSpc>
+                <a:spcPct val="100000"/>
+              </a:lnSpc>
+            </a:pPr>
+            <a:r>
+              <a:rPr b="0" lang="pt-BR" sz="1000" spc="-1" strike="noStrike">
+                <a:solidFill>
+                  <a:srgbClr val="1b4973"/>
+                </a:solidFill>
+                <a:latin typeface="Roboto Light"/>
+                <a:ea typeface="Roboto Light"/>
+              </a:rPr>
+              <a:t>Julho </a:t>
+            </a:r>
+            <a:r>
+              <a:rPr b="0" lang="pt-BR" sz="600" spc="-1" strike="noStrike">
+                <a:solidFill>
+                  <a:srgbClr val="1b4973"/>
+                </a:solidFill>
+                <a:latin typeface="Roboto Light"/>
+                <a:ea typeface="Roboto Light"/>
+              </a:rPr>
+              <a:t> </a:t>
+            </a:r>
+            <a:r>
+              <a:rPr b="0" lang="pt-BR" sz="1000" spc="-1" strike="noStrike">
+                <a:solidFill>
+                  <a:srgbClr val="1b4973"/>
+                </a:solidFill>
+                <a:latin typeface="Roboto Light"/>
+                <a:ea typeface="Roboto Light"/>
+              </a:rPr>
+              <a:t>2020</a:t>
+            </a:r>
+            <a:endParaRPr b="0" lang="pt-BR" sz="1000" spc="-1" strike="noStrike">
+              <a:latin typeface="Arial"/>
+            </a:endParaRPr>
+          </a:p>
+        </p:txBody>
+      </p:sp>
+      <p:pic>
+        <p:nvPicPr>
+          <p:cNvPr id="168" name="Google Shape;284;p40" descr=""/>
+          <p:cNvPicPr/>
+          <p:nvPr/>
+        </p:nvPicPr>
+        <p:blipFill>
+          <a:blip r:embed="rId3"/>
+          <a:stretch/>
+        </p:blipFill>
+        <p:spPr>
+          <a:xfrm>
+            <a:off x="8935920" y="2871720"/>
+            <a:ext cx="268920" cy="290520"/>
+          </a:xfrm>
+          <a:prstGeom prst="rect">
+            <a:avLst/>
+          </a:prstGeom>
+          <a:ln>
+            <a:noFill/>
+          </a:ln>
+        </p:spPr>
+      </p:pic>
+      <p:pic>
+        <p:nvPicPr>
+          <p:cNvPr id="169" name="Google Shape;285;p40" descr=""/>
+          <p:cNvPicPr/>
+          <p:nvPr/>
+        </p:nvPicPr>
+        <p:blipFill>
+          <a:blip r:embed="rId4"/>
+          <a:stretch/>
+        </p:blipFill>
+        <p:spPr>
+          <a:xfrm>
+            <a:off x="8935920" y="3661200"/>
+            <a:ext cx="268920" cy="291960"/>
+          </a:xfrm>
+          <a:prstGeom prst="rect">
+            <a:avLst/>
+          </a:prstGeom>
+          <a:ln>
+            <a:noFill/>
+          </a:ln>
+        </p:spPr>
+      </p:pic>
+      <p:pic>
+        <p:nvPicPr>
+          <p:cNvPr id="170" name="Google Shape;286;p40" descr=""/>
+          <p:cNvPicPr/>
+          <p:nvPr/>
+        </p:nvPicPr>
+        <p:blipFill>
+          <a:blip r:embed="rId5"/>
+          <a:stretch/>
+        </p:blipFill>
+        <p:spPr>
+          <a:xfrm>
+            <a:off x="8935920" y="3266640"/>
+            <a:ext cx="268920" cy="290520"/>
+          </a:xfrm>
+          <a:prstGeom prst="rect">
+            <a:avLst/>
+          </a:prstGeom>
+          <a:ln>
+            <a:noFill/>
+          </a:ln>
+        </p:spPr>
+      </p:pic>
+      <p:sp>
+        <p:nvSpPr>
+          <p:cNvPr id="171" name="CustomShape 2"/>
+          <p:cNvSpPr/>
+          <p:nvPr/>
+        </p:nvSpPr>
+        <p:spPr>
+          <a:xfrm>
+            <a:off x="9234000" y="2844000"/>
+            <a:ext cx="2580480" cy="273960"/>
+          </a:xfrm>
+          <a:prstGeom prst="rect">
+            <a:avLst/>
+          </a:prstGeom>
+          <a:noFill/>
+          <a:ln>
+            <a:noFill/>
+          </a:ln>
+        </p:spPr>
+        <p:style>
+          <a:lnRef idx="0"/>
+          <a:fillRef idx="0"/>
+          <a:effectRef idx="0"/>
+          <a:fontRef idx="minor"/>
+        </p:style>
+        <p:txBody>
+          <a:bodyPr lIns="90000" rIns="90000" tIns="91440" bIns="91440">
+            <a:noAutofit/>
+          </a:bodyPr>
+          <a:p>
+            <a:pPr>
+              <a:lnSpc>
+                <a:spcPct val="115000"/>
+              </a:lnSpc>
+            </a:pPr>
+            <a:r>
+              <a:rPr b="0" lang="pt-BR" sz="1050" spc="-1" strike="noStrike">
+                <a:solidFill>
+                  <a:srgbClr val="404040"/>
+                </a:solidFill>
+                <a:latin typeface="Roboto Light"/>
+                <a:ea typeface="Roboto Light"/>
+              </a:rPr>
+              <a:t>www.facebook.com/dataprevtecnologia</a:t>
+            </a:r>
+            <a:endParaRPr b="0" lang="pt-BR" sz="1050" spc="-1" strike="noStrike">
+              <a:latin typeface="Arial"/>
+            </a:endParaRPr>
+          </a:p>
+        </p:txBody>
+      </p:sp>
+      <p:sp>
+        <p:nvSpPr>
+          <p:cNvPr id="172" name="CustomShape 3"/>
+          <p:cNvSpPr/>
+          <p:nvPr/>
+        </p:nvSpPr>
+        <p:spPr>
+          <a:xfrm>
+            <a:off x="9236160" y="3227040"/>
+            <a:ext cx="2577960" cy="273960"/>
+          </a:xfrm>
+          <a:prstGeom prst="rect">
+            <a:avLst/>
+          </a:prstGeom>
+          <a:noFill/>
+          <a:ln>
+            <a:noFill/>
+          </a:ln>
+        </p:spPr>
+        <p:style>
+          <a:lnRef idx="0"/>
+          <a:fillRef idx="0"/>
+          <a:effectRef idx="0"/>
+          <a:fontRef idx="minor"/>
+        </p:style>
+        <p:txBody>
+          <a:bodyPr lIns="90000" rIns="90000" tIns="91440" bIns="91440">
+            <a:noAutofit/>
+          </a:bodyPr>
+          <a:p>
+            <a:pPr>
+              <a:lnSpc>
+                <a:spcPct val="115000"/>
+              </a:lnSpc>
+            </a:pPr>
+            <a:r>
+              <a:rPr b="0" lang="pt-BR" sz="1050" spc="-1" strike="noStrike">
+                <a:solidFill>
+                  <a:srgbClr val="404040"/>
+                </a:solidFill>
+                <a:latin typeface="Roboto Light"/>
+                <a:ea typeface="Roboto Light"/>
+              </a:rPr>
+              <a:t>@dataprev</a:t>
+            </a:r>
+            <a:endParaRPr b="0" lang="pt-BR" sz="1050" spc="-1" strike="noStrike">
+              <a:latin typeface="Arial"/>
+            </a:endParaRPr>
+          </a:p>
+        </p:txBody>
+      </p:sp>
+      <p:sp>
+        <p:nvSpPr>
+          <p:cNvPr id="173" name="CustomShape 4"/>
+          <p:cNvSpPr/>
+          <p:nvPr/>
+        </p:nvSpPr>
+        <p:spPr>
+          <a:xfrm>
+            <a:off x="9234000" y="3626640"/>
+            <a:ext cx="2577960" cy="273960"/>
+          </a:xfrm>
+          <a:prstGeom prst="rect">
+            <a:avLst/>
+          </a:prstGeom>
+          <a:noFill/>
+          <a:ln>
+            <a:noFill/>
+          </a:ln>
+        </p:spPr>
+        <p:style>
+          <a:lnRef idx="0"/>
+          <a:fillRef idx="0"/>
+          <a:effectRef idx="0"/>
+          <a:fontRef idx="minor"/>
+        </p:style>
+        <p:txBody>
+          <a:bodyPr lIns="90000" rIns="90000" tIns="91440" bIns="91440">
+            <a:noAutofit/>
+          </a:bodyPr>
+          <a:p>
+            <a:pPr>
+              <a:lnSpc>
+                <a:spcPct val="115000"/>
+              </a:lnSpc>
+            </a:pPr>
+            <a:r>
+              <a:rPr b="0" lang="pt-BR" sz="1050" spc="-1" strike="noStrike">
+                <a:solidFill>
+                  <a:srgbClr val="404040"/>
+                </a:solidFill>
+                <a:latin typeface="Roboto Light"/>
+                <a:ea typeface="Roboto Light"/>
+              </a:rPr>
+              <a:t>DATAPREV</a:t>
+            </a:r>
+            <a:endParaRPr b="0" lang="pt-BR" sz="1050" spc="-1" strike="noStrike">
+              <a:latin typeface="Arial"/>
+            </a:endParaRPr>
+          </a:p>
+        </p:txBody>
+      </p:sp>
+      <p:sp>
+        <p:nvSpPr>
+          <p:cNvPr id="174" name="CustomShape 5"/>
+          <p:cNvSpPr/>
+          <p:nvPr/>
+        </p:nvSpPr>
+        <p:spPr>
+          <a:xfrm rot="6600">
+            <a:off x="363600" y="1404360"/>
+            <a:ext cx="4806720" cy="1279440"/>
+          </a:xfrm>
+          <a:prstGeom prst="rect">
+            <a:avLst/>
+          </a:prstGeom>
+          <a:noFill/>
+          <a:ln>
+            <a:noFill/>
+          </a:ln>
+        </p:spPr>
+        <p:style>
+          <a:lnRef idx="0"/>
+          <a:fillRef idx="0"/>
+          <a:effectRef idx="0"/>
+          <a:fontRef idx="minor"/>
+        </p:style>
+        <p:txBody>
+          <a:bodyPr lIns="90000" rIns="90000" tIns="91440" bIns="91440" anchor="ctr">
+            <a:spAutoFit/>
+          </a:bodyPr>
+          <a:p>
+            <a:pPr>
+              <a:lnSpc>
+                <a:spcPct val="100000"/>
+              </a:lnSpc>
+            </a:pPr>
+            <a:r>
+              <a:rPr b="0" lang="pt-BR" sz="7200" spc="-80" strike="noStrike">
+                <a:solidFill>
+                  <a:srgbClr val="006eb3"/>
+                </a:solidFill>
+                <a:latin typeface="Segoe Condensed"/>
+                <a:ea typeface="Roboto"/>
+              </a:rPr>
+              <a:t>Obrigado!</a:t>
+            </a:r>
+            <a:endParaRPr b="0" lang="pt-BR" sz="7200" spc="-1" strike="noStrike">
+              <a:latin typeface="Arial"/>
+            </a:endParaRPr>
+          </a:p>
+        </p:txBody>
+      </p:sp>
+      <p:sp>
+        <p:nvSpPr>
+          <p:cNvPr id="175" name="CustomShape 6"/>
+          <p:cNvSpPr/>
+          <p:nvPr/>
+        </p:nvSpPr>
+        <p:spPr>
+          <a:xfrm>
+            <a:off x="371520" y="2819160"/>
+            <a:ext cx="6964560" cy="996120"/>
+          </a:xfrm>
+          <a:prstGeom prst="rect">
+            <a:avLst/>
+          </a:prstGeom>
+          <a:noFill/>
+          <a:ln>
+            <a:noFill/>
+          </a:ln>
+        </p:spPr>
+        <p:style>
+          <a:lnRef idx="0"/>
+          <a:fillRef idx="0"/>
+          <a:effectRef idx="0"/>
+          <a:fontRef idx="minor"/>
+        </p:style>
+        <p:txBody>
+          <a:bodyPr lIns="90000" rIns="90000" tIns="45000" bIns="45000">
+            <a:spAutoFit/>
+          </a:bodyPr>
+          <a:p>
+            <a:pPr>
+              <a:lnSpc>
+                <a:spcPct val="100000"/>
+              </a:lnSpc>
+            </a:pPr>
+            <a:r>
+              <a:rPr b="1" lang="pt-BR" sz="2600" spc="-21" strike="noStrike">
+                <a:solidFill>
+                  <a:srgbClr val="1b4973"/>
+                </a:solidFill>
+                <a:latin typeface="Roboto"/>
+                <a:ea typeface="Roboto"/>
+              </a:rPr>
+              <a:t>Ricardo Glodzinski</a:t>
+            </a:r>
+            <a:endParaRPr b="0" lang="pt-BR" sz="2600" spc="-1" strike="noStrike">
+              <a:latin typeface="Arial"/>
+            </a:endParaRPr>
+          </a:p>
+          <a:p>
+            <a:pPr>
+              <a:lnSpc>
+                <a:spcPct val="100000"/>
+              </a:lnSpc>
+            </a:pPr>
+            <a:r>
+              <a:rPr b="0" lang="pt-BR" sz="1700" spc="-1" strike="noStrike">
+                <a:solidFill>
+                  <a:srgbClr val="1b4973"/>
+                </a:solidFill>
+                <a:latin typeface="Roboto Medium"/>
+                <a:ea typeface="Roboto Medium"/>
+              </a:rPr>
+              <a:t>Analista de Tecnologia da Informação</a:t>
+            </a:r>
+            <a:endParaRPr b="0" lang="pt-BR" sz="1700" spc="-1" strike="noStrike">
+              <a:latin typeface="Arial"/>
+            </a:endParaRPr>
+          </a:p>
+          <a:p>
+            <a:pPr>
+              <a:lnSpc>
+                <a:spcPct val="100000"/>
+              </a:lnSpc>
+              <a:spcBef>
+                <a:spcPts val="300"/>
+              </a:spcBef>
+            </a:pPr>
+            <a:r>
+              <a:rPr b="0" lang="pt-BR" sz="1400" spc="-1" strike="noStrike">
+                <a:solidFill>
+                  <a:srgbClr val="3f647b"/>
+                </a:solidFill>
+                <a:latin typeface="Roboto Light"/>
+                <a:ea typeface="Roboto Light"/>
+              </a:rPr>
+              <a:t>ricardo.glodzinski@dataprev.gov.br</a:t>
+            </a:r>
+            <a:endParaRPr b="0" lang="pt-BR" sz="1400" spc="-1" strike="noStrike">
+              <a:latin typeface="Arial"/>
+            </a:endParaRPr>
+          </a:p>
+        </p:txBody>
+      </p:sp>
     </p:spTree>
   </p:cSld>
   <mc:AlternateContent>
@@ -4974,7 +7334,7 @@
         <p:spPr>
           <a:xfrm>
             <a:off x="0" y="0"/>
-            <a:ext cx="12186360" cy="6852240"/>
+            <a:ext cx="12186000" cy="6851880"/>
           </a:xfrm>
           <a:prstGeom prst="rect">
             <a:avLst/>
@@ -4993,7 +7353,7 @@
         <p:spPr>
           <a:xfrm>
             <a:off x="334800" y="607680"/>
-            <a:ext cx="11479680" cy="3092040"/>
+            <a:ext cx="11479320" cy="3092040"/>
           </a:xfrm>
           <a:prstGeom prst="rect">
             <a:avLst/>
@@ -5148,7 +7508,7 @@
         <p:spPr>
           <a:xfrm>
             <a:off x="5470200" y="5603040"/>
-            <a:ext cx="1245960" cy="880200"/>
+            <a:ext cx="1245600" cy="879840"/>
           </a:xfrm>
           <a:prstGeom prst="rect">
             <a:avLst/>
@@ -5199,7 +7559,7 @@
         <p:spPr>
           <a:xfrm>
             <a:off x="3780000" y="777960"/>
-            <a:ext cx="896400" cy="798120"/>
+            <a:ext cx="896040" cy="797760"/>
           </a:xfrm>
           <a:prstGeom prst="rect">
             <a:avLst/>
@@ -5247,13 +7607,13 @@
         </p:nvPicPr>
         <p:blipFill>
           <a:blip r:embed="rId1"/>
-          <a:srcRect l="41230" t="4513" r="7876" b="0"/>
+          <a:srcRect l="41224" t="4513" r="7874" b="0"/>
           <a:stretch/>
         </p:blipFill>
         <p:spPr>
           <a:xfrm>
             <a:off x="0" y="0"/>
-            <a:ext cx="5472360" cy="6852240"/>
+            <a:ext cx="5472000" cy="6851880"/>
           </a:xfrm>
           <a:prstGeom prst="rect">
             <a:avLst/>
@@ -5272,7 +7632,7 @@
         <p:spPr>
           <a:xfrm>
             <a:off x="5793840" y="172800"/>
-            <a:ext cx="6020640" cy="839160"/>
+            <a:ext cx="6020280" cy="839160"/>
           </a:xfrm>
           <a:prstGeom prst="rect">
             <a:avLst/>
@@ -5343,7 +7703,7 @@
         <p:spPr>
           <a:xfrm>
             <a:off x="6273360" y="1382040"/>
-            <a:ext cx="5200560" cy="4091400"/>
+            <a:ext cx="5200200" cy="4091400"/>
           </a:xfrm>
           <a:prstGeom prst="rect">
             <a:avLst/>
@@ -5384,7 +7744,7 @@
             </a:endParaRPr>
           </a:p>
           <a:p>
-            <a:pPr marL="285840" indent="-280080">
+            <a:pPr marL="285840" indent="-279720">
               <a:lnSpc>
                 <a:spcPct val="120000"/>
               </a:lnSpc>
@@ -5412,7 +7772,7 @@
             </a:endParaRPr>
           </a:p>
           <a:p>
-            <a:pPr marL="285840" indent="-280080">
+            <a:pPr marL="285840" indent="-279720">
               <a:lnSpc>
                 <a:spcPct val="120000"/>
               </a:lnSpc>
@@ -5440,7 +7800,7 @@
             </a:endParaRPr>
           </a:p>
           <a:p>
-            <a:pPr marL="285840" indent="-280080">
+            <a:pPr marL="285840" indent="-279720">
               <a:lnSpc>
                 <a:spcPct val="120000"/>
               </a:lnSpc>
@@ -5468,7 +7828,7 @@
             </a:endParaRPr>
           </a:p>
           <a:p>
-            <a:pPr marL="285840" indent="-280080">
+            <a:pPr marL="285840" indent="-279720">
               <a:lnSpc>
                 <a:spcPct val="120000"/>
               </a:lnSpc>
@@ -5496,7 +7856,7 @@
             </a:endParaRPr>
           </a:p>
           <a:p>
-            <a:pPr marL="285840" indent="-280080">
+            <a:pPr marL="285840" indent="-279720">
               <a:lnSpc>
                 <a:spcPct val="120000"/>
               </a:lnSpc>
@@ -5524,7 +7884,7 @@
             </a:endParaRPr>
           </a:p>
           <a:p>
-            <a:pPr marL="285840" indent="-280080">
+            <a:pPr marL="285840" indent="-279720">
               <a:lnSpc>
                 <a:spcPct val="120000"/>
               </a:lnSpc>
@@ -5552,7 +7912,7 @@
             </a:endParaRPr>
           </a:p>
           <a:p>
-            <a:pPr marL="285840" indent="-280080">
+            <a:pPr marL="285840" indent="-279720">
               <a:lnSpc>
                 <a:spcPct val="120000"/>
               </a:lnSpc>
@@ -5580,7 +7940,7 @@
             </a:endParaRPr>
           </a:p>
           <a:p>
-            <a:pPr marL="285840" indent="-280080">
+            <a:pPr marL="285840" indent="-279720">
               <a:lnSpc>
                 <a:spcPct val="120000"/>
               </a:lnSpc>
@@ -5608,7 +7968,7 @@
             </a:endParaRPr>
           </a:p>
           <a:p>
-            <a:pPr marL="285840" indent="-280080">
+            <a:pPr marL="285840" indent="-279720">
               <a:lnSpc>
                 <a:spcPct val="120000"/>
               </a:lnSpc>
@@ -5681,7 +8041,7 @@
         <p:spPr>
           <a:xfrm>
             <a:off x="2520" y="3866760"/>
-            <a:ext cx="12186360" cy="3012840"/>
+            <a:ext cx="12186000" cy="3012480"/>
           </a:xfrm>
           <a:prstGeom prst="rect">
             <a:avLst/>
@@ -5700,7 +8060,7 @@
         <p:spPr>
           <a:xfrm>
             <a:off x="371520" y="172800"/>
-            <a:ext cx="11443320" cy="669600"/>
+            <a:ext cx="11442960" cy="669240"/>
           </a:xfrm>
           <a:prstGeom prst="rect">
             <a:avLst/>
@@ -5751,7 +8111,7 @@
         <p:spPr>
           <a:xfrm>
             <a:off x="432000" y="1440000"/>
-            <a:ext cx="11228760" cy="4698000"/>
+            <a:ext cx="11228400" cy="4697640"/>
           </a:xfrm>
           <a:prstGeom prst="rect">
             <a:avLst/>
@@ -5772,7 +8132,7 @@
             <a:noAutofit/>
           </a:bodyPr>
           <a:p>
-            <a:pPr marL="216000" indent="-212760">
+            <a:pPr marL="216000" indent="-212400">
               <a:lnSpc>
                 <a:spcPct val="100000"/>
               </a:lnSpc>
@@ -5797,14 +8157,14 @@
                 <a:latin typeface="Arial"/>
                 <a:ea typeface="DejaVu Sans"/>
               </a:rPr>
-              <a:t>O React Router é uma coleção de componentes de navegação.</a:t>
+              <a:t>Refs fornecem uma forma de acessar os nós do DOM ou elementos React criados no método render.</a:t>
             </a:r>
             <a:endParaRPr b="0" lang="pt-BR" sz="2800" spc="-1" strike="noStrike">
               <a:latin typeface="Arial"/>
             </a:endParaRPr>
           </a:p>
           <a:p>
-            <a:pPr marL="216000" indent="-212760">
+            <a:pPr marL="216000" indent="-212400">
               <a:lnSpc>
                 <a:spcPct val="100000"/>
               </a:lnSpc>
@@ -5829,14 +8189,14 @@
                 <a:latin typeface="Arial"/>
                 <a:ea typeface="DejaVu Sans"/>
               </a:rPr>
-              <a:t>O pacote é disponibilizado pelo NPM com o nome react-router-dom.</a:t>
+              <a:t>Em um fluxo de dados típico do React, as props são a única forma de componentes pais interagirem com seus filhos. </a:t>
             </a:r>
             <a:endParaRPr b="0" lang="pt-BR" sz="2800" spc="-1" strike="noStrike">
               <a:latin typeface="Arial"/>
             </a:endParaRPr>
           </a:p>
           <a:p>
-            <a:pPr marL="216000" indent="-212760">
+            <a:pPr marL="216000" indent="-212400">
               <a:lnSpc>
                 <a:spcPct val="100000"/>
               </a:lnSpc>
@@ -5861,7 +8221,7 @@
                 <a:latin typeface="Arial"/>
                 <a:ea typeface="DejaVu Sans"/>
               </a:rPr>
-              <a:t>Comando de instalação:</a:t>
+              <a:t>Existem alguns casos onde você precisa modificar imperativamente um componente filho fora do fluxo típico de dados. O componente filho a ser modificado poderia ser uma instância de um componente React, ou ele poderia ser um elemento DOM.</a:t>
             </a:r>
             <a:endParaRPr b="0" lang="pt-BR" sz="2800" spc="-1" strike="noStrike">
               <a:latin typeface="Arial"/>
@@ -5869,22 +8229,558 @@
           </a:p>
         </p:txBody>
       </p:sp>
-      <p:sp>
-        <p:nvSpPr>
-          <p:cNvPr id="127" name="CustomShape 3"/>
+    </p:spTree>
+  </p:cSld>
+  <mc:AlternateContent>
+    <mc:Choice Requires="p14">
+      <p:transition spd="slow" p14:dur="2000"/>
+    </mc:Choice>
+    <mc:Fallback>
+      <p:transition spd="slow"/>
+    </mc:Fallback>
+  </mc:AlternateContent>
+</p:sld>
+</file>
+
+<file path=ppt/slides/slide5.xml><?xml version="1.0" encoding="utf-8"?>
+<p:sld xmlns:a="http://schemas.openxmlformats.org/drawingml/2006/main" xmlns:p="http://schemas.openxmlformats.org/presentationml/2006/main" xmlns:r="http://schemas.openxmlformats.org/officeDocument/2006/relationships" xmlns:p14="http://schemas.microsoft.com/office/powerpoint/2010/main" xmlns:p15="http://schemas.microsoft.com/office/powerpoint/2012/main" xmlns:mc="http://schemas.openxmlformats.org/markup-compatibility/2006">
+  <p:cSld>
+    <p:spTree>
+      <p:nvGrpSpPr>
+        <p:cNvPr id="1" name=""/>
+        <p:cNvGrpSpPr/>
+        <p:nvPr/>
+      </p:nvGrpSpPr>
+      <p:grpSpPr>
+        <a:xfrm>
+          <a:off x="0" y="0"/>
+          <a:ext cx="0" cy="0"/>
+          <a:chOff x="0" y="0"/>
+          <a:chExt cx="0" cy="0"/>
+        </a:xfrm>
+      </p:grpSpPr>
+      <p:pic>
+        <p:nvPicPr>
+          <p:cNvPr id="127" name="Imagem 3_0" descr=""/>
+          <p:cNvPicPr/>
+          <p:nvPr/>
+        </p:nvPicPr>
+        <p:blipFill>
+          <a:blip r:embed="rId1"/>
+          <a:srcRect l="0" t="0" r="0" b="14956"/>
+          <a:stretch/>
+        </p:blipFill>
+        <p:spPr>
+          <a:xfrm>
+            <a:off x="2520" y="3866760"/>
+            <a:ext cx="12186000" cy="3012480"/>
+          </a:xfrm>
+          <a:prstGeom prst="rect">
+            <a:avLst/>
+          </a:prstGeom>
+          <a:ln>
+            <a:noFill/>
+          </a:ln>
+        </p:spPr>
+      </p:pic>
+      <p:sp>
+        <p:nvSpPr>
+          <p:cNvPr id="128" name="CustomShape 1"/>
           <p:cNvSpPr/>
           <p:nvPr/>
         </p:nvSpPr>
         <p:spPr>
           <a:xfrm>
-            <a:off x="720000" y="4094640"/>
-            <a:ext cx="10653120" cy="1175760"/>
+            <a:off x="371520" y="172800"/>
+            <a:ext cx="11442960" cy="839520"/>
+          </a:xfrm>
+          <a:prstGeom prst="rect">
+            <a:avLst/>
+          </a:prstGeom>
+          <a:noFill/>
+          <a:ln>
+            <a:noFill/>
+          </a:ln>
+        </p:spPr>
+        <p:style>
+          <a:lnRef idx="0"/>
+          <a:fillRef idx="0"/>
+          <a:effectRef idx="0"/>
+          <a:fontRef idx="minor"/>
+        </p:style>
+        <p:txBody>
+          <a:bodyPr lIns="90000" rIns="90000" tIns="45000" bIns="45000">
+            <a:spAutoFit/>
+          </a:bodyPr>
+          <a:p>
+            <a:pPr algn="ctr">
+              <a:lnSpc>
+                <a:spcPct val="100000"/>
+              </a:lnSpc>
+            </a:pPr>
+            <a:r>
+              <a:rPr b="1" lang="pt-BR" sz="3800" spc="-1" strike="noStrike">
+                <a:solidFill>
+                  <a:srgbClr val="09386f"/>
+                </a:solidFill>
+                <a:latin typeface="Segoe Condensed"/>
+                <a:ea typeface="DejaVu Sans"/>
+              </a:rPr>
+              <a:t>REFS</a:t>
+            </a:r>
+            <a:endParaRPr b="0" lang="pt-BR" sz="3800" spc="-1" strike="noStrike">
+              <a:latin typeface="Arial"/>
+            </a:endParaRPr>
+          </a:p>
+          <a:p>
+            <a:pPr algn="ctr">
+              <a:lnSpc>
+                <a:spcPct val="80000"/>
+              </a:lnSpc>
+            </a:pPr>
+            <a:r>
+              <a:rPr b="0" lang="pt-BR" sz="1400" spc="-1" strike="noStrike">
+                <a:solidFill>
+                  <a:srgbClr val="8497b0"/>
+                </a:solidFill>
+                <a:latin typeface="Roboto"/>
+                <a:ea typeface="Roboto"/>
+              </a:rPr>
+              <a:t>QUANDO UTILIZAR</a:t>
+            </a:r>
+            <a:endParaRPr b="0" lang="pt-BR" sz="1400" spc="-1" strike="noStrike">
+              <a:latin typeface="Arial"/>
+            </a:endParaRPr>
+          </a:p>
+        </p:txBody>
+      </p:sp>
+      <p:sp>
+        <p:nvSpPr>
+          <p:cNvPr id="129" name="CustomShape 2"/>
+          <p:cNvSpPr/>
+          <p:nvPr/>
+        </p:nvSpPr>
+        <p:spPr>
+          <a:xfrm>
+            <a:off x="432000" y="1440000"/>
+            <a:ext cx="11228400" cy="4697640"/>
+          </a:xfrm>
+          <a:prstGeom prst="rect">
+            <a:avLst/>
+          </a:prstGeom>
+          <a:noFill/>
+          <a:ln>
+            <a:noFill/>
+          </a:ln>
+        </p:spPr>
+        <p:style>
+          <a:lnRef idx="0"/>
+          <a:fillRef idx="0"/>
+          <a:effectRef idx="0"/>
+          <a:fontRef idx="minor"/>
+        </p:style>
+        <p:txBody>
+          <a:bodyPr lIns="90000" rIns="90000" tIns="45000" bIns="45000">
+            <a:noAutofit/>
+          </a:bodyPr>
+          <a:p>
+            <a:pPr marL="216000" indent="-212400" algn="just">
+              <a:lnSpc>
+                <a:spcPct val="100000"/>
+              </a:lnSpc>
+              <a:spcBef>
+                <a:spcPts val="1417"/>
+              </a:spcBef>
+              <a:spcAft>
+                <a:spcPts val="1417"/>
+              </a:spcAft>
+              <a:buClr>
+                <a:srgbClr val="000000"/>
+              </a:buClr>
+              <a:buSzPct val="45000"/>
+              <a:buFont typeface="Wingdings" charset="2"/>
+              <a:buChar char=""/>
+            </a:pPr>
+            <a:r>
+              <a:rPr b="0" lang="pt-BR" sz="2800" spc="-1" strike="noStrike">
+                <a:solidFill>
+                  <a:srgbClr val="000000"/>
+                </a:solidFill>
+                <a:latin typeface="Arial"/>
+                <a:ea typeface="DejaVu Sans"/>
+              </a:rPr>
+              <a:t>Gerenciamento de foco, seleção de texto, ou reprodução de mídia.</a:t>
+            </a:r>
+            <a:endParaRPr b="0" lang="pt-BR" sz="2800" spc="-1" strike="noStrike">
+              <a:latin typeface="Arial"/>
+            </a:endParaRPr>
+          </a:p>
+          <a:p>
+            <a:pPr marL="216000" indent="-212400" algn="just">
+              <a:lnSpc>
+                <a:spcPct val="100000"/>
+              </a:lnSpc>
+              <a:spcBef>
+                <a:spcPts val="1417"/>
+              </a:spcBef>
+              <a:spcAft>
+                <a:spcPts val="1417"/>
+              </a:spcAft>
+              <a:buClr>
+                <a:srgbClr val="000000"/>
+              </a:buClr>
+              <a:buSzPct val="45000"/>
+              <a:buFont typeface="Wingdings" charset="2"/>
+              <a:buChar char=""/>
+            </a:pPr>
+            <a:r>
+              <a:rPr b="0" lang="pt-BR" sz="2800" spc="-1" strike="noStrike">
+                <a:solidFill>
+                  <a:srgbClr val="000000"/>
+                </a:solidFill>
+                <a:latin typeface="Arial"/>
+                <a:ea typeface="DejaVu Sans"/>
+              </a:rPr>
+              <a:t>Engatilhar animações imperativas.</a:t>
+            </a:r>
+            <a:endParaRPr b="0" lang="pt-BR" sz="2800" spc="-1" strike="noStrike">
+              <a:latin typeface="Arial"/>
+            </a:endParaRPr>
+          </a:p>
+          <a:p>
+            <a:pPr marL="216000" indent="-212400" algn="just">
+              <a:lnSpc>
+                <a:spcPct val="100000"/>
+              </a:lnSpc>
+              <a:spcBef>
+                <a:spcPts val="1417"/>
+              </a:spcBef>
+              <a:spcAft>
+                <a:spcPts val="1417"/>
+              </a:spcAft>
+              <a:buClr>
+                <a:srgbClr val="000000"/>
+              </a:buClr>
+              <a:buSzPct val="45000"/>
+              <a:buFont typeface="Wingdings" charset="2"/>
+              <a:buChar char=""/>
+            </a:pPr>
+            <a:r>
+              <a:rPr b="0" lang="pt-BR" sz="2800" spc="-1" strike="noStrike">
+                <a:solidFill>
+                  <a:srgbClr val="000000"/>
+                </a:solidFill>
+                <a:latin typeface="Arial"/>
+                <a:ea typeface="DejaVu Sans"/>
+              </a:rPr>
+              <a:t>Integração com bibliotecas DOM de terceiros.</a:t>
+            </a:r>
+            <a:endParaRPr b="0" lang="pt-BR" sz="2800" spc="-1" strike="noStrike">
+              <a:latin typeface="Arial"/>
+            </a:endParaRPr>
+          </a:p>
+          <a:p>
+            <a:pPr marL="216000" indent="-212400" algn="just">
+              <a:lnSpc>
+                <a:spcPct val="100000"/>
+              </a:lnSpc>
+              <a:spcBef>
+                <a:spcPts val="1417"/>
+              </a:spcBef>
+              <a:spcAft>
+                <a:spcPts val="1417"/>
+              </a:spcAft>
+              <a:buClr>
+                <a:srgbClr val="000000"/>
+              </a:buClr>
+              <a:buSzPct val="45000"/>
+              <a:buFont typeface="Wingdings" charset="2"/>
+              <a:buChar char=""/>
+            </a:pPr>
+            <a:r>
+              <a:rPr b="0" lang="pt-BR" sz="2800" spc="-1" strike="noStrike">
+                <a:solidFill>
+                  <a:srgbClr val="000000"/>
+                </a:solidFill>
+                <a:latin typeface="Arial"/>
+                <a:ea typeface="DejaVu Sans"/>
+              </a:rPr>
+              <a:t>Evite usar refs para qualquer coisa que possa ser feita de forma declarativa.</a:t>
+            </a:r>
+            <a:endParaRPr b="0" lang="pt-BR" sz="2800" spc="-1" strike="noStrike">
+              <a:latin typeface="Arial"/>
+            </a:endParaRPr>
+          </a:p>
+          <a:p>
+            <a:pPr marL="216000" indent="-212400" algn="just">
+              <a:lnSpc>
+                <a:spcPct val="100000"/>
+              </a:lnSpc>
+              <a:spcBef>
+                <a:spcPts val="1417"/>
+              </a:spcBef>
+              <a:spcAft>
+                <a:spcPts val="1417"/>
+              </a:spcAft>
+              <a:buClr>
+                <a:srgbClr val="000000"/>
+              </a:buClr>
+              <a:buSzPct val="45000"/>
+              <a:buFont typeface="Wingdings" charset="2"/>
+              <a:buChar char=""/>
+            </a:pPr>
+            <a:r>
+              <a:rPr b="0" lang="pt-BR" sz="2800" spc="-1" strike="noStrike">
+                <a:solidFill>
+                  <a:srgbClr val="000000"/>
+                </a:solidFill>
+                <a:latin typeface="Arial"/>
+                <a:ea typeface="DejaVu Sans"/>
+              </a:rPr>
+              <a:t>Por exemplo, ao invés de expôr os métodos open() e close() em um componente Dialog, passe a propriedade isOpen para ele.</a:t>
+            </a:r>
+            <a:endParaRPr b="0" lang="pt-BR" sz="2800" spc="-1" strike="noStrike">
+              <a:latin typeface="Arial"/>
+            </a:endParaRPr>
+          </a:p>
+        </p:txBody>
+      </p:sp>
+    </p:spTree>
+  </p:cSld>
+  <mc:AlternateContent>
+    <mc:Choice Requires="p14">
+      <p:transition spd="slow" p14:dur="2000"/>
+    </mc:Choice>
+    <mc:Fallback>
+      <p:transition spd="slow"/>
+    </mc:Fallback>
+  </mc:AlternateContent>
+</p:sld>
+</file>
+
+<file path=ppt/slides/slide6.xml><?xml version="1.0" encoding="utf-8"?>
+<p:sld xmlns:a="http://schemas.openxmlformats.org/drawingml/2006/main" xmlns:p="http://schemas.openxmlformats.org/presentationml/2006/main" xmlns:r="http://schemas.openxmlformats.org/officeDocument/2006/relationships" xmlns:p14="http://schemas.microsoft.com/office/powerpoint/2010/main" xmlns:p15="http://schemas.microsoft.com/office/powerpoint/2012/main" xmlns:mc="http://schemas.openxmlformats.org/markup-compatibility/2006">
+  <p:cSld>
+    <p:spTree>
+      <p:nvGrpSpPr>
+        <p:cNvPr id="1" name=""/>
+        <p:cNvGrpSpPr/>
+        <p:nvPr/>
+      </p:nvGrpSpPr>
+      <p:grpSpPr>
+        <a:xfrm>
+          <a:off x="0" y="0"/>
+          <a:ext cx="0" cy="0"/>
+          <a:chOff x="0" y="0"/>
+          <a:chExt cx="0" cy="0"/>
+        </a:xfrm>
+      </p:grpSpPr>
+      <p:pic>
+        <p:nvPicPr>
+          <p:cNvPr id="130" name="Imagem 3_3" descr=""/>
+          <p:cNvPicPr/>
+          <p:nvPr/>
+        </p:nvPicPr>
+        <p:blipFill>
+          <a:blip r:embed="rId1"/>
+          <a:srcRect l="0" t="0" r="0" b="14956"/>
+          <a:stretch/>
+        </p:blipFill>
+        <p:spPr>
+          <a:xfrm>
+            <a:off x="2520" y="3866760"/>
+            <a:ext cx="12186000" cy="3012480"/>
+          </a:xfrm>
+          <a:prstGeom prst="rect">
+            <a:avLst/>
+          </a:prstGeom>
+          <a:ln>
+            <a:noFill/>
+          </a:ln>
+        </p:spPr>
+      </p:pic>
+      <p:sp>
+        <p:nvSpPr>
+          <p:cNvPr id="131" name="CustomShape 1"/>
+          <p:cNvSpPr/>
+          <p:nvPr/>
+        </p:nvSpPr>
+        <p:spPr>
+          <a:xfrm>
+            <a:off x="371520" y="172800"/>
+            <a:ext cx="11442960" cy="839520"/>
+          </a:xfrm>
+          <a:prstGeom prst="rect">
+            <a:avLst/>
+          </a:prstGeom>
+          <a:noFill/>
+          <a:ln>
+            <a:noFill/>
+          </a:ln>
+        </p:spPr>
+        <p:style>
+          <a:lnRef idx="0"/>
+          <a:fillRef idx="0"/>
+          <a:effectRef idx="0"/>
+          <a:fontRef idx="minor"/>
+        </p:style>
+        <p:txBody>
+          <a:bodyPr lIns="90000" rIns="90000" tIns="45000" bIns="45000">
+            <a:spAutoFit/>
+          </a:bodyPr>
+          <a:p>
+            <a:pPr algn="ctr">
+              <a:lnSpc>
+                <a:spcPct val="100000"/>
+              </a:lnSpc>
+            </a:pPr>
+            <a:r>
+              <a:rPr b="1" lang="pt-BR" sz="3800" spc="-1" strike="noStrike">
+                <a:solidFill>
+                  <a:srgbClr val="09386f"/>
+                </a:solidFill>
+                <a:latin typeface="Segoe Condensed"/>
+                <a:ea typeface="DejaVu Sans"/>
+              </a:rPr>
+              <a:t>REFS</a:t>
+            </a:r>
+            <a:endParaRPr b="0" lang="pt-BR" sz="3800" spc="-1" strike="noStrike">
+              <a:latin typeface="Arial"/>
+            </a:endParaRPr>
+          </a:p>
+          <a:p>
+            <a:pPr algn="ctr">
+              <a:lnSpc>
+                <a:spcPct val="80000"/>
+              </a:lnSpc>
+            </a:pPr>
+            <a:r>
+              <a:rPr b="0" lang="pt-BR" sz="1400" spc="-1" strike="noStrike">
+                <a:solidFill>
+                  <a:srgbClr val="8497b0"/>
+                </a:solidFill>
+                <a:latin typeface="Roboto"/>
+                <a:ea typeface="Roboto"/>
+              </a:rPr>
+              <a:t>CRIANDO</a:t>
+            </a:r>
+            <a:endParaRPr b="0" lang="pt-BR" sz="1400" spc="-1" strike="noStrike">
+              <a:latin typeface="Arial"/>
+            </a:endParaRPr>
+          </a:p>
+        </p:txBody>
+      </p:sp>
+      <p:sp>
+        <p:nvSpPr>
+          <p:cNvPr id="132" name="CustomShape 2"/>
+          <p:cNvSpPr/>
+          <p:nvPr/>
+        </p:nvSpPr>
+        <p:spPr>
+          <a:xfrm>
+            <a:off x="432000" y="1188000"/>
+            <a:ext cx="11228400" cy="4697640"/>
+          </a:xfrm>
+          <a:prstGeom prst="rect">
+            <a:avLst/>
+          </a:prstGeom>
+          <a:noFill/>
+          <a:ln>
+            <a:noFill/>
+          </a:ln>
+        </p:spPr>
+        <p:style>
+          <a:lnRef idx="0"/>
+          <a:fillRef idx="0"/>
+          <a:effectRef idx="0"/>
+          <a:fontRef idx="minor"/>
+        </p:style>
+        <p:txBody>
+          <a:bodyPr lIns="90000" rIns="90000" tIns="45000" bIns="45000">
+            <a:noAutofit/>
+          </a:bodyPr>
+          <a:p>
+            <a:pPr marL="216000" indent="-212400" algn="just">
+              <a:lnSpc>
+                <a:spcPct val="100000"/>
+              </a:lnSpc>
+              <a:spcBef>
+                <a:spcPts val="850"/>
+              </a:spcBef>
+              <a:spcAft>
+                <a:spcPts val="850"/>
+              </a:spcAft>
+              <a:buClr>
+                <a:srgbClr val="000000"/>
+              </a:buClr>
+              <a:buSzPct val="45000"/>
+              <a:buFont typeface="Wingdings" charset="2"/>
+              <a:buChar char=""/>
+            </a:pPr>
+            <a:r>
+              <a:rPr b="0" lang="pt-BR" sz="2600" spc="-1" strike="noStrike">
+                <a:solidFill>
+                  <a:srgbClr val="000000"/>
+                </a:solidFill>
+                <a:latin typeface="Arial"/>
+                <a:ea typeface="DejaVu Sans"/>
+              </a:rPr>
+              <a:t>Refs são criadas usando React.createRef() e anexadas aos elementos React por meio do atributo ref.</a:t>
+            </a:r>
+            <a:endParaRPr b="0" lang="pt-BR" sz="2600" spc="-1" strike="noStrike">
+              <a:latin typeface="Arial"/>
+            </a:endParaRPr>
+          </a:p>
+          <a:p>
+            <a:pPr marL="216000" indent="-212400" algn="just">
+              <a:lnSpc>
+                <a:spcPct val="100000"/>
+              </a:lnSpc>
+              <a:spcBef>
+                <a:spcPts val="850"/>
+              </a:spcBef>
+              <a:spcAft>
+                <a:spcPts val="850"/>
+              </a:spcAft>
+              <a:buClr>
+                <a:srgbClr val="000000"/>
+              </a:buClr>
+              <a:buSzPct val="45000"/>
+              <a:buFont typeface="Wingdings" charset="2"/>
+              <a:buChar char=""/>
+            </a:pPr>
+            <a:r>
+              <a:rPr b="0" lang="pt-BR" sz="2600" spc="-1" strike="noStrike">
+                <a:solidFill>
+                  <a:srgbClr val="000000"/>
+                </a:solidFill>
+                <a:latin typeface="Arial"/>
+                <a:ea typeface="DejaVu Sans"/>
+              </a:rPr>
+              <a:t>As Refs são comumente atribuídas a uma propriedade de instância quando um componente é construído para que então elas possam ser referenciadas por todo o componente.</a:t>
+            </a:r>
+            <a:endParaRPr b="0" lang="pt-BR" sz="2600" spc="-1" strike="noStrike">
+              <a:latin typeface="Arial"/>
+            </a:endParaRPr>
+          </a:p>
+        </p:txBody>
+      </p:sp>
+      <p:sp>
+        <p:nvSpPr>
+          <p:cNvPr id="133" name="CustomShape 3"/>
+          <p:cNvSpPr/>
+          <p:nvPr/>
+        </p:nvSpPr>
+        <p:spPr>
+          <a:xfrm>
+            <a:off x="576000" y="3744000"/>
+            <a:ext cx="11015640" cy="2879640"/>
           </a:xfrm>
           <a:prstGeom prst="rect">
             <a:avLst/>
           </a:prstGeom>
           <a:solidFill>
-            <a:srgbClr val="000000">
+            <a:srgbClr val="eeeeee">
               <a:alpha val="70000"/>
             </a:srgbClr>
           </a:solidFill>
@@ -5912,16 +8808,46 @@
               </a:lnSpc>
             </a:pPr>
             <a:r>
-              <a:rPr b="0" lang="pt-BR" sz="2200" spc="-1" strike="noStrike">
-                <a:solidFill>
-                  <a:srgbClr val="81d41a"/>
-                </a:solidFill>
-                <a:latin typeface="Nimbus Mono PS"/>
-                <a:ea typeface="DejaVu Sans"/>
-              </a:rPr>
-              <a:t>cd ../sua-app</a:t>
-            </a:r>
-            <a:endParaRPr b="0" lang="pt-BR" sz="2200" spc="-1" strike="noStrike">
+              <a:rPr b="0" lang="pt-BR" sz="2000" spc="-1" strike="noStrike">
+                <a:solidFill>
+                  <a:srgbClr val="008000"/>
+                </a:solidFill>
+                <a:latin typeface="Nimbus Mono PS"/>
+                <a:ea typeface="DejaVu Sans"/>
+              </a:rPr>
+              <a:t>class</a:t>
+            </a:r>
+            <a:r>
+              <a:rPr b="0" lang="pt-BR" sz="2000" spc="-1" strike="noStrike">
+                <a:solidFill>
+                  <a:srgbClr val="000000"/>
+                </a:solidFill>
+                <a:latin typeface="Nimbus Mono PS"/>
+                <a:ea typeface="DejaVu Sans"/>
+              </a:rPr>
+              <a:t> MyComponent </a:t>
+            </a:r>
+            <a:r>
+              <a:rPr b="0" lang="pt-BR" sz="2000" spc="-1" strike="noStrike">
+                <a:solidFill>
+                  <a:srgbClr val="008000"/>
+                </a:solidFill>
+                <a:latin typeface="Nimbus Mono PS"/>
+                <a:ea typeface="DejaVu Sans"/>
+              </a:rPr>
+              <a:t>extends</a:t>
+            </a:r>
+            <a:r>
+              <a:rPr b="0" lang="pt-BR" sz="2000" spc="-1" strike="noStrike">
+                <a:solidFill>
+                  <a:srgbClr val="000000"/>
+                </a:solidFill>
+                <a:latin typeface="Nimbus Mono PS"/>
+                <a:ea typeface="DejaVu Sans"/>
+              </a:rPr>
+              <a:t> React.Component {</a:t>
+            </a:r>
+            <a:endParaRPr b="0" lang="pt-BR" sz="2000" spc="-1" strike="noStrike">
               <a:latin typeface="Arial"/>
             </a:endParaRPr>
           </a:p>
@@ -5932,16 +8858,2013 @@
               </a:lnSpc>
             </a:pPr>
             <a:r>
-              <a:rPr b="0" lang="pt-BR" sz="2200" spc="-1" strike="noStrike">
-                <a:solidFill>
-                  <a:srgbClr val="81d41a"/>
-                </a:solidFill>
-                <a:latin typeface="Nimbus Mono PS"/>
-                <a:ea typeface="DejaVu Sans"/>
-              </a:rPr>
-              <a:t>npm install react-router-dom --save</a:t>
-            </a:r>
-            <a:endParaRPr b="0" lang="pt-BR" sz="2200" spc="-1" strike="noStrike">
+              <a:rPr b="0" lang="pt-BR" sz="2000" spc="-1" strike="noStrike">
+                <a:solidFill>
+                  <a:srgbClr val="000000"/>
+                </a:solidFill>
+                <a:latin typeface="Nimbus Mono PS"/>
+                <a:ea typeface="DejaVu Sans"/>
+              </a:rPr>
+              <a:t>  </a:t>
+            </a:r>
+            <a:r>
+              <a:rPr b="0" lang="pt-BR" sz="2000" spc="-1" strike="noStrike">
+                <a:solidFill>
+                  <a:srgbClr val="000000"/>
+                </a:solidFill>
+                <a:latin typeface="Nimbus Mono PS"/>
+                <a:ea typeface="DejaVu Sans"/>
+              </a:rPr>
+              <a:t>constructor(props) {</a:t>
+            </a:r>
+            <a:endParaRPr b="0" lang="pt-BR" sz="2000" spc="-1" strike="noStrike">
+              <a:latin typeface="Arial"/>
+            </a:endParaRPr>
+          </a:p>
+          <a:p>
+            <a:pPr>
+              <a:lnSpc>
+                <a:spcPct val="100000"/>
+              </a:lnSpc>
+            </a:pPr>
+            <a:r>
+              <a:rPr b="0" lang="pt-BR" sz="2000" spc="-1" strike="noStrike">
+                <a:solidFill>
+                  <a:srgbClr val="000000"/>
+                </a:solidFill>
+                <a:latin typeface="Nimbus Mono PS"/>
+                <a:ea typeface="DejaVu Sans"/>
+              </a:rPr>
+              <a:t>    </a:t>
+            </a:r>
+            <a:r>
+              <a:rPr b="0" lang="pt-BR" sz="2000" spc="-1" strike="noStrike">
+                <a:solidFill>
+                  <a:srgbClr val="008000"/>
+                </a:solidFill>
+                <a:latin typeface="Nimbus Mono PS"/>
+                <a:ea typeface="DejaVu Sans"/>
+              </a:rPr>
+              <a:t>super</a:t>
+            </a:r>
+            <a:r>
+              <a:rPr b="0" lang="pt-BR" sz="2000" spc="-1" strike="noStrike">
+                <a:solidFill>
+                  <a:srgbClr val="000000"/>
+                </a:solidFill>
+                <a:latin typeface="Nimbus Mono PS"/>
+                <a:ea typeface="DejaVu Sans"/>
+              </a:rPr>
+              <a:t>(props);</a:t>
+            </a:r>
+            <a:endParaRPr b="0" lang="pt-BR" sz="2000" spc="-1" strike="noStrike">
+              <a:latin typeface="Arial"/>
+            </a:endParaRPr>
+          </a:p>
+          <a:p>
+            <a:pPr>
+              <a:lnSpc>
+                <a:spcPct val="100000"/>
+              </a:lnSpc>
+            </a:pPr>
+            <a:r>
+              <a:rPr b="0" lang="pt-BR" sz="2000" spc="-1" strike="noStrike">
+                <a:solidFill>
+                  <a:srgbClr val="000000"/>
+                </a:solidFill>
+                <a:latin typeface="Nimbus Mono PS"/>
+                <a:ea typeface="DejaVu Sans"/>
+              </a:rPr>
+              <a:t>    </a:t>
+            </a:r>
+            <a:r>
+              <a:rPr b="0" lang="pt-BR" sz="2000" spc="-1" strike="noStrike">
+                <a:solidFill>
+                  <a:srgbClr val="008000"/>
+                </a:solidFill>
+                <a:latin typeface="Nimbus Mono PS"/>
+                <a:ea typeface="DejaVu Sans"/>
+              </a:rPr>
+              <a:t>this</a:t>
+            </a:r>
+            <a:r>
+              <a:rPr b="0" lang="pt-BR" sz="2000" spc="-1" strike="noStrike">
+                <a:solidFill>
+                  <a:srgbClr val="000000"/>
+                </a:solidFill>
+                <a:latin typeface="Nimbus Mono PS"/>
+                <a:ea typeface="DejaVu Sans"/>
+              </a:rPr>
+              <a:t>.myRef </a:t>
+            </a:r>
+            <a:r>
+              <a:rPr b="0" lang="pt-BR" sz="2000" spc="-1" strike="noStrike">
+                <a:solidFill>
+                  <a:srgbClr val="666666"/>
+                </a:solidFill>
+                <a:latin typeface="Nimbus Mono PS"/>
+                <a:ea typeface="DejaVu Sans"/>
+              </a:rPr>
+              <a:t>=</a:t>
+            </a:r>
+            <a:r>
+              <a:rPr b="0" lang="pt-BR" sz="2000" spc="-1" strike="noStrike">
+                <a:solidFill>
+                  <a:srgbClr val="000000"/>
+                </a:solidFill>
+                <a:latin typeface="Nimbus Mono PS"/>
+                <a:ea typeface="DejaVu Sans"/>
+              </a:rPr>
+              <a:t> React.createRef();</a:t>
+            </a:r>
+            <a:endParaRPr b="0" lang="pt-BR" sz="2000" spc="-1" strike="noStrike">
+              <a:latin typeface="Arial"/>
+            </a:endParaRPr>
+          </a:p>
+          <a:p>
+            <a:pPr>
+              <a:lnSpc>
+                <a:spcPct val="100000"/>
+              </a:lnSpc>
+            </a:pPr>
+            <a:r>
+              <a:rPr b="0" lang="pt-BR" sz="2000" spc="-1" strike="noStrike">
+                <a:solidFill>
+                  <a:srgbClr val="000000"/>
+                </a:solidFill>
+                <a:latin typeface="Nimbus Mono PS"/>
+                <a:ea typeface="DejaVu Sans"/>
+              </a:rPr>
+              <a:t>  </a:t>
+            </a:r>
+            <a:r>
+              <a:rPr b="0" lang="pt-BR" sz="2000" spc="-1" strike="noStrike">
+                <a:solidFill>
+                  <a:srgbClr val="000000"/>
+                </a:solidFill>
+                <a:latin typeface="Nimbus Mono PS"/>
+                <a:ea typeface="DejaVu Sans"/>
+              </a:rPr>
+              <a:t>}</a:t>
+            </a:r>
+            <a:endParaRPr b="0" lang="pt-BR" sz="2000" spc="-1" strike="noStrike">
+              <a:latin typeface="Arial"/>
+            </a:endParaRPr>
+          </a:p>
+          <a:p>
+            <a:pPr>
+              <a:lnSpc>
+                <a:spcPct val="100000"/>
+              </a:lnSpc>
+            </a:pPr>
+            <a:r>
+              <a:rPr b="0" lang="pt-BR" sz="2000" spc="-1" strike="noStrike">
+                <a:solidFill>
+                  <a:srgbClr val="000000"/>
+                </a:solidFill>
+                <a:latin typeface="Nimbus Mono PS"/>
+                <a:ea typeface="DejaVu Sans"/>
+              </a:rPr>
+              <a:t>  </a:t>
+            </a:r>
+            <a:r>
+              <a:rPr b="0" lang="pt-BR" sz="2000" spc="-1" strike="noStrike">
+                <a:solidFill>
+                  <a:srgbClr val="000000"/>
+                </a:solidFill>
+                <a:latin typeface="Nimbus Mono PS"/>
+                <a:ea typeface="DejaVu Sans"/>
+              </a:rPr>
+              <a:t>render() {</a:t>
+            </a:r>
+            <a:endParaRPr b="0" lang="pt-BR" sz="2000" spc="-1" strike="noStrike">
+              <a:latin typeface="Arial"/>
+            </a:endParaRPr>
+          </a:p>
+          <a:p>
+            <a:pPr>
+              <a:lnSpc>
+                <a:spcPct val="100000"/>
+              </a:lnSpc>
+            </a:pPr>
+            <a:r>
+              <a:rPr b="0" lang="pt-BR" sz="2000" spc="-1" strike="noStrike">
+                <a:solidFill>
+                  <a:srgbClr val="000000"/>
+                </a:solidFill>
+                <a:latin typeface="Nimbus Mono PS"/>
+                <a:ea typeface="DejaVu Sans"/>
+              </a:rPr>
+              <a:t>    </a:t>
+            </a:r>
+            <a:r>
+              <a:rPr b="0" lang="pt-BR" sz="2000" spc="-1" strike="noStrike">
+                <a:solidFill>
+                  <a:srgbClr val="008000"/>
+                </a:solidFill>
+                <a:latin typeface="Nimbus Mono PS"/>
+                <a:ea typeface="DejaVu Sans"/>
+              </a:rPr>
+              <a:t>return</a:t>
+            </a:r>
+            <a:r>
+              <a:rPr b="0" lang="pt-BR" sz="2000" spc="-1" strike="noStrike">
+                <a:solidFill>
+                  <a:srgbClr val="000000"/>
+                </a:solidFill>
+                <a:latin typeface="Nimbus Mono PS"/>
+                <a:ea typeface="DejaVu Sans"/>
+              </a:rPr>
+              <a:t> </a:t>
+            </a:r>
+            <a:r>
+              <a:rPr b="0" lang="pt-BR" sz="2000" spc="-1" strike="noStrike">
+                <a:solidFill>
+                  <a:srgbClr val="666666"/>
+                </a:solidFill>
+                <a:latin typeface="Nimbus Mono PS"/>
+                <a:ea typeface="DejaVu Sans"/>
+              </a:rPr>
+              <a:t>&lt;</a:t>
+            </a:r>
+            <a:r>
+              <a:rPr b="0" lang="pt-BR" sz="2000" spc="-1" strike="noStrike">
+                <a:solidFill>
+                  <a:srgbClr val="000000"/>
+                </a:solidFill>
+                <a:latin typeface="Nimbus Mono PS"/>
+                <a:ea typeface="DejaVu Sans"/>
+              </a:rPr>
+              <a:t>div ref</a:t>
+            </a:r>
+            <a:r>
+              <a:rPr b="0" lang="pt-BR" sz="2000" spc="-1" strike="noStrike">
+                <a:solidFill>
+                  <a:srgbClr val="666666"/>
+                </a:solidFill>
+                <a:latin typeface="Nimbus Mono PS"/>
+                <a:ea typeface="DejaVu Sans"/>
+              </a:rPr>
+              <a:t>=</a:t>
+            </a:r>
+            <a:r>
+              <a:rPr b="0" lang="pt-BR" sz="2000" spc="-1" strike="noStrike">
+                <a:solidFill>
+                  <a:srgbClr val="000000"/>
+                </a:solidFill>
+                <a:latin typeface="Nimbus Mono PS"/>
+                <a:ea typeface="DejaVu Sans"/>
+              </a:rPr>
+              <a:t>{</a:t>
+            </a:r>
+            <a:r>
+              <a:rPr b="0" lang="pt-BR" sz="2000" spc="-1" strike="noStrike">
+                <a:solidFill>
+                  <a:srgbClr val="008000"/>
+                </a:solidFill>
+                <a:latin typeface="Nimbus Mono PS"/>
+                <a:ea typeface="DejaVu Sans"/>
+              </a:rPr>
+              <a:t>this</a:t>
+            </a:r>
+            <a:r>
+              <a:rPr b="0" lang="pt-BR" sz="2000" spc="-1" strike="noStrike">
+                <a:solidFill>
+                  <a:srgbClr val="000000"/>
+                </a:solidFill>
+                <a:latin typeface="Nimbus Mono PS"/>
+                <a:ea typeface="DejaVu Sans"/>
+              </a:rPr>
+              <a:t>.myRef} </a:t>
+            </a:r>
+            <a:r>
+              <a:rPr b="0" lang="pt-BR" sz="2000" spc="-1" strike="noStrike">
+                <a:solidFill>
+                  <a:srgbClr val="666666"/>
+                </a:solidFill>
+                <a:latin typeface="Nimbus Mono PS"/>
+                <a:ea typeface="DejaVu Sans"/>
+              </a:rPr>
+              <a:t>/&gt;</a:t>
+            </a:r>
+            <a:r>
+              <a:rPr b="0" lang="pt-BR" sz="2000" spc="-1" strike="noStrike">
+                <a:solidFill>
+                  <a:srgbClr val="000000"/>
+                </a:solidFill>
+                <a:latin typeface="Nimbus Mono PS"/>
+                <a:ea typeface="DejaVu Sans"/>
+              </a:rPr>
+              <a:t>;</a:t>
+            </a:r>
+            <a:endParaRPr b="0" lang="pt-BR" sz="2000" spc="-1" strike="noStrike">
+              <a:latin typeface="Arial"/>
+            </a:endParaRPr>
+          </a:p>
+          <a:p>
+            <a:pPr>
+              <a:lnSpc>
+                <a:spcPct val="100000"/>
+              </a:lnSpc>
+            </a:pPr>
+            <a:r>
+              <a:rPr b="0" lang="pt-BR" sz="2000" spc="-1" strike="noStrike">
+                <a:solidFill>
+                  <a:srgbClr val="000000"/>
+                </a:solidFill>
+                <a:latin typeface="Nimbus Mono PS"/>
+                <a:ea typeface="DejaVu Sans"/>
+              </a:rPr>
+              <a:t>  </a:t>
+            </a:r>
+            <a:r>
+              <a:rPr b="0" lang="pt-BR" sz="2000" spc="-1" strike="noStrike">
+                <a:solidFill>
+                  <a:srgbClr val="000000"/>
+                </a:solidFill>
+                <a:latin typeface="Nimbus Mono PS"/>
+                <a:ea typeface="DejaVu Sans"/>
+              </a:rPr>
+              <a:t>}</a:t>
+            </a:r>
+            <a:endParaRPr b="0" lang="pt-BR" sz="2000" spc="-1" strike="noStrike">
+              <a:latin typeface="Arial"/>
+            </a:endParaRPr>
+          </a:p>
+          <a:p>
+            <a:pPr>
+              <a:lnSpc>
+                <a:spcPct val="100000"/>
+              </a:lnSpc>
+            </a:pPr>
+            <a:r>
+              <a:rPr b="0" lang="pt-BR" sz="2000" spc="-1" strike="noStrike">
+                <a:solidFill>
+                  <a:srgbClr val="000000"/>
+                </a:solidFill>
+                <a:latin typeface="Nimbus Mono PS"/>
+                <a:ea typeface="DejaVu Sans"/>
+              </a:rPr>
+              <a:t>}</a:t>
+            </a:r>
+            <a:endParaRPr b="0" lang="pt-BR" sz="2000" spc="-1" strike="noStrike">
+              <a:latin typeface="Arial"/>
+            </a:endParaRPr>
+          </a:p>
+        </p:txBody>
+      </p:sp>
+    </p:spTree>
+  </p:cSld>
+  <mc:AlternateContent>
+    <mc:Choice Requires="p14">
+      <p:transition spd="slow" p14:dur="2000"/>
+    </mc:Choice>
+    <mc:Fallback>
+      <p:transition spd="slow"/>
+    </mc:Fallback>
+  </mc:AlternateContent>
+</p:sld>
+</file>
+
+<file path=ppt/slides/slide7.xml><?xml version="1.0" encoding="utf-8"?>
+<p:sld xmlns:a="http://schemas.openxmlformats.org/drawingml/2006/main" xmlns:p="http://schemas.openxmlformats.org/presentationml/2006/main" xmlns:r="http://schemas.openxmlformats.org/officeDocument/2006/relationships" xmlns:p14="http://schemas.microsoft.com/office/powerpoint/2010/main" xmlns:p15="http://schemas.microsoft.com/office/powerpoint/2012/main" xmlns:mc="http://schemas.openxmlformats.org/markup-compatibility/2006">
+  <p:cSld>
+    <p:spTree>
+      <p:nvGrpSpPr>
+        <p:cNvPr id="1" name=""/>
+        <p:cNvGrpSpPr/>
+        <p:nvPr/>
+      </p:nvGrpSpPr>
+      <p:grpSpPr>
+        <a:xfrm>
+          <a:off x="0" y="0"/>
+          <a:ext cx="0" cy="0"/>
+          <a:chOff x="0" y="0"/>
+          <a:chExt cx="0" cy="0"/>
+        </a:xfrm>
+      </p:grpSpPr>
+      <p:pic>
+        <p:nvPicPr>
+          <p:cNvPr id="134" name="Imagem 3_2" descr=""/>
+          <p:cNvPicPr/>
+          <p:nvPr/>
+        </p:nvPicPr>
+        <p:blipFill>
+          <a:blip r:embed="rId1"/>
+          <a:srcRect l="0" t="0" r="0" b="14956"/>
+          <a:stretch/>
+        </p:blipFill>
+        <p:spPr>
+          <a:xfrm>
+            <a:off x="2520" y="3866760"/>
+            <a:ext cx="12186000" cy="3012480"/>
+          </a:xfrm>
+          <a:prstGeom prst="rect">
+            <a:avLst/>
+          </a:prstGeom>
+          <a:ln>
+            <a:noFill/>
+          </a:ln>
+        </p:spPr>
+      </p:pic>
+      <p:sp>
+        <p:nvSpPr>
+          <p:cNvPr id="135" name="CustomShape 1"/>
+          <p:cNvSpPr/>
+          <p:nvPr/>
+        </p:nvSpPr>
+        <p:spPr>
+          <a:xfrm>
+            <a:off x="371520" y="172800"/>
+            <a:ext cx="11442960" cy="839520"/>
+          </a:xfrm>
+          <a:prstGeom prst="rect">
+            <a:avLst/>
+          </a:prstGeom>
+          <a:noFill/>
+          <a:ln>
+            <a:noFill/>
+          </a:ln>
+        </p:spPr>
+        <p:style>
+          <a:lnRef idx="0"/>
+          <a:fillRef idx="0"/>
+          <a:effectRef idx="0"/>
+          <a:fontRef idx="minor"/>
+        </p:style>
+        <p:txBody>
+          <a:bodyPr lIns="90000" rIns="90000" tIns="45000" bIns="45000">
+            <a:spAutoFit/>
+          </a:bodyPr>
+          <a:p>
+            <a:pPr algn="ctr">
+              <a:lnSpc>
+                <a:spcPct val="100000"/>
+              </a:lnSpc>
+            </a:pPr>
+            <a:r>
+              <a:rPr b="1" lang="pt-BR" sz="3800" spc="-1" strike="noStrike">
+                <a:solidFill>
+                  <a:srgbClr val="09386f"/>
+                </a:solidFill>
+                <a:latin typeface="Segoe Condensed"/>
+                <a:ea typeface="DejaVu Sans"/>
+              </a:rPr>
+              <a:t>REFS</a:t>
+            </a:r>
+            <a:endParaRPr b="0" lang="pt-BR" sz="3800" spc="-1" strike="noStrike">
+              <a:latin typeface="Arial"/>
+            </a:endParaRPr>
+          </a:p>
+          <a:p>
+            <a:pPr algn="ctr">
+              <a:lnSpc>
+                <a:spcPct val="80000"/>
+              </a:lnSpc>
+            </a:pPr>
+            <a:r>
+              <a:rPr b="0" lang="pt-BR" sz="1400" spc="-1" strike="noStrike">
+                <a:solidFill>
+                  <a:srgbClr val="8497b0"/>
+                </a:solidFill>
+                <a:latin typeface="Roboto"/>
+                <a:ea typeface="Roboto"/>
+              </a:rPr>
+              <a:t>CRIANDO</a:t>
+            </a:r>
+            <a:endParaRPr b="0" lang="pt-BR" sz="1400" spc="-1" strike="noStrike">
+              <a:latin typeface="Arial"/>
+            </a:endParaRPr>
+          </a:p>
+        </p:txBody>
+      </p:sp>
+      <p:sp>
+        <p:nvSpPr>
+          <p:cNvPr id="136" name="CustomShape 2"/>
+          <p:cNvSpPr/>
+          <p:nvPr/>
+        </p:nvSpPr>
+        <p:spPr>
+          <a:xfrm>
+            <a:off x="432000" y="1188000"/>
+            <a:ext cx="11228400" cy="4697640"/>
+          </a:xfrm>
+          <a:prstGeom prst="rect">
+            <a:avLst/>
+          </a:prstGeom>
+          <a:noFill/>
+          <a:ln>
+            <a:noFill/>
+          </a:ln>
+        </p:spPr>
+        <p:style>
+          <a:lnRef idx="0"/>
+          <a:fillRef idx="0"/>
+          <a:effectRef idx="0"/>
+          <a:fontRef idx="minor"/>
+        </p:style>
+        <p:txBody>
+          <a:bodyPr lIns="90000" rIns="90000" tIns="45000" bIns="45000">
+            <a:noAutofit/>
+          </a:bodyPr>
+          <a:p>
+            <a:pPr marL="216000" indent="-212400" algn="just">
+              <a:lnSpc>
+                <a:spcPct val="100000"/>
+              </a:lnSpc>
+              <a:spcBef>
+                <a:spcPts val="1417"/>
+              </a:spcBef>
+              <a:spcAft>
+                <a:spcPts val="1417"/>
+              </a:spcAft>
+              <a:buClr>
+                <a:srgbClr val="000000"/>
+              </a:buClr>
+              <a:buSzPct val="45000"/>
+              <a:buFont typeface="Wingdings" charset="2"/>
+              <a:buChar char=""/>
+            </a:pPr>
+            <a:r>
+              <a:rPr b="0" lang="pt-BR" sz="2800" spc="-1" strike="noStrike">
+                <a:solidFill>
+                  <a:srgbClr val="000000"/>
+                </a:solidFill>
+                <a:latin typeface="Arial"/>
+                <a:ea typeface="DejaVu Sans"/>
+              </a:rPr>
+              <a:t>Quando uma ref é passada para um elemento no render, uma referência para o nó se torna acessível no atributo current da ref.</a:t>
+            </a:r>
+            <a:endParaRPr b="0" lang="pt-BR" sz="2800" spc="-1" strike="noStrike">
+              <a:latin typeface="Arial"/>
+            </a:endParaRPr>
+          </a:p>
+          <a:p>
+            <a:pPr marL="216000" indent="-212400" algn="just">
+              <a:lnSpc>
+                <a:spcPct val="100000"/>
+              </a:lnSpc>
+              <a:spcBef>
+                <a:spcPts val="1417"/>
+              </a:spcBef>
+              <a:spcAft>
+                <a:spcPts val="1417"/>
+              </a:spcAft>
+              <a:buClr>
+                <a:srgbClr val="000000"/>
+              </a:buClr>
+              <a:buSzPct val="45000"/>
+              <a:buFont typeface="Wingdings" charset="2"/>
+              <a:buChar char=""/>
+            </a:pPr>
+            <a:r>
+              <a:rPr b="0" lang="pt-BR" sz="2800" spc="-1" strike="noStrike">
+                <a:solidFill>
+                  <a:srgbClr val="000000"/>
+                </a:solidFill>
+                <a:latin typeface="Arial"/>
+                <a:ea typeface="DejaVu Sans"/>
+              </a:rPr>
+              <a:t>Quando o atributo ref é usado em um elemento HTML, a ref criada no construtor React.createRef() recebe um elemento DOM subjacente como a propriedade current.</a:t>
+            </a:r>
+            <a:endParaRPr b="0" lang="pt-BR" sz="2800" spc="-1" strike="noStrike">
+              <a:latin typeface="Arial"/>
+            </a:endParaRPr>
+          </a:p>
+          <a:p>
+            <a:pPr marL="216000" indent="-212400" algn="just">
+              <a:lnSpc>
+                <a:spcPct val="100000"/>
+              </a:lnSpc>
+              <a:spcBef>
+                <a:spcPts val="1417"/>
+              </a:spcBef>
+              <a:spcAft>
+                <a:spcPts val="1417"/>
+              </a:spcAft>
+              <a:buClr>
+                <a:srgbClr val="000000"/>
+              </a:buClr>
+              <a:buSzPct val="45000"/>
+              <a:buFont typeface="Wingdings" charset="2"/>
+              <a:buChar char=""/>
+            </a:pPr>
+            <a:r>
+              <a:rPr b="0" lang="pt-BR" sz="2800" spc="-1" strike="noStrike">
+                <a:solidFill>
+                  <a:srgbClr val="000000"/>
+                </a:solidFill>
+                <a:latin typeface="Arial"/>
+                <a:ea typeface="DejaVu Sans"/>
+              </a:rPr>
+              <a:t>Quando o atributo ref é usado em um componente de classe, o objeto ref recebe uma instância montada de um componente em sua propriedade current.</a:t>
+            </a:r>
+            <a:endParaRPr b="0" lang="pt-BR" sz="2800" spc="-1" strike="noStrike">
+              <a:latin typeface="Arial"/>
+            </a:endParaRPr>
+          </a:p>
+          <a:p>
+            <a:pPr marL="216000" indent="-212400" algn="just">
+              <a:lnSpc>
+                <a:spcPct val="100000"/>
+              </a:lnSpc>
+              <a:spcBef>
+                <a:spcPts val="1417"/>
+              </a:spcBef>
+              <a:spcAft>
+                <a:spcPts val="1417"/>
+              </a:spcAft>
+              <a:buClr>
+                <a:srgbClr val="000000"/>
+              </a:buClr>
+              <a:buSzPct val="45000"/>
+              <a:buFont typeface="Wingdings" charset="2"/>
+              <a:buChar char=""/>
+            </a:pPr>
+            <a:r>
+              <a:rPr b="0" lang="pt-BR" sz="2800" spc="-1" strike="noStrike">
+                <a:solidFill>
+                  <a:srgbClr val="000000"/>
+                </a:solidFill>
+                <a:latin typeface="Arial"/>
+                <a:ea typeface="DejaVu Sans"/>
+              </a:rPr>
+              <a:t>Você não pode usar o atributo ref em um componente funcional, já que eles não possuem instâncias.</a:t>
+            </a:r>
+            <a:endParaRPr b="0" lang="pt-BR" sz="2800" spc="-1" strike="noStrike">
+              <a:latin typeface="Arial"/>
+            </a:endParaRPr>
+          </a:p>
+        </p:txBody>
+      </p:sp>
+    </p:spTree>
+  </p:cSld>
+  <mc:AlternateContent>
+    <mc:Choice Requires="p14">
+      <p:transition spd="slow" p14:dur="2000"/>
+    </mc:Choice>
+    <mc:Fallback>
+      <p:transition spd="slow"/>
+    </mc:Fallback>
+  </mc:AlternateContent>
+</p:sld>
+</file>
+
+<file path=ppt/slides/slide8.xml><?xml version="1.0" encoding="utf-8"?>
+<p:sld xmlns:a="http://schemas.openxmlformats.org/drawingml/2006/main" xmlns:p="http://schemas.openxmlformats.org/presentationml/2006/main" xmlns:r="http://schemas.openxmlformats.org/officeDocument/2006/relationships" xmlns:p14="http://schemas.microsoft.com/office/powerpoint/2010/main" xmlns:p15="http://schemas.microsoft.com/office/powerpoint/2012/main" xmlns:mc="http://schemas.openxmlformats.org/markup-compatibility/2006">
+  <p:cSld>
+    <p:spTree>
+      <p:nvGrpSpPr>
+        <p:cNvPr id="1" name=""/>
+        <p:cNvGrpSpPr/>
+        <p:nvPr/>
+      </p:nvGrpSpPr>
+      <p:grpSpPr>
+        <a:xfrm>
+          <a:off x="0" y="0"/>
+          <a:ext cx="0" cy="0"/>
+          <a:chOff x="0" y="0"/>
+          <a:chExt cx="0" cy="0"/>
+        </a:xfrm>
+      </p:grpSpPr>
+      <p:pic>
+        <p:nvPicPr>
+          <p:cNvPr id="137" name="Imagem 3_4" descr=""/>
+          <p:cNvPicPr/>
+          <p:nvPr/>
+        </p:nvPicPr>
+        <p:blipFill>
+          <a:blip r:embed="rId1"/>
+          <a:srcRect l="0" t="0" r="0" b="14956"/>
+          <a:stretch/>
+        </p:blipFill>
+        <p:spPr>
+          <a:xfrm>
+            <a:off x="2520" y="3866760"/>
+            <a:ext cx="12186000" cy="3012480"/>
+          </a:xfrm>
+          <a:prstGeom prst="rect">
+            <a:avLst/>
+          </a:prstGeom>
+          <a:ln>
+            <a:noFill/>
+          </a:ln>
+        </p:spPr>
+      </p:pic>
+      <p:sp>
+        <p:nvSpPr>
+          <p:cNvPr id="138" name="CustomShape 1"/>
+          <p:cNvSpPr/>
+          <p:nvPr/>
+        </p:nvSpPr>
+        <p:spPr>
+          <a:xfrm>
+            <a:off x="371520" y="172800"/>
+            <a:ext cx="11442960" cy="839880"/>
+          </a:xfrm>
+          <a:prstGeom prst="rect">
+            <a:avLst/>
+          </a:prstGeom>
+          <a:noFill/>
+          <a:ln>
+            <a:noFill/>
+          </a:ln>
+        </p:spPr>
+        <p:style>
+          <a:lnRef idx="0"/>
+          <a:fillRef idx="0"/>
+          <a:effectRef idx="0"/>
+          <a:fontRef idx="minor"/>
+        </p:style>
+        <p:txBody>
+          <a:bodyPr lIns="90000" rIns="90000" tIns="45000" bIns="45000">
+            <a:spAutoFit/>
+          </a:bodyPr>
+          <a:p>
+            <a:pPr algn="ctr">
+              <a:lnSpc>
+                <a:spcPct val="100000"/>
+              </a:lnSpc>
+            </a:pPr>
+            <a:r>
+              <a:rPr b="1" lang="pt-BR" sz="3800" spc="-1" strike="noStrike">
+                <a:solidFill>
+                  <a:srgbClr val="09386f"/>
+                </a:solidFill>
+                <a:latin typeface="Segoe Condensed"/>
+                <a:ea typeface="DejaVu Sans"/>
+              </a:rPr>
+              <a:t>REFS</a:t>
+            </a:r>
+            <a:endParaRPr b="0" lang="pt-BR" sz="3800" spc="-1" strike="noStrike">
+              <a:latin typeface="Arial"/>
+            </a:endParaRPr>
+          </a:p>
+          <a:p>
+            <a:pPr algn="ctr">
+              <a:lnSpc>
+                <a:spcPct val="80000"/>
+              </a:lnSpc>
+            </a:pPr>
+            <a:r>
+              <a:rPr b="0" lang="pt-BR" sz="1400" spc="-1" strike="noStrike">
+                <a:solidFill>
+                  <a:srgbClr val="8497b0"/>
+                </a:solidFill>
+                <a:latin typeface="Roboto"/>
+                <a:ea typeface="Roboto"/>
+              </a:rPr>
+              <a:t>NÓ DO DOM</a:t>
+            </a:r>
+            <a:endParaRPr b="0" lang="pt-BR" sz="1400" spc="-1" strike="noStrike">
+              <a:latin typeface="Arial"/>
+            </a:endParaRPr>
+          </a:p>
+        </p:txBody>
+      </p:sp>
+      <p:sp>
+        <p:nvSpPr>
+          <p:cNvPr id="139" name="CustomShape 2"/>
+          <p:cNvSpPr/>
+          <p:nvPr/>
+        </p:nvSpPr>
+        <p:spPr>
+          <a:xfrm>
+            <a:off x="1512000" y="1152000"/>
+            <a:ext cx="10151640" cy="5633640"/>
+          </a:xfrm>
+          <a:prstGeom prst="rect">
+            <a:avLst/>
+          </a:prstGeom>
+          <a:solidFill>
+            <a:srgbClr val="eeeeee">
+              <a:alpha val="70000"/>
+            </a:srgbClr>
+          </a:solidFill>
+          <a:ln cap="rnd" w="36000">
+            <a:solidFill>
+              <a:srgbClr val="808080"/>
+            </a:solidFill>
+            <a:round/>
+          </a:ln>
+        </p:spPr>
+        <p:style>
+          <a:lnRef idx="0"/>
+          <a:fillRef idx="0"/>
+          <a:effectRef idx="0"/>
+          <a:fontRef idx="minor"/>
+        </p:style>
+        <p:txBody>
+          <a:bodyPr lIns="107640" rIns="107640" tIns="62640" bIns="62640">
+            <a:noAutofit/>
+          </a:bodyPr>
+          <a:p>
+            <a:pPr>
+              <a:lnSpc>
+                <a:spcPct val="100000"/>
+              </a:lnSpc>
+            </a:pPr>
+            <a:r>
+              <a:rPr b="0" lang="pt-BR" sz="1300" spc="-1" strike="noStrike">
+                <a:solidFill>
+                  <a:srgbClr val="008000"/>
+                </a:solidFill>
+                <a:latin typeface="Nimbus Mono PS"/>
+                <a:ea typeface="DejaVu Sans"/>
+              </a:rPr>
+              <a:t>import</a:t>
+            </a:r>
+            <a:r>
+              <a:rPr b="0" lang="pt-BR" sz="1300" spc="-1" strike="noStrike">
+                <a:solidFill>
+                  <a:srgbClr val="000000"/>
+                </a:solidFill>
+                <a:latin typeface="Nimbus Mono PS"/>
+                <a:ea typeface="DejaVu Sans"/>
+              </a:rPr>
+              <a:t> React, { Component } from </a:t>
+            </a:r>
+            <a:r>
+              <a:rPr b="0" lang="pt-BR" sz="1300" spc="-1" strike="noStrike">
+                <a:solidFill>
+                  <a:srgbClr val="ba2121"/>
+                </a:solidFill>
+                <a:latin typeface="Nimbus Mono PS"/>
+                <a:ea typeface="DejaVu Sans"/>
+              </a:rPr>
+              <a:t>"react"</a:t>
+            </a:r>
+            <a:r>
+              <a:rPr b="0" lang="pt-BR" sz="1300" spc="-1" strike="noStrike">
+                <a:solidFill>
+                  <a:srgbClr val="000000"/>
+                </a:solidFill>
+                <a:latin typeface="Nimbus Mono PS"/>
+                <a:ea typeface="DejaVu Sans"/>
+              </a:rPr>
+              <a:t>;</a:t>
+            </a:r>
+            <a:endParaRPr b="0" lang="pt-BR" sz="1300" spc="-1" strike="noStrike">
+              <a:latin typeface="Arial"/>
+            </a:endParaRPr>
+          </a:p>
+          <a:p>
+            <a:pPr>
+              <a:lnSpc>
+                <a:spcPct val="100000"/>
+              </a:lnSpc>
+            </a:pPr>
+            <a:endParaRPr b="0" lang="pt-BR" sz="1300" spc="-1" strike="noStrike">
+              <a:latin typeface="Arial"/>
+            </a:endParaRPr>
+          </a:p>
+          <a:p>
+            <a:pPr>
+              <a:lnSpc>
+                <a:spcPct val="100000"/>
+              </a:lnSpc>
+            </a:pPr>
+            <a:r>
+              <a:rPr b="0" lang="pt-BR" sz="1300" spc="-1" strike="noStrike">
+                <a:solidFill>
+                  <a:srgbClr val="008000"/>
+                </a:solidFill>
+                <a:latin typeface="Nimbus Mono PS"/>
+                <a:ea typeface="DejaVu Sans"/>
+              </a:rPr>
+              <a:t>class</a:t>
+            </a:r>
+            <a:r>
+              <a:rPr b="0" lang="pt-BR" sz="1300" spc="-1" strike="noStrike">
+                <a:solidFill>
+                  <a:srgbClr val="000000"/>
+                </a:solidFill>
+                <a:latin typeface="Nimbus Mono PS"/>
+                <a:ea typeface="DejaVu Sans"/>
+              </a:rPr>
+              <a:t> CustomTextInput </a:t>
+            </a:r>
+            <a:r>
+              <a:rPr b="0" lang="pt-BR" sz="1300" spc="-1" strike="noStrike">
+                <a:solidFill>
+                  <a:srgbClr val="008000"/>
+                </a:solidFill>
+                <a:latin typeface="Nimbus Mono PS"/>
+                <a:ea typeface="DejaVu Sans"/>
+              </a:rPr>
+              <a:t>extends</a:t>
+            </a:r>
+            <a:r>
+              <a:rPr b="0" lang="pt-BR" sz="1300" spc="-1" strike="noStrike">
+                <a:solidFill>
+                  <a:srgbClr val="000000"/>
+                </a:solidFill>
+                <a:latin typeface="Nimbus Mono PS"/>
+                <a:ea typeface="DejaVu Sans"/>
+              </a:rPr>
+              <a:t> Component {</a:t>
+            </a:r>
+            <a:endParaRPr b="0" lang="pt-BR" sz="1300" spc="-1" strike="noStrike">
+              <a:latin typeface="Arial"/>
+            </a:endParaRPr>
+          </a:p>
+          <a:p>
+            <a:pPr>
+              <a:lnSpc>
+                <a:spcPct val="100000"/>
+              </a:lnSpc>
+            </a:pPr>
+            <a:endParaRPr b="0" lang="pt-BR" sz="1300" spc="-1" strike="noStrike">
+              <a:latin typeface="Arial"/>
+            </a:endParaRPr>
+          </a:p>
+          <a:p>
+            <a:pPr>
+              <a:lnSpc>
+                <a:spcPct val="100000"/>
+              </a:lnSpc>
+            </a:pPr>
+            <a:r>
+              <a:rPr b="0" lang="pt-BR" sz="1300" spc="-1" strike="noStrike">
+                <a:solidFill>
+                  <a:srgbClr val="000000"/>
+                </a:solidFill>
+                <a:latin typeface="Nimbus Mono PS"/>
+                <a:ea typeface="DejaVu Sans"/>
+              </a:rPr>
+              <a:t>    </a:t>
+            </a:r>
+            <a:r>
+              <a:rPr b="0" lang="pt-BR" sz="1300" spc="-1" strike="noStrike">
+                <a:solidFill>
+                  <a:srgbClr val="000000"/>
+                </a:solidFill>
+                <a:latin typeface="Nimbus Mono PS"/>
+                <a:ea typeface="DejaVu Sans"/>
+              </a:rPr>
+              <a:t>constructor(props) {</a:t>
+            </a:r>
+            <a:endParaRPr b="0" lang="pt-BR" sz="1300" spc="-1" strike="noStrike">
+              <a:latin typeface="Arial"/>
+            </a:endParaRPr>
+          </a:p>
+          <a:p>
+            <a:pPr>
+              <a:lnSpc>
+                <a:spcPct val="100000"/>
+              </a:lnSpc>
+            </a:pPr>
+            <a:r>
+              <a:rPr b="0" lang="pt-BR" sz="1300" spc="-1" strike="noStrike">
+                <a:solidFill>
+                  <a:srgbClr val="000000"/>
+                </a:solidFill>
+                <a:latin typeface="Nimbus Mono PS"/>
+                <a:ea typeface="DejaVu Sans"/>
+              </a:rPr>
+              <a:t>        </a:t>
+            </a:r>
+            <a:r>
+              <a:rPr b="0" lang="pt-BR" sz="1300" spc="-1" strike="noStrike">
+                <a:solidFill>
+                  <a:srgbClr val="008000"/>
+                </a:solidFill>
+                <a:latin typeface="Nimbus Mono PS"/>
+                <a:ea typeface="DejaVu Sans"/>
+              </a:rPr>
+              <a:t>super</a:t>
+            </a:r>
+            <a:r>
+              <a:rPr b="0" lang="pt-BR" sz="1300" spc="-1" strike="noStrike">
+                <a:solidFill>
+                  <a:srgbClr val="000000"/>
+                </a:solidFill>
+                <a:latin typeface="Nimbus Mono PS"/>
+                <a:ea typeface="DejaVu Sans"/>
+              </a:rPr>
+              <a:t>(props);</a:t>
+            </a:r>
+            <a:endParaRPr b="0" lang="pt-BR" sz="1300" spc="-1" strike="noStrike">
+              <a:latin typeface="Arial"/>
+            </a:endParaRPr>
+          </a:p>
+          <a:p>
+            <a:pPr>
+              <a:lnSpc>
+                <a:spcPct val="100000"/>
+              </a:lnSpc>
+            </a:pPr>
+            <a:r>
+              <a:rPr b="0" lang="pt-BR" sz="1300" spc="-1" strike="noStrike">
+                <a:solidFill>
+                  <a:srgbClr val="000000"/>
+                </a:solidFill>
+                <a:latin typeface="Nimbus Mono PS"/>
+                <a:ea typeface="DejaVu Sans"/>
+              </a:rPr>
+              <a:t>        </a:t>
+            </a:r>
+            <a:r>
+              <a:rPr b="0" lang="pt-BR" sz="1300" spc="-1" strike="noStrike">
+                <a:solidFill>
+                  <a:srgbClr val="008000"/>
+                </a:solidFill>
+                <a:latin typeface="Nimbus Mono PS"/>
+                <a:ea typeface="DejaVu Sans"/>
+              </a:rPr>
+              <a:t>this</a:t>
+            </a:r>
+            <a:r>
+              <a:rPr b="0" lang="pt-BR" sz="1300" spc="-1" strike="noStrike">
+                <a:solidFill>
+                  <a:srgbClr val="000000"/>
+                </a:solidFill>
+                <a:latin typeface="Nimbus Mono PS"/>
+                <a:ea typeface="DejaVu Sans"/>
+              </a:rPr>
+              <a:t>.textInput </a:t>
+            </a:r>
+            <a:r>
+              <a:rPr b="0" lang="pt-BR" sz="1300" spc="-1" strike="noStrike">
+                <a:solidFill>
+                  <a:srgbClr val="666666"/>
+                </a:solidFill>
+                <a:latin typeface="Nimbus Mono PS"/>
+                <a:ea typeface="DejaVu Sans"/>
+              </a:rPr>
+              <a:t>=</a:t>
+            </a:r>
+            <a:r>
+              <a:rPr b="0" lang="pt-BR" sz="1300" spc="-1" strike="noStrike">
+                <a:solidFill>
+                  <a:srgbClr val="000000"/>
+                </a:solidFill>
+                <a:latin typeface="Nimbus Mono PS"/>
+                <a:ea typeface="DejaVu Sans"/>
+              </a:rPr>
+              <a:t> React.createRef();</a:t>
+            </a:r>
+            <a:endParaRPr b="0" lang="pt-BR" sz="1300" spc="-1" strike="noStrike">
+              <a:latin typeface="Arial"/>
+            </a:endParaRPr>
+          </a:p>
+          <a:p>
+            <a:pPr>
+              <a:lnSpc>
+                <a:spcPct val="100000"/>
+              </a:lnSpc>
+            </a:pPr>
+            <a:r>
+              <a:rPr b="0" lang="pt-BR" sz="1300" spc="-1" strike="noStrike">
+                <a:solidFill>
+                  <a:srgbClr val="000000"/>
+                </a:solidFill>
+                <a:latin typeface="Nimbus Mono PS"/>
+                <a:ea typeface="DejaVu Sans"/>
+              </a:rPr>
+              <a:t>        </a:t>
+            </a:r>
+            <a:r>
+              <a:rPr b="0" lang="pt-BR" sz="1300" spc="-1" strike="noStrike">
+                <a:solidFill>
+                  <a:srgbClr val="008000"/>
+                </a:solidFill>
+                <a:latin typeface="Nimbus Mono PS"/>
+                <a:ea typeface="DejaVu Sans"/>
+              </a:rPr>
+              <a:t>this</a:t>
+            </a:r>
+            <a:r>
+              <a:rPr b="0" lang="pt-BR" sz="1300" spc="-1" strike="noStrike">
+                <a:solidFill>
+                  <a:srgbClr val="000000"/>
+                </a:solidFill>
+                <a:latin typeface="Nimbus Mono PS"/>
+                <a:ea typeface="DejaVu Sans"/>
+              </a:rPr>
+              <a:t>.focusTextInput </a:t>
+            </a:r>
+            <a:r>
+              <a:rPr b="0" lang="pt-BR" sz="1300" spc="-1" strike="noStrike">
+                <a:solidFill>
+                  <a:srgbClr val="666666"/>
+                </a:solidFill>
+                <a:latin typeface="Nimbus Mono PS"/>
+                <a:ea typeface="DejaVu Sans"/>
+              </a:rPr>
+              <a:t>=</a:t>
+            </a:r>
+            <a:r>
+              <a:rPr b="0" lang="pt-BR" sz="1300" spc="-1" strike="noStrike">
+                <a:solidFill>
+                  <a:srgbClr val="000000"/>
+                </a:solidFill>
+                <a:latin typeface="Nimbus Mono PS"/>
+                <a:ea typeface="DejaVu Sans"/>
+              </a:rPr>
+              <a:t> </a:t>
+            </a:r>
+            <a:r>
+              <a:rPr b="0" lang="pt-BR" sz="1300" spc="-1" strike="noStrike">
+                <a:solidFill>
+                  <a:srgbClr val="008000"/>
+                </a:solidFill>
+                <a:latin typeface="Nimbus Mono PS"/>
+                <a:ea typeface="DejaVu Sans"/>
+              </a:rPr>
+              <a:t>this</a:t>
+            </a:r>
+            <a:r>
+              <a:rPr b="0" lang="pt-BR" sz="1300" spc="-1" strike="noStrike">
+                <a:solidFill>
+                  <a:srgbClr val="000000"/>
+                </a:solidFill>
+                <a:latin typeface="Nimbus Mono PS"/>
+                <a:ea typeface="DejaVu Sans"/>
+              </a:rPr>
+              <a:t>.focusTextInput.bind(</a:t>
+            </a:r>
+            <a:r>
+              <a:rPr b="0" lang="pt-BR" sz="1300" spc="-1" strike="noStrike">
+                <a:solidFill>
+                  <a:srgbClr val="008000"/>
+                </a:solidFill>
+                <a:latin typeface="Nimbus Mono PS"/>
+                <a:ea typeface="DejaVu Sans"/>
+              </a:rPr>
+              <a:t>this</a:t>
+            </a:r>
+            <a:r>
+              <a:rPr b="0" lang="pt-BR" sz="1300" spc="-1" strike="noStrike">
+                <a:solidFill>
+                  <a:srgbClr val="000000"/>
+                </a:solidFill>
+                <a:latin typeface="Nimbus Mono PS"/>
+                <a:ea typeface="DejaVu Sans"/>
+              </a:rPr>
+              <a:t>);</a:t>
+            </a:r>
+            <a:endParaRPr b="0" lang="pt-BR" sz="1300" spc="-1" strike="noStrike">
+              <a:latin typeface="Arial"/>
+            </a:endParaRPr>
+          </a:p>
+          <a:p>
+            <a:pPr>
+              <a:lnSpc>
+                <a:spcPct val="100000"/>
+              </a:lnSpc>
+            </a:pPr>
+            <a:r>
+              <a:rPr b="0" lang="pt-BR" sz="1300" spc="-1" strike="noStrike">
+                <a:solidFill>
+                  <a:srgbClr val="000000"/>
+                </a:solidFill>
+                <a:latin typeface="Nimbus Mono PS"/>
+                <a:ea typeface="DejaVu Sans"/>
+              </a:rPr>
+              <a:t>    </a:t>
+            </a:r>
+            <a:r>
+              <a:rPr b="0" lang="pt-BR" sz="1300" spc="-1" strike="noStrike">
+                <a:solidFill>
+                  <a:srgbClr val="000000"/>
+                </a:solidFill>
+                <a:latin typeface="Nimbus Mono PS"/>
+                <a:ea typeface="DejaVu Sans"/>
+              </a:rPr>
+              <a:t>}</a:t>
+            </a:r>
+            <a:endParaRPr b="0" lang="pt-BR" sz="1300" spc="-1" strike="noStrike">
+              <a:latin typeface="Arial"/>
+            </a:endParaRPr>
+          </a:p>
+          <a:p>
+            <a:pPr>
+              <a:lnSpc>
+                <a:spcPct val="100000"/>
+              </a:lnSpc>
+            </a:pPr>
+            <a:endParaRPr b="0" lang="pt-BR" sz="1300" spc="-1" strike="noStrike">
+              <a:latin typeface="Arial"/>
+            </a:endParaRPr>
+          </a:p>
+          <a:p>
+            <a:pPr>
+              <a:lnSpc>
+                <a:spcPct val="100000"/>
+              </a:lnSpc>
+            </a:pPr>
+            <a:r>
+              <a:rPr b="0" lang="pt-BR" sz="1300" spc="-1" strike="noStrike">
+                <a:solidFill>
+                  <a:srgbClr val="000000"/>
+                </a:solidFill>
+                <a:latin typeface="Nimbus Mono PS"/>
+                <a:ea typeface="DejaVu Sans"/>
+              </a:rPr>
+              <a:t>    </a:t>
+            </a:r>
+            <a:r>
+              <a:rPr b="0" lang="pt-BR" sz="1300" spc="-1" strike="noStrike">
+                <a:solidFill>
+                  <a:srgbClr val="000000"/>
+                </a:solidFill>
+                <a:latin typeface="Nimbus Mono PS"/>
+                <a:ea typeface="DejaVu Sans"/>
+              </a:rPr>
+              <a:t>focusTextInput() {</a:t>
+            </a:r>
+            <a:endParaRPr b="0" lang="pt-BR" sz="1300" spc="-1" strike="noStrike">
+              <a:latin typeface="Arial"/>
+            </a:endParaRPr>
+          </a:p>
+          <a:p>
+            <a:pPr>
+              <a:lnSpc>
+                <a:spcPct val="100000"/>
+              </a:lnSpc>
+            </a:pPr>
+            <a:r>
+              <a:rPr b="0" lang="pt-BR" sz="1300" spc="-1" strike="noStrike">
+                <a:solidFill>
+                  <a:srgbClr val="000000"/>
+                </a:solidFill>
+                <a:latin typeface="Nimbus Mono PS"/>
+                <a:ea typeface="DejaVu Sans"/>
+              </a:rPr>
+              <a:t>        </a:t>
+            </a:r>
+            <a:r>
+              <a:rPr b="0" lang="pt-BR" sz="1300" spc="-1" strike="noStrike">
+                <a:solidFill>
+                  <a:srgbClr val="008000"/>
+                </a:solidFill>
+                <a:latin typeface="Nimbus Mono PS"/>
+                <a:ea typeface="DejaVu Sans"/>
+              </a:rPr>
+              <a:t>this</a:t>
+            </a:r>
+            <a:r>
+              <a:rPr b="0" lang="pt-BR" sz="1300" spc="-1" strike="noStrike">
+                <a:solidFill>
+                  <a:srgbClr val="000000"/>
+                </a:solidFill>
+                <a:latin typeface="Nimbus Mono PS"/>
+                <a:ea typeface="DejaVu Sans"/>
+              </a:rPr>
+              <a:t>.textInput.current.focus();</a:t>
+            </a:r>
+            <a:endParaRPr b="0" lang="pt-BR" sz="1300" spc="-1" strike="noStrike">
+              <a:latin typeface="Arial"/>
+            </a:endParaRPr>
+          </a:p>
+          <a:p>
+            <a:pPr>
+              <a:lnSpc>
+                <a:spcPct val="100000"/>
+              </a:lnSpc>
+            </a:pPr>
+            <a:r>
+              <a:rPr b="0" lang="pt-BR" sz="1300" spc="-1" strike="noStrike">
+                <a:solidFill>
+                  <a:srgbClr val="000000"/>
+                </a:solidFill>
+                <a:latin typeface="Nimbus Mono PS"/>
+                <a:ea typeface="DejaVu Sans"/>
+              </a:rPr>
+              <a:t>    </a:t>
+            </a:r>
+            <a:r>
+              <a:rPr b="0" lang="pt-BR" sz="1300" spc="-1" strike="noStrike">
+                <a:solidFill>
+                  <a:srgbClr val="000000"/>
+                </a:solidFill>
+                <a:latin typeface="Nimbus Mono PS"/>
+                <a:ea typeface="DejaVu Sans"/>
+              </a:rPr>
+              <a:t>}</a:t>
+            </a:r>
+            <a:endParaRPr b="0" lang="pt-BR" sz="1300" spc="-1" strike="noStrike">
+              <a:latin typeface="Arial"/>
+            </a:endParaRPr>
+          </a:p>
+          <a:p>
+            <a:pPr>
+              <a:lnSpc>
+                <a:spcPct val="100000"/>
+              </a:lnSpc>
+            </a:pPr>
+            <a:endParaRPr b="0" lang="pt-BR" sz="1300" spc="-1" strike="noStrike">
+              <a:latin typeface="Arial"/>
+            </a:endParaRPr>
+          </a:p>
+          <a:p>
+            <a:pPr>
+              <a:lnSpc>
+                <a:spcPct val="100000"/>
+              </a:lnSpc>
+            </a:pPr>
+            <a:r>
+              <a:rPr b="0" lang="pt-BR" sz="1300" spc="-1" strike="noStrike">
+                <a:solidFill>
+                  <a:srgbClr val="000000"/>
+                </a:solidFill>
+                <a:latin typeface="Nimbus Mono PS"/>
+                <a:ea typeface="DejaVu Sans"/>
+              </a:rPr>
+              <a:t>    </a:t>
+            </a:r>
+            <a:r>
+              <a:rPr b="0" lang="pt-BR" sz="1300" spc="-1" strike="noStrike">
+                <a:solidFill>
+                  <a:srgbClr val="000000"/>
+                </a:solidFill>
+                <a:latin typeface="Nimbus Mono PS"/>
+                <a:ea typeface="DejaVu Sans"/>
+              </a:rPr>
+              <a:t>render() {</a:t>
+            </a:r>
+            <a:endParaRPr b="0" lang="pt-BR" sz="1300" spc="-1" strike="noStrike">
+              <a:latin typeface="Arial"/>
+            </a:endParaRPr>
+          </a:p>
+          <a:p>
+            <a:pPr>
+              <a:lnSpc>
+                <a:spcPct val="100000"/>
+              </a:lnSpc>
+            </a:pPr>
+            <a:r>
+              <a:rPr b="0" lang="pt-BR" sz="1300" spc="-1" strike="noStrike">
+                <a:solidFill>
+                  <a:srgbClr val="000000"/>
+                </a:solidFill>
+                <a:latin typeface="Nimbus Mono PS"/>
+                <a:ea typeface="DejaVu Sans"/>
+              </a:rPr>
+              <a:t>        </a:t>
+            </a:r>
+            <a:r>
+              <a:rPr b="0" lang="pt-BR" sz="1300" spc="-1" strike="noStrike">
+                <a:solidFill>
+                  <a:srgbClr val="008000"/>
+                </a:solidFill>
+                <a:latin typeface="Nimbus Mono PS"/>
+                <a:ea typeface="DejaVu Sans"/>
+              </a:rPr>
+              <a:t>return</a:t>
+            </a:r>
+            <a:r>
+              <a:rPr b="0" lang="pt-BR" sz="1300" spc="-1" strike="noStrike">
+                <a:solidFill>
+                  <a:srgbClr val="000000"/>
+                </a:solidFill>
+                <a:latin typeface="Nimbus Mono PS"/>
+                <a:ea typeface="DejaVu Sans"/>
+              </a:rPr>
+              <a:t> (</a:t>
+            </a:r>
+            <a:endParaRPr b="0" lang="pt-BR" sz="1300" spc="-1" strike="noStrike">
+              <a:latin typeface="Arial"/>
+            </a:endParaRPr>
+          </a:p>
+          <a:p>
+            <a:pPr>
+              <a:lnSpc>
+                <a:spcPct val="100000"/>
+              </a:lnSpc>
+            </a:pPr>
+            <a:r>
+              <a:rPr b="0" lang="pt-BR" sz="1300" spc="-1" strike="noStrike">
+                <a:solidFill>
+                  <a:srgbClr val="000000"/>
+                </a:solidFill>
+                <a:latin typeface="Nimbus Mono PS"/>
+                <a:ea typeface="DejaVu Sans"/>
+              </a:rPr>
+              <a:t>            </a:t>
+            </a:r>
+            <a:r>
+              <a:rPr b="0" lang="pt-BR" sz="1300" spc="-1" strike="noStrike">
+                <a:solidFill>
+                  <a:srgbClr val="666666"/>
+                </a:solidFill>
+                <a:latin typeface="Nimbus Mono PS"/>
+                <a:ea typeface="DejaVu Sans"/>
+              </a:rPr>
+              <a:t>&lt;</a:t>
+            </a:r>
+            <a:r>
+              <a:rPr b="0" lang="pt-BR" sz="1300" spc="-1" strike="noStrike">
+                <a:solidFill>
+                  <a:srgbClr val="000000"/>
+                </a:solidFill>
+                <a:latin typeface="Nimbus Mono PS"/>
+                <a:ea typeface="DejaVu Sans"/>
+              </a:rPr>
+              <a:t>div</a:t>
+            </a:r>
+            <a:r>
+              <a:rPr b="0" lang="pt-BR" sz="1300" spc="-1" strike="noStrike">
+                <a:solidFill>
+                  <a:srgbClr val="666666"/>
+                </a:solidFill>
+                <a:latin typeface="Nimbus Mono PS"/>
+                <a:ea typeface="DejaVu Sans"/>
+              </a:rPr>
+              <a:t>&gt;</a:t>
+            </a:r>
+            <a:endParaRPr b="0" lang="pt-BR" sz="1300" spc="-1" strike="noStrike">
+              <a:latin typeface="Arial"/>
+            </a:endParaRPr>
+          </a:p>
+          <a:p>
+            <a:pPr>
+              <a:lnSpc>
+                <a:spcPct val="100000"/>
+              </a:lnSpc>
+            </a:pPr>
+            <a:r>
+              <a:rPr b="0" lang="pt-BR" sz="1300" spc="-1" strike="noStrike">
+                <a:solidFill>
+                  <a:srgbClr val="000000"/>
+                </a:solidFill>
+                <a:latin typeface="Nimbus Mono PS"/>
+                <a:ea typeface="DejaVu Sans"/>
+              </a:rPr>
+              <a:t>                </a:t>
+            </a:r>
+            <a:r>
+              <a:rPr b="0" lang="pt-BR" sz="1300" spc="-1" strike="noStrike">
+                <a:solidFill>
+                  <a:srgbClr val="666666"/>
+                </a:solidFill>
+                <a:latin typeface="Nimbus Mono PS"/>
+                <a:ea typeface="DejaVu Sans"/>
+              </a:rPr>
+              <a:t>&lt;</a:t>
+            </a:r>
+            <a:r>
+              <a:rPr b="0" lang="pt-BR" sz="1300" spc="-1" strike="noStrike">
+                <a:solidFill>
+                  <a:srgbClr val="000000"/>
+                </a:solidFill>
+                <a:latin typeface="Nimbus Mono PS"/>
+                <a:ea typeface="DejaVu Sans"/>
+              </a:rPr>
+              <a:t>input type</a:t>
+            </a:r>
+            <a:r>
+              <a:rPr b="0" lang="pt-BR" sz="1300" spc="-1" strike="noStrike">
+                <a:solidFill>
+                  <a:srgbClr val="666666"/>
+                </a:solidFill>
+                <a:latin typeface="Nimbus Mono PS"/>
+                <a:ea typeface="DejaVu Sans"/>
+              </a:rPr>
+              <a:t>=</a:t>
+            </a:r>
+            <a:r>
+              <a:rPr b="0" lang="pt-BR" sz="1300" spc="-1" strike="noStrike">
+                <a:solidFill>
+                  <a:srgbClr val="ba2121"/>
+                </a:solidFill>
+                <a:latin typeface="Nimbus Mono PS"/>
+                <a:ea typeface="DejaVu Sans"/>
+              </a:rPr>
+              <a:t>"text"</a:t>
+            </a:r>
+            <a:r>
+              <a:rPr b="0" lang="pt-BR" sz="1300" spc="-1" strike="noStrike">
+                <a:solidFill>
+                  <a:srgbClr val="000000"/>
+                </a:solidFill>
+                <a:latin typeface="Nimbus Mono PS"/>
+                <a:ea typeface="DejaVu Sans"/>
+              </a:rPr>
+              <a:t> ref</a:t>
+            </a:r>
+            <a:r>
+              <a:rPr b="0" lang="pt-BR" sz="1300" spc="-1" strike="noStrike">
+                <a:solidFill>
+                  <a:srgbClr val="666666"/>
+                </a:solidFill>
+                <a:latin typeface="Nimbus Mono PS"/>
+                <a:ea typeface="DejaVu Sans"/>
+              </a:rPr>
+              <a:t>=</a:t>
+            </a:r>
+            <a:r>
+              <a:rPr b="0" lang="pt-BR" sz="1300" spc="-1" strike="noStrike">
+                <a:solidFill>
+                  <a:srgbClr val="000000"/>
+                </a:solidFill>
+                <a:latin typeface="Nimbus Mono PS"/>
+                <a:ea typeface="DejaVu Sans"/>
+              </a:rPr>
+              <a:t>{</a:t>
+            </a:r>
+            <a:r>
+              <a:rPr b="0" lang="pt-BR" sz="1300" spc="-1" strike="noStrike">
+                <a:solidFill>
+                  <a:srgbClr val="008000"/>
+                </a:solidFill>
+                <a:latin typeface="Nimbus Mono PS"/>
+                <a:ea typeface="DejaVu Sans"/>
+              </a:rPr>
+              <a:t>this</a:t>
+            </a:r>
+            <a:r>
+              <a:rPr b="0" lang="pt-BR" sz="1300" spc="-1" strike="noStrike">
+                <a:solidFill>
+                  <a:srgbClr val="000000"/>
+                </a:solidFill>
+                <a:latin typeface="Nimbus Mono PS"/>
+                <a:ea typeface="DejaVu Sans"/>
+              </a:rPr>
+              <a:t>.textInput} </a:t>
+            </a:r>
+            <a:r>
+              <a:rPr b="0" lang="pt-BR" sz="1300" spc="-1" strike="noStrike">
+                <a:solidFill>
+                  <a:srgbClr val="666666"/>
+                </a:solidFill>
+                <a:latin typeface="Nimbus Mono PS"/>
+                <a:ea typeface="DejaVu Sans"/>
+              </a:rPr>
+              <a:t>/&gt;</a:t>
+            </a:r>
+            <a:endParaRPr b="0" lang="pt-BR" sz="1300" spc="-1" strike="noStrike">
+              <a:latin typeface="Arial"/>
+            </a:endParaRPr>
+          </a:p>
+          <a:p>
+            <a:pPr>
+              <a:lnSpc>
+                <a:spcPct val="100000"/>
+              </a:lnSpc>
+            </a:pPr>
+            <a:r>
+              <a:rPr b="0" lang="pt-BR" sz="1300" spc="-1" strike="noStrike">
+                <a:solidFill>
+                  <a:srgbClr val="000000"/>
+                </a:solidFill>
+                <a:latin typeface="Nimbus Mono PS"/>
+                <a:ea typeface="DejaVu Sans"/>
+              </a:rPr>
+              <a:t>                </a:t>
+            </a:r>
+            <a:r>
+              <a:rPr b="0" lang="pt-BR" sz="1300" spc="-1" strike="noStrike">
+                <a:solidFill>
+                  <a:srgbClr val="666666"/>
+                </a:solidFill>
+                <a:latin typeface="Nimbus Mono PS"/>
+                <a:ea typeface="DejaVu Sans"/>
+              </a:rPr>
+              <a:t>&lt;</a:t>
+            </a:r>
+            <a:r>
+              <a:rPr b="0" lang="pt-BR" sz="1300" spc="-1" strike="noStrike">
+                <a:solidFill>
+                  <a:srgbClr val="000000"/>
+                </a:solidFill>
+                <a:latin typeface="Nimbus Mono PS"/>
+                <a:ea typeface="DejaVu Sans"/>
+              </a:rPr>
+              <a:t>input</a:t>
+            </a:r>
+            <a:endParaRPr b="0" lang="pt-BR" sz="1300" spc="-1" strike="noStrike">
+              <a:latin typeface="Arial"/>
+            </a:endParaRPr>
+          </a:p>
+          <a:p>
+            <a:pPr>
+              <a:lnSpc>
+                <a:spcPct val="100000"/>
+              </a:lnSpc>
+            </a:pPr>
+            <a:r>
+              <a:rPr b="0" lang="pt-BR" sz="1300" spc="-1" strike="noStrike">
+                <a:solidFill>
+                  <a:srgbClr val="000000"/>
+                </a:solidFill>
+                <a:latin typeface="Nimbus Mono PS"/>
+                <a:ea typeface="DejaVu Sans"/>
+              </a:rPr>
+              <a:t>	</a:t>
+            </a:r>
+            <a:r>
+              <a:rPr b="0" lang="pt-BR" sz="1300" spc="-1" strike="noStrike">
+                <a:solidFill>
+                  <a:srgbClr val="000000"/>
+                </a:solidFill>
+                <a:latin typeface="Nimbus Mono PS"/>
+                <a:ea typeface="DejaVu Sans"/>
+              </a:rPr>
+              <a:t>	</a:t>
+            </a:r>
+            <a:r>
+              <a:rPr b="0" lang="pt-BR" sz="1300" spc="-1" strike="noStrike">
+                <a:solidFill>
+                  <a:srgbClr val="000000"/>
+                </a:solidFill>
+                <a:latin typeface="Nimbus Mono PS"/>
+                <a:ea typeface="DejaVu Sans"/>
+              </a:rPr>
+              <a:t>	</a:t>
+            </a:r>
+            <a:r>
+              <a:rPr b="0" lang="pt-BR" sz="1300" spc="-1" strike="noStrike">
+                <a:solidFill>
+                  <a:srgbClr val="000000"/>
+                </a:solidFill>
+                <a:latin typeface="Nimbus Mono PS"/>
+                <a:ea typeface="DejaVu Sans"/>
+              </a:rPr>
+              <a:t>	</a:t>
+            </a:r>
+            <a:r>
+              <a:rPr b="0" lang="pt-BR" sz="1300" spc="-1" strike="noStrike">
+                <a:solidFill>
+                  <a:srgbClr val="000000"/>
+                </a:solidFill>
+                <a:latin typeface="Nimbus Mono PS"/>
+                <a:ea typeface="DejaVu Sans"/>
+              </a:rPr>
+              <a:t>	</a:t>
+            </a:r>
+            <a:r>
+              <a:rPr b="0" lang="pt-BR" sz="1300" spc="-1" strike="noStrike">
+                <a:solidFill>
+                  <a:srgbClr val="000000"/>
+                </a:solidFill>
+                <a:latin typeface="Nimbus Mono PS"/>
+                <a:ea typeface="DejaVu Sans"/>
+              </a:rPr>
+              <a:t>type</a:t>
+            </a:r>
+            <a:r>
+              <a:rPr b="0" lang="pt-BR" sz="1300" spc="-1" strike="noStrike">
+                <a:solidFill>
+                  <a:srgbClr val="666666"/>
+                </a:solidFill>
+                <a:latin typeface="Nimbus Mono PS"/>
+                <a:ea typeface="DejaVu Sans"/>
+              </a:rPr>
+              <a:t>=</a:t>
+            </a:r>
+            <a:r>
+              <a:rPr b="0" lang="pt-BR" sz="1300" spc="-1" strike="noStrike">
+                <a:solidFill>
+                  <a:srgbClr val="ba2121"/>
+                </a:solidFill>
+                <a:latin typeface="Nimbus Mono PS"/>
+                <a:ea typeface="DejaVu Sans"/>
+              </a:rPr>
+              <a:t>"button"</a:t>
+            </a:r>
+            <a:endParaRPr b="0" lang="pt-BR" sz="1300" spc="-1" strike="noStrike">
+              <a:latin typeface="Arial"/>
+            </a:endParaRPr>
+          </a:p>
+          <a:p>
+            <a:pPr>
+              <a:lnSpc>
+                <a:spcPct val="100000"/>
+              </a:lnSpc>
+            </a:pPr>
+            <a:r>
+              <a:rPr b="0" lang="pt-BR" sz="1300" spc="-1" strike="noStrike">
+                <a:solidFill>
+                  <a:srgbClr val="ba2121"/>
+                </a:solidFill>
+                <a:latin typeface="Nimbus Mono PS"/>
+                <a:ea typeface="DejaVu Sans"/>
+              </a:rPr>
+              <a:t>	</a:t>
+            </a:r>
+            <a:r>
+              <a:rPr b="0" lang="pt-BR" sz="1300" spc="-1" strike="noStrike">
+                <a:solidFill>
+                  <a:srgbClr val="ba2121"/>
+                </a:solidFill>
+                <a:latin typeface="Nimbus Mono PS"/>
+                <a:ea typeface="DejaVu Sans"/>
+              </a:rPr>
+              <a:t>	</a:t>
+            </a:r>
+            <a:r>
+              <a:rPr b="0" lang="pt-BR" sz="1300" spc="-1" strike="noStrike">
+                <a:solidFill>
+                  <a:srgbClr val="ba2121"/>
+                </a:solidFill>
+                <a:latin typeface="Nimbus Mono PS"/>
+                <a:ea typeface="DejaVu Sans"/>
+              </a:rPr>
+              <a:t>	</a:t>
+            </a:r>
+            <a:r>
+              <a:rPr b="0" lang="pt-BR" sz="1300" spc="-1" strike="noStrike">
+                <a:solidFill>
+                  <a:srgbClr val="ba2121"/>
+                </a:solidFill>
+                <a:latin typeface="Nimbus Mono PS"/>
+                <a:ea typeface="DejaVu Sans"/>
+              </a:rPr>
+              <a:t>	</a:t>
+            </a:r>
+            <a:r>
+              <a:rPr b="0" lang="pt-BR" sz="1300" spc="-1" strike="noStrike">
+                <a:solidFill>
+                  <a:srgbClr val="ba2121"/>
+                </a:solidFill>
+                <a:latin typeface="Nimbus Mono PS"/>
+                <a:ea typeface="DejaVu Sans"/>
+              </a:rPr>
+              <a:t>	</a:t>
+            </a:r>
+            <a:r>
+              <a:rPr b="0" lang="pt-BR" sz="1300" spc="-1" strike="noStrike">
+                <a:solidFill>
+                  <a:srgbClr val="000000"/>
+                </a:solidFill>
+                <a:latin typeface="Nimbus Mono PS"/>
+                <a:ea typeface="DejaVu Sans"/>
+              </a:rPr>
+              <a:t>value</a:t>
+            </a:r>
+            <a:r>
+              <a:rPr b="0" lang="pt-BR" sz="1300" spc="-1" strike="noStrike">
+                <a:solidFill>
+                  <a:srgbClr val="666666"/>
+                </a:solidFill>
+                <a:latin typeface="Nimbus Mono PS"/>
+                <a:ea typeface="DejaVu Sans"/>
+              </a:rPr>
+              <a:t>=</a:t>
+            </a:r>
+            <a:r>
+              <a:rPr b="0" lang="pt-BR" sz="1300" spc="-1" strike="noStrike">
+                <a:solidFill>
+                  <a:srgbClr val="ba2121"/>
+                </a:solidFill>
+                <a:latin typeface="Nimbus Mono PS"/>
+                <a:ea typeface="DejaVu Sans"/>
+              </a:rPr>
+              <a:t>"Focar no input de texto"</a:t>
+            </a:r>
+            <a:r>
+              <a:rPr b="0" lang="pt-BR" sz="1300" spc="-1" strike="noStrike">
+                <a:solidFill>
+                  <a:srgbClr val="000000"/>
+                </a:solidFill>
+                <a:latin typeface="Nimbus Mono PS"/>
+                <a:ea typeface="DejaVu Sans"/>
+              </a:rPr>
+              <a:t> onClick</a:t>
+            </a:r>
+            <a:r>
+              <a:rPr b="0" lang="pt-BR" sz="1300" spc="-1" strike="noStrike">
+                <a:solidFill>
+                  <a:srgbClr val="666666"/>
+                </a:solidFill>
+                <a:latin typeface="Nimbus Mono PS"/>
+                <a:ea typeface="DejaVu Sans"/>
+              </a:rPr>
+              <a:t>=</a:t>
+            </a:r>
+            <a:r>
+              <a:rPr b="0" lang="pt-BR" sz="1300" spc="-1" strike="noStrike">
+                <a:solidFill>
+                  <a:srgbClr val="000000"/>
+                </a:solidFill>
+                <a:latin typeface="Nimbus Mono PS"/>
+                <a:ea typeface="DejaVu Sans"/>
+              </a:rPr>
+              <a:t>{</a:t>
+            </a:r>
+            <a:r>
+              <a:rPr b="0" lang="pt-BR" sz="1300" spc="-1" strike="noStrike">
+                <a:solidFill>
+                  <a:srgbClr val="008000"/>
+                </a:solidFill>
+                <a:latin typeface="Nimbus Mono PS"/>
+                <a:ea typeface="DejaVu Sans"/>
+              </a:rPr>
+              <a:t>this</a:t>
+            </a:r>
+            <a:r>
+              <a:rPr b="0" lang="pt-BR" sz="1300" spc="-1" strike="noStrike">
+                <a:solidFill>
+                  <a:srgbClr val="000000"/>
+                </a:solidFill>
+                <a:latin typeface="Nimbus Mono PS"/>
+                <a:ea typeface="DejaVu Sans"/>
+              </a:rPr>
+              <a:t>.focusTextInput} </a:t>
+            </a:r>
+            <a:r>
+              <a:rPr b="0" lang="pt-BR" sz="1300" spc="-1" strike="noStrike">
+                <a:solidFill>
+                  <a:srgbClr val="666666"/>
+                </a:solidFill>
+                <a:latin typeface="Nimbus Mono PS"/>
+                <a:ea typeface="DejaVu Sans"/>
+              </a:rPr>
+              <a:t>/&gt;</a:t>
+            </a:r>
+            <a:endParaRPr b="0" lang="pt-BR" sz="1300" spc="-1" strike="noStrike">
+              <a:latin typeface="Arial"/>
+            </a:endParaRPr>
+          </a:p>
+          <a:p>
+            <a:pPr>
+              <a:lnSpc>
+                <a:spcPct val="100000"/>
+              </a:lnSpc>
+            </a:pPr>
+            <a:r>
+              <a:rPr b="0" lang="pt-BR" sz="1300" spc="-1" strike="noStrike">
+                <a:solidFill>
+                  <a:srgbClr val="000000"/>
+                </a:solidFill>
+                <a:latin typeface="Nimbus Mono PS"/>
+                <a:ea typeface="DejaVu Sans"/>
+              </a:rPr>
+              <a:t>            </a:t>
+            </a:r>
+            <a:r>
+              <a:rPr b="0" lang="pt-BR" sz="1300" spc="-1" strike="noStrike">
+                <a:solidFill>
+                  <a:srgbClr val="666666"/>
+                </a:solidFill>
+                <a:latin typeface="Nimbus Mono PS"/>
+                <a:ea typeface="DejaVu Sans"/>
+              </a:rPr>
+              <a:t>&lt;</a:t>
+            </a:r>
+            <a:r>
+              <a:rPr b="0" lang="pt-BR" sz="1300" spc="-1" strike="noStrike">
+                <a:solidFill>
+                  <a:srgbClr val="000000"/>
+                </a:solidFill>
+                <a:latin typeface="Nimbus Mono PS"/>
+                <a:ea typeface="DejaVu Sans"/>
+              </a:rPr>
+              <a:t>/div&gt;</a:t>
+            </a:r>
+            <a:endParaRPr b="0" lang="pt-BR" sz="1300" spc="-1" strike="noStrike">
+              <a:latin typeface="Arial"/>
+            </a:endParaRPr>
+          </a:p>
+          <a:p>
+            <a:pPr>
+              <a:lnSpc>
+                <a:spcPct val="100000"/>
+              </a:lnSpc>
+            </a:pPr>
+            <a:r>
+              <a:rPr b="0" lang="pt-BR" sz="1300" spc="-1" strike="noStrike">
+                <a:solidFill>
+                  <a:srgbClr val="000000"/>
+                </a:solidFill>
+                <a:latin typeface="Nimbus Mono PS"/>
+                <a:ea typeface="DejaVu Sans"/>
+              </a:rPr>
+              <a:t>        </a:t>
+            </a:r>
+            <a:r>
+              <a:rPr b="0" lang="pt-BR" sz="1300" spc="-1" strike="noStrike">
+                <a:solidFill>
+                  <a:srgbClr val="000000"/>
+                </a:solidFill>
+                <a:latin typeface="Nimbus Mono PS"/>
+                <a:ea typeface="DejaVu Sans"/>
+              </a:rPr>
+              <a:t>);</a:t>
+            </a:r>
+            <a:endParaRPr b="0" lang="pt-BR" sz="1300" spc="-1" strike="noStrike">
+              <a:latin typeface="Arial"/>
+            </a:endParaRPr>
+          </a:p>
+          <a:p>
+            <a:pPr>
+              <a:lnSpc>
+                <a:spcPct val="100000"/>
+              </a:lnSpc>
+            </a:pPr>
+            <a:r>
+              <a:rPr b="0" lang="pt-BR" sz="1300" spc="-1" strike="noStrike">
+                <a:solidFill>
+                  <a:srgbClr val="000000"/>
+                </a:solidFill>
+                <a:latin typeface="Nimbus Mono PS"/>
+                <a:ea typeface="DejaVu Sans"/>
+              </a:rPr>
+              <a:t>    </a:t>
+            </a:r>
+            <a:r>
+              <a:rPr b="0" lang="pt-BR" sz="1300" spc="-1" strike="noStrike">
+                <a:solidFill>
+                  <a:srgbClr val="000000"/>
+                </a:solidFill>
+                <a:latin typeface="Nimbus Mono PS"/>
+                <a:ea typeface="DejaVu Sans"/>
+              </a:rPr>
+              <a:t>}</a:t>
+            </a:r>
+            <a:endParaRPr b="0" lang="pt-BR" sz="1300" spc="-1" strike="noStrike">
+              <a:latin typeface="Arial"/>
+            </a:endParaRPr>
+          </a:p>
+          <a:p>
+            <a:pPr>
+              <a:lnSpc>
+                <a:spcPct val="100000"/>
+              </a:lnSpc>
+            </a:pPr>
+            <a:r>
+              <a:rPr b="0" lang="pt-BR" sz="1300" spc="-1" strike="noStrike">
+                <a:solidFill>
+                  <a:srgbClr val="000000"/>
+                </a:solidFill>
+                <a:latin typeface="Nimbus Mono PS"/>
+                <a:ea typeface="DejaVu Sans"/>
+              </a:rPr>
+              <a:t>}</a:t>
+            </a:r>
+            <a:endParaRPr b="0" lang="pt-BR" sz="1300" spc="-1" strike="noStrike">
+              <a:latin typeface="Arial"/>
+            </a:endParaRPr>
+          </a:p>
+          <a:p>
+            <a:pPr>
+              <a:lnSpc>
+                <a:spcPct val="100000"/>
+              </a:lnSpc>
+            </a:pPr>
+            <a:endParaRPr b="0" lang="pt-BR" sz="1300" spc="-1" strike="noStrike">
+              <a:latin typeface="Arial"/>
+            </a:endParaRPr>
+          </a:p>
+          <a:p>
+            <a:pPr>
+              <a:lnSpc>
+                <a:spcPct val="100000"/>
+              </a:lnSpc>
+            </a:pPr>
+            <a:r>
+              <a:rPr b="0" lang="pt-BR" sz="1300" spc="-1" strike="noStrike">
+                <a:solidFill>
+                  <a:srgbClr val="008000"/>
+                </a:solidFill>
+                <a:latin typeface="Nimbus Mono PS"/>
+                <a:ea typeface="DejaVu Sans"/>
+              </a:rPr>
+              <a:t>export</a:t>
+            </a:r>
+            <a:r>
+              <a:rPr b="0" lang="pt-BR" sz="1300" spc="-1" strike="noStrike">
+                <a:solidFill>
+                  <a:srgbClr val="000000"/>
+                </a:solidFill>
+                <a:latin typeface="Nimbus Mono PS"/>
+                <a:ea typeface="DejaVu Sans"/>
+              </a:rPr>
+              <a:t> </a:t>
+            </a:r>
+            <a:r>
+              <a:rPr b="0" lang="pt-BR" sz="1300" spc="-1" strike="noStrike">
+                <a:solidFill>
+                  <a:srgbClr val="008000"/>
+                </a:solidFill>
+                <a:latin typeface="Nimbus Mono PS"/>
+                <a:ea typeface="DejaVu Sans"/>
+              </a:rPr>
+              <a:t>default</a:t>
+            </a:r>
+            <a:r>
+              <a:rPr b="0" lang="pt-BR" sz="1300" spc="-1" strike="noStrike">
+                <a:solidFill>
+                  <a:srgbClr val="000000"/>
+                </a:solidFill>
+                <a:latin typeface="Nimbus Mono PS"/>
+                <a:ea typeface="DejaVu Sans"/>
+              </a:rPr>
+              <a:t> CustomTextInput;</a:t>
+            </a:r>
+            <a:endParaRPr b="0" lang="pt-BR" sz="1300" spc="-1" strike="noStrike">
+              <a:latin typeface="Arial"/>
+            </a:endParaRPr>
+          </a:p>
+          <a:p>
+            <a:pPr>
+              <a:lnSpc>
+                <a:spcPct val="100000"/>
+              </a:lnSpc>
+            </a:pPr>
+            <a:endParaRPr b="0" lang="pt-BR" sz="1300" spc="-1" strike="noStrike">
               <a:latin typeface="Arial"/>
             </a:endParaRPr>
           </a:p>
@@ -5949,21 +10872,21 @@
       </p:sp>
       <p:grpSp>
         <p:nvGrpSpPr>
-          <p:cNvPr id="128" name="Group 4"/>
+          <p:cNvPr id="140" name="Group 3"/>
           <p:cNvGrpSpPr/>
           <p:nvPr/>
         </p:nvGrpSpPr>
         <p:grpSpPr>
           <a:xfrm>
-            <a:off x="360000" y="5544360"/>
-            <a:ext cx="933480" cy="1077480"/>
-            <a:chOff x="360000" y="5544360"/>
-            <a:chExt cx="933480" cy="1077480"/>
+            <a:off x="360000" y="5545800"/>
+            <a:ext cx="933120" cy="1077120"/>
+            <a:chOff x="360000" y="5545800"/>
+            <a:chExt cx="933120" cy="1077120"/>
           </a:xfrm>
         </p:grpSpPr>
         <p:pic>
           <p:nvPicPr>
-            <p:cNvPr id="129" name="" descr=""/>
+            <p:cNvPr id="141" name="" descr=""/>
             <p:cNvPicPr/>
             <p:nvPr/>
           </p:nvPicPr>
@@ -5973,8 +10896,8 @@
           </p:blipFill>
           <p:spPr>
             <a:xfrm>
-              <a:off x="459360" y="5544360"/>
-              <a:ext cx="663120" cy="793440"/>
+              <a:off x="459360" y="5545800"/>
+              <a:ext cx="662760" cy="793080"/>
             </a:xfrm>
             <a:prstGeom prst="rect">
               <a:avLst/>
@@ -5986,14 +10909,14 @@
         </p:pic>
         <p:sp>
           <p:nvSpPr>
-            <p:cNvPr id="130" name="CustomShape 5"/>
+            <p:cNvPr id="142" name="CustomShape 4"/>
             <p:cNvSpPr/>
             <p:nvPr/>
           </p:nvSpPr>
           <p:spPr>
             <a:xfrm>
-              <a:off x="360000" y="6340320"/>
-              <a:ext cx="933480" cy="281520"/>
+              <a:off x="360000" y="6341760"/>
+              <a:ext cx="933120" cy="281160"/>
             </a:xfrm>
             <a:prstGeom prst="rect">
               <a:avLst/>
@@ -6049,7 +10972,7 @@
 </p:sld>
 </file>
 
-<file path=ppt/slides/slide5.xml><?xml version="1.0" encoding="utf-8"?>
+<file path=ppt/slides/slide9.xml><?xml version="1.0" encoding="utf-8"?>
 <p:sld xmlns:a="http://schemas.openxmlformats.org/drawingml/2006/main" xmlns:p="http://schemas.openxmlformats.org/presentationml/2006/main" xmlns:r="http://schemas.openxmlformats.org/officeDocument/2006/relationships" xmlns:p14="http://schemas.microsoft.com/office/powerpoint/2010/main" xmlns:p15="http://schemas.microsoft.com/office/powerpoint/2012/main" xmlns:mc="http://schemas.openxmlformats.org/markup-compatibility/2006">
   <p:cSld>
     <p:spTree>
@@ -6068,7 +10991,7 @@
       </p:grpSpPr>
       <p:pic>
         <p:nvPicPr>
-          <p:cNvPr id="131" name="Imagem 3_2" descr=""/>
+          <p:cNvPr id="143" name="Imagem 3_5" descr=""/>
           <p:cNvPicPr/>
           <p:nvPr/>
         </p:nvPicPr>
@@ -6080,7 +11003,7 @@
         <p:spPr>
           <a:xfrm>
             <a:off x="2520" y="3866760"/>
-            <a:ext cx="12186360" cy="3012840"/>
+            <a:ext cx="12186000" cy="3012480"/>
           </a:xfrm>
           <a:prstGeom prst="rect">
             <a:avLst/>
@@ -6092,14 +11015,14 @@
       </p:pic>
       <p:sp>
         <p:nvSpPr>
-          <p:cNvPr id="132" name="CustomShape 1"/>
+          <p:cNvPr id="144" name="CustomShape 1"/>
           <p:cNvSpPr/>
           <p:nvPr/>
         </p:nvSpPr>
         <p:spPr>
           <a:xfrm>
             <a:off x="371520" y="172800"/>
-            <a:ext cx="11443320" cy="839160"/>
+            <a:ext cx="11442960" cy="839880"/>
           </a:xfrm>
           <a:prstGeom prst="rect">
             <a:avLst/>
@@ -6133,7 +11056,7 @@
                 <a:latin typeface="Segoe Condensed"/>
                 <a:ea typeface="DejaVu Sans"/>
               </a:rPr>
-              <a:t>ROTAS</a:t>
+              <a:t>REFS</a:t>
             </a:r>
             <a:endParaRPr b="0" lang="pt-BR" sz="3800" spc="-1" strike="noStrike">
               <a:latin typeface="Arial"/>
@@ -6153,7 +11076,7 @@
                 <a:latin typeface="Roboto"/>
                 <a:ea typeface="Roboto"/>
               </a:rPr>
-              <a:t>REACT ROUTER – ROTEAMENTO BÁSICO</a:t>
+              <a:t>COMPONENTE DE CLASSE</a:t>
             </a:r>
             <a:endParaRPr b="0" lang="pt-BR" sz="1400" spc="-1" strike="noStrike">
               <a:latin typeface="Arial"/>
@@ -6163,14 +11086,14 @@
       </p:sp>
       <p:sp>
         <p:nvSpPr>
-          <p:cNvPr id="133" name="CustomShape 2"/>
+          <p:cNvPr id="145" name="CustomShape 2"/>
           <p:cNvSpPr/>
           <p:nvPr/>
         </p:nvSpPr>
         <p:spPr>
           <a:xfrm>
-            <a:off x="1476000" y="1430640"/>
-            <a:ext cx="3743280" cy="4904640"/>
+            <a:off x="1512000" y="1152000"/>
+            <a:ext cx="10151640" cy="5400000"/>
           </a:xfrm>
           <a:prstGeom prst="rect">
             <a:avLst/>
@@ -6204,7 +11127,7 @@
               </a:lnSpc>
             </a:pPr>
             <a:r>
-              <a:rPr b="0" lang="pt-BR" sz="1400" spc="-1" strike="noStrike">
+              <a:rPr b="0" lang="pt-BR" sz="1600" spc="-1" strike="noStrike">
                 <a:solidFill>
                   <a:srgbClr val="008000"/>
                 </a:solidFill>
@@ -6214,17 +11137,17 @@
               <a:t>import</a:t>
             </a:r>
             <a:r>
-              <a:rPr b="0" lang="pt-BR" sz="1400" spc="-1" strike="noStrike">
-                <a:solidFill>
-                  <a:srgbClr val="000000"/>
-                </a:solidFill>
-                <a:latin typeface="Nimbus Mono PS"/>
-                <a:ea typeface="DejaVu Sans"/>
-              </a:rPr>
-              <a:t> React from </a:t>
-            </a:r>
-            <a:r>
-              <a:rPr b="0" lang="pt-BR" sz="1400" spc="-1" strike="noStrike">
+              <a:rPr b="0" lang="pt-BR" sz="1600" spc="-1" strike="noStrike">
+                <a:solidFill>
+                  <a:srgbClr val="000000"/>
+                </a:solidFill>
+                <a:latin typeface="Nimbus Mono PS"/>
+                <a:ea typeface="DejaVu Sans"/>
+              </a:rPr>
+              <a:t> React, { Component } from </a:t>
+            </a:r>
+            <a:r>
+              <a:rPr b="0" lang="pt-BR" sz="1600" spc="-1" strike="noStrike">
                 <a:solidFill>
                   <a:srgbClr val="ba2121"/>
                 </a:solidFill>
@@ -6234,7 +11157,7 @@
               <a:t>"react"</a:t>
             </a:r>
             <a:r>
-              <a:rPr b="0" lang="pt-BR" sz="1400" spc="-1" strike="noStrike">
+              <a:rPr b="0" lang="pt-BR" sz="1600" spc="-1" strike="noStrike">
                 <a:solidFill>
                   <a:srgbClr val="000000"/>
                 </a:solidFill>
@@ -6243,7 +11166,7 @@
               </a:rPr>
               <a:t>;</a:t>
             </a:r>
-            <a:endParaRPr b="0" lang="pt-BR" sz="1400" spc="-1" strike="noStrike">
+            <a:endParaRPr b="0" lang="pt-BR" sz="1600" spc="-1" strike="noStrike">
               <a:latin typeface="Arial"/>
             </a:endParaRPr>
           </a:p>
@@ -6254,7 +11177,7 @@
               </a:lnSpc>
             </a:pPr>
             <a:r>
-              <a:rPr b="0" lang="pt-BR" sz="1400" spc="-1" strike="noStrike">
+              <a:rPr b="0" lang="pt-BR" sz="1600" spc="-1" strike="noStrike">
                 <a:solidFill>
                   <a:srgbClr val="008000"/>
                 </a:solidFill>
@@ -6264,27 +11187,27 @@
               <a:t>import</a:t>
             </a:r>
             <a:r>
-              <a:rPr b="0" lang="pt-BR" sz="1400" spc="-1" strike="noStrike">
-                <a:solidFill>
-                  <a:srgbClr val="000000"/>
-                </a:solidFill>
-                <a:latin typeface="Nimbus Mono PS"/>
-                <a:ea typeface="DejaVu Sans"/>
-              </a:rPr>
-              <a:t> { BrowserRouter as Router } from </a:t>
-            </a:r>
-            <a:r>
-              <a:rPr b="0" lang="pt-BR" sz="1400" spc="-1" strike="noStrike">
+              <a:rPr b="0" lang="pt-BR" sz="1600" spc="-1" strike="noStrike">
+                <a:solidFill>
+                  <a:srgbClr val="000000"/>
+                </a:solidFill>
+                <a:latin typeface="Nimbus Mono PS"/>
+                <a:ea typeface="DejaVu Sans"/>
+              </a:rPr>
+              <a:t> CustomTextInput from </a:t>
+            </a:r>
+            <a:r>
+              <a:rPr b="0" lang="pt-BR" sz="1600" spc="-1" strike="noStrike">
                 <a:solidFill>
                   <a:srgbClr val="ba2121"/>
                 </a:solidFill>
                 <a:latin typeface="Nimbus Mono PS"/>
                 <a:ea typeface="DejaVu Sans"/>
               </a:rPr>
-              <a:t>"react-router-dom"</a:t>
-            </a:r>
-            <a:r>
-              <a:rPr b="0" lang="pt-BR" sz="1400" spc="-1" strike="noStrike">
+              <a:t>"./CustomTextInput"</a:t>
+            </a:r>
+            <a:r>
+              <a:rPr b="0" lang="pt-BR" sz="1600" spc="-1" strike="noStrike">
                 <a:solidFill>
                   <a:srgbClr val="000000"/>
                 </a:solidFill>
@@ -6293,7 +11216,7 @@
               </a:rPr>
               <a:t>;</a:t>
             </a:r>
-            <a:endParaRPr b="0" lang="pt-BR" sz="1400" spc="-1" strike="noStrike">
+            <a:endParaRPr b="0" lang="pt-BR" sz="1600" spc="-1" strike="noStrike">
               <a:latin typeface="Arial"/>
             </a:endParaRPr>
           </a:p>
@@ -6303,7 +11226,7 @@
                 <a:spcPct val="100000"/>
               </a:lnSpc>
             </a:pPr>
-            <a:endParaRPr b="0" lang="pt-BR" sz="1400" spc="-1" strike="noStrike">
+            <a:endParaRPr b="0" lang="pt-BR" sz="1600" spc="-1" strike="noStrike">
               <a:latin typeface="Arial"/>
             </a:endParaRPr>
           </a:p>
@@ -6314,46 +11237,46 @@
               </a:lnSpc>
             </a:pPr>
             <a:r>
-              <a:rPr b="0" lang="pt-BR" sz="1400" spc="-1" strike="noStrike">
+              <a:rPr b="0" lang="pt-BR" sz="1600" spc="-1" strike="noStrike">
                 <a:solidFill>
                   <a:srgbClr val="008000"/>
                 </a:solidFill>
                 <a:latin typeface="Nimbus Mono PS"/>
                 <a:ea typeface="DejaVu Sans"/>
               </a:rPr>
-              <a:t>import</a:t>
-            </a:r>
-            <a:r>
-              <a:rPr b="0" lang="pt-BR" sz="1400" spc="-1" strike="noStrike">
-                <a:solidFill>
-                  <a:srgbClr val="000000"/>
-                </a:solidFill>
-                <a:latin typeface="Nimbus Mono PS"/>
-                <a:ea typeface="DejaVu Sans"/>
-              </a:rPr>
-              <a:t> Menu from </a:t>
-            </a:r>
-            <a:r>
-              <a:rPr b="0" lang="pt-BR" sz="1400" spc="-1" strike="noStrike">
-                <a:solidFill>
-                  <a:srgbClr val="ba2121"/>
-                </a:solidFill>
-                <a:latin typeface="Nimbus Mono PS"/>
-                <a:ea typeface="DejaVu Sans"/>
-              </a:rPr>
-              <a:t>"./Layout/Menu"</a:t>
-            </a:r>
-            <a:r>
-              <a:rPr b="0" lang="pt-BR" sz="1400" spc="-1" strike="noStrike">
-                <a:solidFill>
-                  <a:srgbClr val="000000"/>
-                </a:solidFill>
-                <a:latin typeface="Nimbus Mono PS"/>
-                <a:ea typeface="DejaVu Sans"/>
-              </a:rPr>
-              <a:t>;</a:t>
-            </a:r>
-            <a:endParaRPr b="0" lang="pt-BR" sz="1400" spc="-1" strike="noStrike">
+              <a:t>class</a:t>
+            </a:r>
+            <a:r>
+              <a:rPr b="0" lang="pt-BR" sz="1600" spc="-1" strike="noStrike">
+                <a:solidFill>
+                  <a:srgbClr val="000000"/>
+                </a:solidFill>
+                <a:latin typeface="Nimbus Mono PS"/>
+                <a:ea typeface="DejaVu Sans"/>
+              </a:rPr>
+              <a:t> AutoFocusTextInput </a:t>
+            </a:r>
+            <a:r>
+              <a:rPr b="0" lang="pt-BR" sz="1600" spc="-1" strike="noStrike">
+                <a:solidFill>
+                  <a:srgbClr val="008000"/>
+                </a:solidFill>
+                <a:latin typeface="Nimbus Mono PS"/>
+                <a:ea typeface="DejaVu Sans"/>
+              </a:rPr>
+              <a:t>extends</a:t>
+            </a:r>
+            <a:r>
+              <a:rPr b="0" lang="pt-BR" sz="1600" spc="-1" strike="noStrike">
+                <a:solidFill>
+                  <a:srgbClr val="000000"/>
+                </a:solidFill>
+                <a:latin typeface="Nimbus Mono PS"/>
+                <a:ea typeface="DejaVu Sans"/>
+              </a:rPr>
+              <a:t> Component {</a:t>
+            </a:r>
+            <a:endParaRPr b="0" lang="pt-BR" sz="1600" spc="-1" strike="noStrike">
               <a:latin typeface="Arial"/>
             </a:endParaRPr>
           </a:p>
@@ -6364,46 +11287,66 @@
               </a:lnSpc>
             </a:pPr>
             <a:r>
-              <a:rPr b="0" lang="pt-BR" sz="1400" spc="-1" strike="noStrike">
+              <a:rPr b="0" lang="pt-BR" sz="1600" spc="-1" strike="noStrike">
+                <a:solidFill>
+                  <a:srgbClr val="000000"/>
+                </a:solidFill>
+                <a:latin typeface="Nimbus Mono PS"/>
+                <a:ea typeface="DejaVu Sans"/>
+              </a:rPr>
+              <a:t>    </a:t>
+            </a:r>
+            <a:r>
+              <a:rPr b="0" lang="pt-BR" sz="1600" spc="-1" strike="noStrike">
+                <a:solidFill>
+                  <a:srgbClr val="000000"/>
+                </a:solidFill>
+                <a:latin typeface="Nimbus Mono PS"/>
+                <a:ea typeface="DejaVu Sans"/>
+              </a:rPr>
+              <a:t>constructor(props) {</a:t>
+            </a:r>
+            <a:endParaRPr b="0" lang="pt-BR" sz="1600" spc="-1" strike="noStrike">
+              <a:latin typeface="Arial"/>
+            </a:endParaRPr>
+          </a:p>
+          <a:p>
+            <a:pPr>
+              <a:lnSpc>
+                <a:spcPct val="100000"/>
+              </a:lnSpc>
+            </a:pPr>
+            <a:r>
+              <a:rPr b="0" lang="pt-BR" sz="1600" spc="-1" strike="noStrike">
+                <a:solidFill>
+                  <a:srgbClr val="000000"/>
+                </a:solidFill>
+                <a:latin typeface="Nimbus Mono PS"/>
+                <a:ea typeface="DejaVu Sans"/>
+              </a:rPr>
+              <a:t>        </a:t>
+            </a:r>
+            <a:r>
+              <a:rPr b="0" lang="pt-BR" sz="1600" spc="-1" strike="noStrike">
                 <a:solidFill>
                   <a:srgbClr val="008000"/>
                 </a:solidFill>
                 <a:latin typeface="Nimbus Mono PS"/>
                 <a:ea typeface="DejaVu Sans"/>
               </a:rPr>
-              <a:t>import</a:t>
-            </a:r>
-            <a:r>
-              <a:rPr b="0" lang="pt-BR" sz="1400" spc="-1" strike="noStrike">
-                <a:solidFill>
-                  <a:srgbClr val="000000"/>
-                </a:solidFill>
-                <a:latin typeface="Nimbus Mono PS"/>
-                <a:ea typeface="DejaVu Sans"/>
-              </a:rPr>
-              <a:t> Routes from </a:t>
-            </a:r>
-            <a:r>
-              <a:rPr b="0" lang="pt-BR" sz="1400" spc="-1" strike="noStrike">
-                <a:solidFill>
-                  <a:srgbClr val="ba2121"/>
-                </a:solidFill>
-                <a:latin typeface="Nimbus Mono PS"/>
-                <a:ea typeface="DejaVu Sans"/>
-              </a:rPr>
-              <a:t>"./routes"</a:t>
-            </a:r>
-            <a:r>
-              <a:rPr b="0" lang="pt-BR" sz="1400" spc="-1" strike="noStrike">
-                <a:solidFill>
-                  <a:srgbClr val="000000"/>
-                </a:solidFill>
-                <a:latin typeface="Nimbus Mono PS"/>
-                <a:ea typeface="DejaVu Sans"/>
-              </a:rPr>
-              <a:t>;</a:t>
-            </a:r>
-            <a:endParaRPr b="0" lang="pt-BR" sz="1400" spc="-1" strike="noStrike">
+              <a:t>super</a:t>
+            </a:r>
+            <a:r>
+              <a:rPr b="0" lang="pt-BR" sz="1600" spc="-1" strike="noStrike">
+                <a:solidFill>
+                  <a:srgbClr val="000000"/>
+                </a:solidFill>
+                <a:latin typeface="Nimbus Mono PS"/>
+                <a:ea typeface="DejaVu Sans"/>
+              </a:rPr>
+              <a:t>(props);</a:t>
+            </a:r>
+            <a:endParaRPr b="0" lang="pt-BR" sz="1600" spc="-1" strike="noStrike">
               <a:latin typeface="Arial"/>
             </a:endParaRPr>
           </a:p>
@@ -6413,7 +11356,57 @@
                 <a:spcPct val="100000"/>
               </a:lnSpc>
             </a:pPr>
-            <a:endParaRPr b="0" lang="pt-BR" sz="1400" spc="-1" strike="noStrike">
+            <a:r>
+              <a:rPr b="0" lang="pt-BR" sz="1600" spc="-1" strike="noStrike">
+                <a:solidFill>
+                  <a:srgbClr val="000000"/>
+                </a:solidFill>
+                <a:latin typeface="Nimbus Mono PS"/>
+                <a:ea typeface="DejaVu Sans"/>
+              </a:rPr>
+              <a:t>        </a:t>
+            </a:r>
+            <a:r>
+              <a:rPr b="0" lang="pt-BR" sz="1600" spc="-1" strike="noStrike">
+                <a:solidFill>
+                  <a:srgbClr val="008000"/>
+                </a:solidFill>
+                <a:latin typeface="Nimbus Mono PS"/>
+                <a:ea typeface="DejaVu Sans"/>
+              </a:rPr>
+              <a:t>this</a:t>
+            </a:r>
+            <a:r>
+              <a:rPr b="0" lang="pt-BR" sz="1600" spc="-1" strike="noStrike">
+                <a:solidFill>
+                  <a:srgbClr val="000000"/>
+                </a:solidFill>
+                <a:latin typeface="Nimbus Mono PS"/>
+                <a:ea typeface="DejaVu Sans"/>
+              </a:rPr>
+              <a:t>.textInput </a:t>
+            </a:r>
+            <a:r>
+              <a:rPr b="0" lang="pt-BR" sz="1600" spc="-1" strike="noStrike">
+                <a:solidFill>
+                  <a:srgbClr val="666666"/>
+                </a:solidFill>
+                <a:latin typeface="Nimbus Mono PS"/>
+                <a:ea typeface="DejaVu Sans"/>
+              </a:rPr>
+              <a:t>=</a:t>
+            </a:r>
+            <a:r>
+              <a:rPr b="0" lang="pt-BR" sz="1600" spc="-1" strike="noStrike">
+                <a:solidFill>
+                  <a:srgbClr val="000000"/>
+                </a:solidFill>
+                <a:latin typeface="Nimbus Mono PS"/>
+                <a:ea typeface="DejaVu Sans"/>
+              </a:rPr>
+              <a:t> React.createRef();</a:t>
+            </a:r>
+            <a:endParaRPr b="0" lang="pt-BR" sz="1600" spc="-1" strike="noStrike">
               <a:latin typeface="Arial"/>
             </a:endParaRPr>
           </a:p>
@@ -6424,46 +11417,306 @@
               </a:lnSpc>
             </a:pPr>
             <a:r>
-              <a:rPr b="0" lang="pt-BR" sz="1400" spc="-1" strike="noStrike">
+              <a:rPr b="0" lang="pt-BR" sz="1600" spc="-1" strike="noStrike">
+                <a:solidFill>
+                  <a:srgbClr val="000000"/>
+                </a:solidFill>
+                <a:latin typeface="Nimbus Mono PS"/>
+                <a:ea typeface="DejaVu Sans"/>
+              </a:rPr>
+              <a:t>    </a:t>
+            </a:r>
+            <a:r>
+              <a:rPr b="0" lang="pt-BR" sz="1600" spc="-1" strike="noStrike">
+                <a:solidFill>
+                  <a:srgbClr val="000000"/>
+                </a:solidFill>
+                <a:latin typeface="Nimbus Mono PS"/>
+                <a:ea typeface="DejaVu Sans"/>
+              </a:rPr>
+              <a:t>}</a:t>
+            </a:r>
+            <a:endParaRPr b="0" lang="pt-BR" sz="1600" spc="-1" strike="noStrike">
+              <a:latin typeface="Arial"/>
+            </a:endParaRPr>
+          </a:p>
+          <a:p>
+            <a:pPr>
+              <a:lnSpc>
+                <a:spcPct val="100000"/>
+              </a:lnSpc>
+            </a:pPr>
+            <a:endParaRPr b="0" lang="pt-BR" sz="1600" spc="-1" strike="noStrike">
+              <a:latin typeface="Arial"/>
+            </a:endParaRPr>
+          </a:p>
+          <a:p>
+            <a:pPr>
+              <a:lnSpc>
+                <a:spcPct val="100000"/>
+              </a:lnSpc>
+            </a:pPr>
+            <a:r>
+              <a:rPr b="0" lang="pt-BR" sz="1600" spc="-1" strike="noStrike">
+                <a:solidFill>
+                  <a:srgbClr val="000000"/>
+                </a:solidFill>
+                <a:latin typeface="Nimbus Mono PS"/>
+                <a:ea typeface="DejaVu Sans"/>
+              </a:rPr>
+              <a:t>    </a:t>
+            </a:r>
+            <a:r>
+              <a:rPr b="0" lang="pt-BR" sz="1600" spc="-1" strike="noStrike">
+                <a:solidFill>
+                  <a:srgbClr val="000000"/>
+                </a:solidFill>
+                <a:latin typeface="Nimbus Mono PS"/>
+                <a:ea typeface="DejaVu Sans"/>
+              </a:rPr>
+              <a:t>componentDidMount() {</a:t>
+            </a:r>
+            <a:endParaRPr b="0" lang="pt-BR" sz="1600" spc="-1" strike="noStrike">
+              <a:latin typeface="Arial"/>
+            </a:endParaRPr>
+          </a:p>
+          <a:p>
+            <a:pPr>
+              <a:lnSpc>
+                <a:spcPct val="100000"/>
+              </a:lnSpc>
+            </a:pPr>
+            <a:r>
+              <a:rPr b="0" lang="pt-BR" sz="1600" spc="-1" strike="noStrike">
+                <a:solidFill>
+                  <a:srgbClr val="000000"/>
+                </a:solidFill>
+                <a:latin typeface="Nimbus Mono PS"/>
+                <a:ea typeface="DejaVu Sans"/>
+              </a:rPr>
+              <a:t>        </a:t>
+            </a:r>
+            <a:r>
+              <a:rPr b="0" lang="pt-BR" sz="1600" spc="-1" strike="noStrike">
                 <a:solidFill>
                   <a:srgbClr val="008000"/>
                 </a:solidFill>
                 <a:latin typeface="Nimbus Mono PS"/>
                 <a:ea typeface="DejaVu Sans"/>
               </a:rPr>
-              <a:t>const</a:t>
-            </a:r>
-            <a:r>
-              <a:rPr b="0" lang="pt-BR" sz="1400" spc="-1" strike="noStrike">
-                <a:solidFill>
-                  <a:srgbClr val="000000"/>
-                </a:solidFill>
-                <a:latin typeface="Nimbus Mono PS"/>
-                <a:ea typeface="DejaVu Sans"/>
-              </a:rPr>
-              <a:t> App </a:t>
-            </a:r>
-            <a:r>
-              <a:rPr b="0" lang="pt-BR" sz="1400" spc="-1" strike="noStrike">
+              <a:t>this</a:t>
+            </a:r>
+            <a:r>
+              <a:rPr b="0" lang="pt-BR" sz="1600" spc="-1" strike="noStrike">
+                <a:solidFill>
+                  <a:srgbClr val="000000"/>
+                </a:solidFill>
+                <a:latin typeface="Nimbus Mono PS"/>
+                <a:ea typeface="DejaVu Sans"/>
+              </a:rPr>
+              <a:t>.textInput.current.focusTextInput();</a:t>
+            </a:r>
+            <a:endParaRPr b="0" lang="pt-BR" sz="1600" spc="-1" strike="noStrike">
+              <a:latin typeface="Arial"/>
+            </a:endParaRPr>
+          </a:p>
+          <a:p>
+            <a:pPr>
+              <a:lnSpc>
+                <a:spcPct val="100000"/>
+              </a:lnSpc>
+            </a:pPr>
+            <a:r>
+              <a:rPr b="0" lang="pt-BR" sz="1600" spc="-1" strike="noStrike">
+                <a:solidFill>
+                  <a:srgbClr val="000000"/>
+                </a:solidFill>
+                <a:latin typeface="Nimbus Mono PS"/>
+                <a:ea typeface="DejaVu Sans"/>
+              </a:rPr>
+              <a:t>    </a:t>
+            </a:r>
+            <a:r>
+              <a:rPr b="0" lang="pt-BR" sz="1600" spc="-1" strike="noStrike">
+                <a:solidFill>
+                  <a:srgbClr val="000000"/>
+                </a:solidFill>
+                <a:latin typeface="Nimbus Mono PS"/>
+                <a:ea typeface="DejaVu Sans"/>
+              </a:rPr>
+              <a:t>}</a:t>
+            </a:r>
+            <a:endParaRPr b="0" lang="pt-BR" sz="1600" spc="-1" strike="noStrike">
+              <a:latin typeface="Arial"/>
+            </a:endParaRPr>
+          </a:p>
+          <a:p>
+            <a:pPr>
+              <a:lnSpc>
+                <a:spcPct val="100000"/>
+              </a:lnSpc>
+            </a:pPr>
+            <a:endParaRPr b="0" lang="pt-BR" sz="1600" spc="-1" strike="noStrike">
+              <a:latin typeface="Arial"/>
+            </a:endParaRPr>
+          </a:p>
+          <a:p>
+            <a:pPr>
+              <a:lnSpc>
+                <a:spcPct val="100000"/>
+              </a:lnSpc>
+            </a:pPr>
+            <a:r>
+              <a:rPr b="0" lang="pt-BR" sz="1600" spc="-1" strike="noStrike">
+                <a:solidFill>
+                  <a:srgbClr val="000000"/>
+                </a:solidFill>
+                <a:latin typeface="Nimbus Mono PS"/>
+                <a:ea typeface="DejaVu Sans"/>
+              </a:rPr>
+              <a:t>    </a:t>
+            </a:r>
+            <a:r>
+              <a:rPr b="0" lang="pt-BR" sz="1600" spc="-1" strike="noStrike">
+                <a:solidFill>
+                  <a:srgbClr val="000000"/>
+                </a:solidFill>
+                <a:latin typeface="Nimbus Mono PS"/>
+                <a:ea typeface="DejaVu Sans"/>
+              </a:rPr>
+              <a:t>render() {</a:t>
+            </a:r>
+            <a:endParaRPr b="0" lang="pt-BR" sz="1600" spc="-1" strike="noStrike">
+              <a:latin typeface="Arial"/>
+            </a:endParaRPr>
+          </a:p>
+          <a:p>
+            <a:pPr>
+              <a:lnSpc>
+                <a:spcPct val="100000"/>
+              </a:lnSpc>
+            </a:pPr>
+            <a:r>
+              <a:rPr b="0" lang="pt-BR" sz="1600" spc="-1" strike="noStrike">
+                <a:solidFill>
+                  <a:srgbClr val="000000"/>
+                </a:solidFill>
+                <a:latin typeface="Nimbus Mono PS"/>
+                <a:ea typeface="DejaVu Sans"/>
+              </a:rPr>
+              <a:t>        </a:t>
+            </a:r>
+            <a:r>
+              <a:rPr b="0" lang="pt-BR" sz="1600" spc="-1" strike="noStrike">
+                <a:solidFill>
+                  <a:srgbClr val="008000"/>
+                </a:solidFill>
+                <a:latin typeface="Nimbus Mono PS"/>
+                <a:ea typeface="DejaVu Sans"/>
+              </a:rPr>
+              <a:t>return</a:t>
+            </a:r>
+            <a:r>
+              <a:rPr b="0" lang="pt-BR" sz="1600" spc="-1" strike="noStrike">
+                <a:solidFill>
+                  <a:srgbClr val="000000"/>
+                </a:solidFill>
+                <a:latin typeface="Nimbus Mono PS"/>
+                <a:ea typeface="DejaVu Sans"/>
+              </a:rPr>
+              <a:t> (</a:t>
+            </a:r>
+            <a:endParaRPr b="0" lang="pt-BR" sz="1600" spc="-1" strike="noStrike">
+              <a:latin typeface="Arial"/>
+            </a:endParaRPr>
+          </a:p>
+          <a:p>
+            <a:pPr>
+              <a:lnSpc>
+                <a:spcPct val="100000"/>
+              </a:lnSpc>
+            </a:pPr>
+            <a:r>
+              <a:rPr b="0" lang="pt-BR" sz="1600" spc="-1" strike="noStrike">
+                <a:solidFill>
+                  <a:srgbClr val="000000"/>
+                </a:solidFill>
+                <a:latin typeface="Nimbus Mono PS"/>
+                <a:ea typeface="DejaVu Sans"/>
+              </a:rPr>
+              <a:t>            </a:t>
+            </a:r>
+            <a:r>
+              <a:rPr b="0" lang="pt-BR" sz="1600" spc="-1" strike="noStrike">
                 <a:solidFill>
                   <a:srgbClr val="666666"/>
                 </a:solidFill>
                 <a:latin typeface="Nimbus Mono PS"/>
                 <a:ea typeface="DejaVu Sans"/>
               </a:rPr>
+              <a:t>&lt;</a:t>
+            </a:r>
+            <a:r>
+              <a:rPr b="0" lang="pt-BR" sz="1600" spc="-1" strike="noStrike">
+                <a:solidFill>
+                  <a:srgbClr val="000000"/>
+                </a:solidFill>
+                <a:latin typeface="Nimbus Mono PS"/>
+                <a:ea typeface="DejaVu Sans"/>
+              </a:rPr>
+              <a:t>CustomTextInput ref</a:t>
+            </a:r>
+            <a:r>
+              <a:rPr b="0" lang="pt-BR" sz="1600" spc="-1" strike="noStrike">
+                <a:solidFill>
+                  <a:srgbClr val="666666"/>
+                </a:solidFill>
+                <a:latin typeface="Nimbus Mono PS"/>
+                <a:ea typeface="DejaVu Sans"/>
+              </a:rPr>
               <a:t>=</a:t>
             </a:r>
             <a:r>
-              <a:rPr b="0" lang="pt-BR" sz="1400" spc="-1" strike="noStrike">
-                <a:solidFill>
-                  <a:srgbClr val="000000"/>
-                </a:solidFill>
-                <a:latin typeface="Nimbus Mono PS"/>
-                <a:ea typeface="DejaVu Sans"/>
-              </a:rPr>
-              <a:t> () =&gt; {</a:t>
-            </a:r>
-            <a:endParaRPr b="0" lang="pt-BR" sz="1400" spc="-1" strike="noStrike">
+              <a:rPr b="0" lang="pt-BR" sz="1600" spc="-1" strike="noStrike">
+                <a:solidFill>
+                  <a:srgbClr val="000000"/>
+                </a:solidFill>
+                <a:latin typeface="Nimbus Mono PS"/>
+                <a:ea typeface="DejaVu Sans"/>
+              </a:rPr>
+              <a:t>{</a:t>
+            </a:r>
+            <a:r>
+              <a:rPr b="0" lang="pt-BR" sz="1600" spc="-1" strike="noStrike">
+                <a:solidFill>
+                  <a:srgbClr val="008000"/>
+                </a:solidFill>
+                <a:latin typeface="Nimbus Mono PS"/>
+                <a:ea typeface="DejaVu Sans"/>
+              </a:rPr>
+              <a:t>this</a:t>
+            </a:r>
+            <a:r>
+              <a:rPr b="0" lang="pt-BR" sz="1600" spc="-1" strike="noStrike">
+                <a:solidFill>
+                  <a:srgbClr val="000000"/>
+                </a:solidFill>
+                <a:latin typeface="Nimbus Mono PS"/>
+                <a:ea typeface="DejaVu Sans"/>
+              </a:rPr>
+              <a:t>.textInput} </a:t>
+            </a:r>
+            <a:r>
+              <a:rPr b="0" lang="pt-BR" sz="1600" spc="-1" strike="noStrike">
+                <a:solidFill>
+                  <a:srgbClr val="666666"/>
+                </a:solidFill>
+                <a:latin typeface="Nimbus Mono PS"/>
+                <a:ea typeface="DejaVu Sans"/>
+              </a:rPr>
+              <a:t>/&gt;</a:t>
+            </a:r>
+            <a:endParaRPr b="0" lang="pt-BR" sz="1600" spc="-1" strike="noStrike">
               <a:latin typeface="Arial"/>
             </a:endParaRPr>
           </a:p>
@@ -6474,7 +11727,37 @@
               </a:lnSpc>
             </a:pPr>
             <a:r>
-              <a:rPr b="0" lang="pt-BR" sz="1400" spc="-1" strike="noStrike">
+              <a:rPr b="0" lang="pt-BR" sz="1600" spc="-1" strike="noStrike">
+                <a:solidFill>
+                  <a:srgbClr val="000000"/>
+                </a:solidFill>
+                <a:latin typeface="Nimbus Mono PS"/>
+                <a:ea typeface="DejaVu Sans"/>
+              </a:rPr>
+              <a:t>        </a:t>
+            </a:r>
+            <a:r>
+              <a:rPr b="0" lang="pt-BR" sz="1600" spc="-1" strike="noStrike">
+                <a:solidFill>
+                  <a:srgbClr val="000000"/>
+                </a:solidFill>
+                <a:latin typeface="Nimbus Mono PS"/>
+                <a:ea typeface="DejaVu Sans"/>
+              </a:rPr>
+              <a:t>);</a:t>
+            </a:r>
+            <a:endParaRPr b="0" lang="pt-BR" sz="1600" spc="-1" strike="noStrike">
+              <a:latin typeface="Arial"/>
+            </a:endParaRPr>
+          </a:p>
+          <a:p>
+            <a:pPr>
+              <a:lnSpc>
+                <a:spcPct val="100000"/>
+              </a:lnSpc>
+            </a:pPr>
+            <a:r>
+              <a:rPr b="0" lang="pt-BR" sz="1600" spc="-1" strike="noStrike">
                 <a:solidFill>
                   <a:srgbClr val="000000"/>
                 </a:solidFill>
@@ -6484,26 +11767,96 @@
               <a:t>    </a:t>
             </a:r>
             <a:r>
-              <a:rPr b="0" lang="pt-BR" sz="1400" spc="-1" strike="noStrike">
+              <a:rPr b="0" lang="pt-BR" sz="1600" spc="-1" strike="noStrike">
+                <a:solidFill>
+                  <a:srgbClr val="000000"/>
+                </a:solidFill>
+                <a:latin typeface="Nimbus Mono PS"/>
+                <a:ea typeface="DejaVu Sans"/>
+              </a:rPr>
+              <a:t>}</a:t>
+            </a:r>
+            <a:endParaRPr b="0" lang="pt-BR" sz="1600" spc="-1" strike="noStrike">
+              <a:latin typeface="Arial"/>
+            </a:endParaRPr>
+          </a:p>
+          <a:p>
+            <a:pPr>
+              <a:lnSpc>
+                <a:spcPct val="100000"/>
+              </a:lnSpc>
+            </a:pPr>
+            <a:r>
+              <a:rPr b="0" lang="pt-BR" sz="1600" spc="-1" strike="noStrike">
+                <a:solidFill>
+                  <a:srgbClr val="000000"/>
+                </a:solidFill>
+                <a:latin typeface="Nimbus Mono PS"/>
+                <a:ea typeface="DejaVu Sans"/>
+              </a:rPr>
+              <a:t>}</a:t>
+            </a:r>
+            <a:endParaRPr b="0" lang="pt-BR" sz="1600" spc="-1" strike="noStrike">
+              <a:latin typeface="Arial"/>
+            </a:endParaRPr>
+          </a:p>
+          <a:p>
+            <a:pPr>
+              <a:lnSpc>
+                <a:spcPct val="100000"/>
+              </a:lnSpc>
+            </a:pPr>
+            <a:endParaRPr b="0" lang="pt-BR" sz="1600" spc="-1" strike="noStrike">
+              <a:latin typeface="Arial"/>
+            </a:endParaRPr>
+          </a:p>
+          <a:p>
+            <a:pPr>
+              <a:lnSpc>
+                <a:spcPct val="100000"/>
+              </a:lnSpc>
+            </a:pPr>
+            <a:r>
+              <a:rPr b="0" lang="pt-BR" sz="1600" spc="-1" strike="noStrike">
                 <a:solidFill>
                   <a:srgbClr val="008000"/>
                 </a:solidFill>
                 <a:latin typeface="Nimbus Mono PS"/>
                 <a:ea typeface="DejaVu Sans"/>
               </a:rPr>
-              <a:t>return</a:t>
-            </a:r>
-            <a:r>
-              <a:rPr b="0" lang="pt-BR" sz="1400" spc="-1" strike="noStrike">
-                <a:solidFill>
-                  <a:srgbClr val="000000"/>
-                </a:solidFill>
-                <a:latin typeface="Nimbus Mono PS"/>
-                <a:ea typeface="DejaVu Sans"/>
-              </a:rPr>
-              <a:t> (</a:t>
-            </a:r>
-            <a:endParaRPr b="0" lang="pt-BR" sz="1400" spc="-1" strike="noStrike">
+              <a:t>export</a:t>
+            </a:r>
+            <a:r>
+              <a:rPr b="0" lang="pt-BR" sz="1600" spc="-1" strike="noStrike">
+                <a:solidFill>
+                  <a:srgbClr val="000000"/>
+                </a:solidFill>
+                <a:latin typeface="Nimbus Mono PS"/>
+                <a:ea typeface="DejaVu Sans"/>
+              </a:rPr>
+              <a:t> </a:t>
+            </a:r>
+            <a:r>
+              <a:rPr b="0" lang="pt-BR" sz="1600" spc="-1" strike="noStrike">
+                <a:solidFill>
+                  <a:srgbClr val="008000"/>
+                </a:solidFill>
+                <a:latin typeface="Nimbus Mono PS"/>
+                <a:ea typeface="DejaVu Sans"/>
+              </a:rPr>
+              <a:t>default</a:t>
+            </a:r>
+            <a:r>
+              <a:rPr b="0" lang="pt-BR" sz="1600" spc="-1" strike="noStrike">
+                <a:solidFill>
+                  <a:srgbClr val="000000"/>
+                </a:solidFill>
+                <a:latin typeface="Nimbus Mono PS"/>
+                <a:ea typeface="DejaVu Sans"/>
+              </a:rPr>
+              <a:t> AutoFocusTextInput;</a:t>
+            </a:r>
+            <a:endParaRPr b="0" lang="pt-BR" sz="1600" spc="-1" strike="noStrike">
               <a:latin typeface="Arial"/>
             </a:endParaRPr>
           </a:p>
@@ -6513,1495 +11866,7 @@
                 <a:spcPct val="100000"/>
               </a:lnSpc>
             </a:pPr>
-            <a:r>
-              <a:rPr b="0" lang="pt-BR" sz="1400" spc="-1" strike="noStrike">
-                <a:solidFill>
-                  <a:srgbClr val="000000"/>
-                </a:solidFill>
-                <a:latin typeface="Nimbus Mono PS"/>
-                <a:ea typeface="DejaVu Sans"/>
-              </a:rPr>
-              <a:t>        </a:t>
-            </a:r>
-            <a:r>
-              <a:rPr b="0" lang="pt-BR" sz="1400" spc="-1" strike="noStrike">
-                <a:solidFill>
-                  <a:srgbClr val="666666"/>
-                </a:solidFill>
-                <a:latin typeface="Nimbus Mono PS"/>
-                <a:ea typeface="DejaVu Sans"/>
-              </a:rPr>
-              <a:t>&lt;</a:t>
-            </a:r>
-            <a:r>
-              <a:rPr b="0" lang="pt-BR" sz="1400" spc="-1" strike="noStrike">
-                <a:solidFill>
-                  <a:srgbClr val="000000"/>
-                </a:solidFill>
-                <a:latin typeface="Nimbus Mono PS"/>
-                <a:ea typeface="DejaVu Sans"/>
-              </a:rPr>
-              <a:t>Router</a:t>
-            </a:r>
-            <a:r>
-              <a:rPr b="0" lang="pt-BR" sz="1400" spc="-1" strike="noStrike">
-                <a:solidFill>
-                  <a:srgbClr val="666666"/>
-                </a:solidFill>
-                <a:latin typeface="Nimbus Mono PS"/>
-                <a:ea typeface="DejaVu Sans"/>
-              </a:rPr>
-              <a:t>&gt;</a:t>
-            </a:r>
-            <a:endParaRPr b="0" lang="pt-BR" sz="1400" spc="-1" strike="noStrike">
-              <a:latin typeface="Arial"/>
-            </a:endParaRPr>
-          </a:p>
-          <a:p>
-            <a:pPr>
-              <a:lnSpc>
-                <a:spcPct val="100000"/>
-              </a:lnSpc>
-            </a:pPr>
-            <a:r>
-              <a:rPr b="0" lang="pt-BR" sz="1400" spc="-1" strike="noStrike">
-                <a:solidFill>
-                  <a:srgbClr val="000000"/>
-                </a:solidFill>
-                <a:latin typeface="Nimbus Mono PS"/>
-                <a:ea typeface="DejaVu Sans"/>
-              </a:rPr>
-              <a:t>            </a:t>
-            </a:r>
-            <a:r>
-              <a:rPr b="0" lang="pt-BR" sz="1400" spc="-1" strike="noStrike">
-                <a:solidFill>
-                  <a:srgbClr val="666666"/>
-                </a:solidFill>
-                <a:latin typeface="Nimbus Mono PS"/>
-                <a:ea typeface="DejaVu Sans"/>
-              </a:rPr>
-              <a:t>&lt;</a:t>
-            </a:r>
-            <a:r>
-              <a:rPr b="0" lang="pt-BR" sz="1400" spc="-1" strike="noStrike">
-                <a:solidFill>
-                  <a:srgbClr val="000000"/>
-                </a:solidFill>
-                <a:latin typeface="Nimbus Mono PS"/>
-                <a:ea typeface="DejaVu Sans"/>
-              </a:rPr>
-              <a:t>React.Fragment</a:t>
-            </a:r>
-            <a:r>
-              <a:rPr b="0" lang="pt-BR" sz="1400" spc="-1" strike="noStrike">
-                <a:solidFill>
-                  <a:srgbClr val="666666"/>
-                </a:solidFill>
-                <a:latin typeface="Nimbus Mono PS"/>
-                <a:ea typeface="DejaVu Sans"/>
-              </a:rPr>
-              <a:t>&gt;</a:t>
-            </a:r>
-            <a:endParaRPr b="0" lang="pt-BR" sz="1400" spc="-1" strike="noStrike">
-              <a:latin typeface="Arial"/>
-            </a:endParaRPr>
-          </a:p>
-          <a:p>
-            <a:pPr>
-              <a:lnSpc>
-                <a:spcPct val="100000"/>
-              </a:lnSpc>
-            </a:pPr>
-            <a:r>
-              <a:rPr b="0" lang="pt-BR" sz="1400" spc="-1" strike="noStrike">
-                <a:solidFill>
-                  <a:srgbClr val="000000"/>
-                </a:solidFill>
-                <a:latin typeface="Nimbus Mono PS"/>
-                <a:ea typeface="DejaVu Sans"/>
-              </a:rPr>
-              <a:t>                </a:t>
-            </a:r>
-            <a:r>
-              <a:rPr b="0" lang="pt-BR" sz="1400" spc="-1" strike="noStrike">
-                <a:solidFill>
-                  <a:srgbClr val="666666"/>
-                </a:solidFill>
-                <a:latin typeface="Nimbus Mono PS"/>
-                <a:ea typeface="DejaVu Sans"/>
-              </a:rPr>
-              <a:t>&lt;</a:t>
-            </a:r>
-            <a:r>
-              <a:rPr b="0" lang="pt-BR" sz="1400" spc="-1" strike="noStrike">
-                <a:solidFill>
-                  <a:srgbClr val="000000"/>
-                </a:solidFill>
-                <a:latin typeface="Nimbus Mono PS"/>
-                <a:ea typeface="DejaVu Sans"/>
-              </a:rPr>
-              <a:t>Menu </a:t>
-            </a:r>
-            <a:r>
-              <a:rPr b="0" lang="pt-BR" sz="1400" spc="-1" strike="noStrike">
-                <a:solidFill>
-                  <a:srgbClr val="666666"/>
-                </a:solidFill>
-                <a:latin typeface="Nimbus Mono PS"/>
-                <a:ea typeface="DejaVu Sans"/>
-              </a:rPr>
-              <a:t>/&gt;</a:t>
-            </a:r>
-            <a:endParaRPr b="0" lang="pt-BR" sz="1400" spc="-1" strike="noStrike">
-              <a:latin typeface="Arial"/>
-            </a:endParaRPr>
-          </a:p>
-          <a:p>
-            <a:pPr>
-              <a:lnSpc>
-                <a:spcPct val="100000"/>
-              </a:lnSpc>
-            </a:pPr>
-            <a:r>
-              <a:rPr b="0" lang="pt-BR" sz="1400" spc="-1" strike="noStrike">
-                <a:solidFill>
-                  <a:srgbClr val="000000"/>
-                </a:solidFill>
-                <a:latin typeface="Nimbus Mono PS"/>
-                <a:ea typeface="DejaVu Sans"/>
-              </a:rPr>
-              <a:t>                </a:t>
-            </a:r>
-            <a:r>
-              <a:rPr b="0" lang="pt-BR" sz="1400" spc="-1" strike="noStrike">
-                <a:solidFill>
-                  <a:srgbClr val="666666"/>
-                </a:solidFill>
-                <a:latin typeface="Nimbus Mono PS"/>
-                <a:ea typeface="DejaVu Sans"/>
-              </a:rPr>
-              <a:t>&lt;</a:t>
-            </a:r>
-            <a:r>
-              <a:rPr b="0" lang="pt-BR" sz="1400" spc="-1" strike="noStrike">
-                <a:solidFill>
-                  <a:srgbClr val="000000"/>
-                </a:solidFill>
-                <a:latin typeface="Nimbus Mono PS"/>
-                <a:ea typeface="DejaVu Sans"/>
-              </a:rPr>
-              <a:t>Routes </a:t>
-            </a:r>
-            <a:r>
-              <a:rPr b="0" lang="pt-BR" sz="1400" spc="-1" strike="noStrike">
-                <a:solidFill>
-                  <a:srgbClr val="666666"/>
-                </a:solidFill>
-                <a:latin typeface="Nimbus Mono PS"/>
-                <a:ea typeface="DejaVu Sans"/>
-              </a:rPr>
-              <a:t>/&gt;</a:t>
-            </a:r>
-            <a:endParaRPr b="0" lang="pt-BR" sz="1400" spc="-1" strike="noStrike">
-              <a:latin typeface="Arial"/>
-            </a:endParaRPr>
-          </a:p>
-          <a:p>
-            <a:pPr>
-              <a:lnSpc>
-                <a:spcPct val="100000"/>
-              </a:lnSpc>
-            </a:pPr>
-            <a:r>
-              <a:rPr b="0" lang="pt-BR" sz="1400" spc="-1" strike="noStrike">
-                <a:solidFill>
-                  <a:srgbClr val="000000"/>
-                </a:solidFill>
-                <a:latin typeface="Nimbus Mono PS"/>
-                <a:ea typeface="DejaVu Sans"/>
-              </a:rPr>
-              <a:t>            </a:t>
-            </a:r>
-            <a:r>
-              <a:rPr b="0" lang="pt-BR" sz="1400" spc="-1" strike="noStrike">
-                <a:solidFill>
-                  <a:srgbClr val="666666"/>
-                </a:solidFill>
-                <a:latin typeface="Nimbus Mono PS"/>
-                <a:ea typeface="DejaVu Sans"/>
-              </a:rPr>
-              <a:t>&lt;</a:t>
-            </a:r>
-            <a:r>
-              <a:rPr b="0" lang="pt-BR" sz="1400" spc="-1" strike="noStrike">
-                <a:solidFill>
-                  <a:srgbClr val="000000"/>
-                </a:solidFill>
-                <a:latin typeface="Nimbus Mono PS"/>
-                <a:ea typeface="DejaVu Sans"/>
-              </a:rPr>
-              <a:t>/React.Fragment&gt;</a:t>
-            </a:r>
-            <a:endParaRPr b="0" lang="pt-BR" sz="1400" spc="-1" strike="noStrike">
-              <a:latin typeface="Arial"/>
-            </a:endParaRPr>
-          </a:p>
-          <a:p>
-            <a:pPr>
-              <a:lnSpc>
-                <a:spcPct val="100000"/>
-              </a:lnSpc>
-            </a:pPr>
-            <a:r>
-              <a:rPr b="0" lang="pt-BR" sz="1400" spc="-1" strike="noStrike">
-                <a:solidFill>
-                  <a:srgbClr val="000000"/>
-                </a:solidFill>
-                <a:latin typeface="Nimbus Mono PS"/>
-                <a:ea typeface="DejaVu Sans"/>
-              </a:rPr>
-              <a:t>        </a:t>
-            </a:r>
-            <a:r>
-              <a:rPr b="0" lang="pt-BR" sz="1400" spc="-1" strike="noStrike">
-                <a:solidFill>
-                  <a:srgbClr val="666666"/>
-                </a:solidFill>
-                <a:latin typeface="Nimbus Mono PS"/>
-                <a:ea typeface="DejaVu Sans"/>
-              </a:rPr>
-              <a:t>&lt;</a:t>
-            </a:r>
-            <a:r>
-              <a:rPr b="0" lang="pt-BR" sz="1400" spc="-1" strike="noStrike">
-                <a:solidFill>
-                  <a:srgbClr val="000000"/>
-                </a:solidFill>
-                <a:latin typeface="Nimbus Mono PS"/>
-                <a:ea typeface="DejaVu Sans"/>
-              </a:rPr>
-              <a:t>/Router&gt;</a:t>
-            </a:r>
-            <a:endParaRPr b="0" lang="pt-BR" sz="1400" spc="-1" strike="noStrike">
-              <a:latin typeface="Arial"/>
-            </a:endParaRPr>
-          </a:p>
-          <a:p>
-            <a:pPr>
-              <a:lnSpc>
-                <a:spcPct val="100000"/>
-              </a:lnSpc>
-            </a:pPr>
-            <a:r>
-              <a:rPr b="0" lang="pt-BR" sz="1400" spc="-1" strike="noStrike">
-                <a:solidFill>
-                  <a:srgbClr val="000000"/>
-                </a:solidFill>
-                <a:latin typeface="Nimbus Mono PS"/>
-                <a:ea typeface="DejaVu Sans"/>
-              </a:rPr>
-              <a:t>    </a:t>
-            </a:r>
-            <a:r>
-              <a:rPr b="0" lang="pt-BR" sz="1400" spc="-1" strike="noStrike">
-                <a:solidFill>
-                  <a:srgbClr val="000000"/>
-                </a:solidFill>
-                <a:latin typeface="Nimbus Mono PS"/>
-                <a:ea typeface="DejaVu Sans"/>
-              </a:rPr>
-              <a:t>);</a:t>
-            </a:r>
-            <a:endParaRPr b="0" lang="pt-BR" sz="1400" spc="-1" strike="noStrike">
-              <a:latin typeface="Arial"/>
-            </a:endParaRPr>
-          </a:p>
-          <a:p>
-            <a:pPr>
-              <a:lnSpc>
-                <a:spcPct val="100000"/>
-              </a:lnSpc>
-            </a:pPr>
-            <a:r>
-              <a:rPr b="0" lang="pt-BR" sz="1400" spc="-1" strike="noStrike">
-                <a:solidFill>
-                  <a:srgbClr val="000000"/>
-                </a:solidFill>
-                <a:latin typeface="Nimbus Mono PS"/>
-                <a:ea typeface="DejaVu Sans"/>
-              </a:rPr>
-              <a:t>};</a:t>
-            </a:r>
-            <a:endParaRPr b="0" lang="pt-BR" sz="1400" spc="-1" strike="noStrike">
-              <a:latin typeface="Arial"/>
-            </a:endParaRPr>
-          </a:p>
-          <a:p>
-            <a:pPr>
-              <a:lnSpc>
-                <a:spcPct val="100000"/>
-              </a:lnSpc>
-            </a:pPr>
-            <a:endParaRPr b="0" lang="pt-BR" sz="1400" spc="-1" strike="noStrike">
-              <a:latin typeface="Arial"/>
-            </a:endParaRPr>
-          </a:p>
-          <a:p>
-            <a:pPr>
-              <a:lnSpc>
-                <a:spcPct val="100000"/>
-              </a:lnSpc>
-            </a:pPr>
-            <a:r>
-              <a:rPr b="0" lang="pt-BR" sz="1400" spc="-1" strike="noStrike">
-                <a:solidFill>
-                  <a:srgbClr val="008000"/>
-                </a:solidFill>
-                <a:latin typeface="Nimbus Mono PS"/>
-                <a:ea typeface="DejaVu Sans"/>
-              </a:rPr>
-              <a:t>export</a:t>
-            </a:r>
-            <a:r>
-              <a:rPr b="0" lang="pt-BR" sz="1400" spc="-1" strike="noStrike">
-                <a:solidFill>
-                  <a:srgbClr val="000000"/>
-                </a:solidFill>
-                <a:latin typeface="Nimbus Mono PS"/>
-                <a:ea typeface="DejaVu Sans"/>
-              </a:rPr>
-              <a:t> </a:t>
-            </a:r>
-            <a:r>
-              <a:rPr b="0" lang="pt-BR" sz="1400" spc="-1" strike="noStrike">
-                <a:solidFill>
-                  <a:srgbClr val="008000"/>
-                </a:solidFill>
-                <a:latin typeface="Nimbus Mono PS"/>
-                <a:ea typeface="DejaVu Sans"/>
-              </a:rPr>
-              <a:t>default</a:t>
-            </a:r>
-            <a:r>
-              <a:rPr b="0" lang="pt-BR" sz="1400" spc="-1" strike="noStrike">
-                <a:solidFill>
-                  <a:srgbClr val="000000"/>
-                </a:solidFill>
-                <a:latin typeface="Nimbus Mono PS"/>
-                <a:ea typeface="DejaVu Sans"/>
-              </a:rPr>
-              <a:t> App;</a:t>
-            </a:r>
-            <a:endParaRPr b="0" lang="pt-BR" sz="1400" spc="-1" strike="noStrike">
-              <a:latin typeface="Arial"/>
-            </a:endParaRPr>
-          </a:p>
-        </p:txBody>
-      </p:sp>
-      <p:sp>
-        <p:nvSpPr>
-          <p:cNvPr id="134" name="CustomShape 3"/>
-          <p:cNvSpPr/>
-          <p:nvPr/>
-        </p:nvSpPr>
-        <p:spPr>
-          <a:xfrm>
-            <a:off x="5436000" y="1430640"/>
-            <a:ext cx="6227280" cy="4904640"/>
-          </a:xfrm>
-          <a:prstGeom prst="rect">
-            <a:avLst/>
-          </a:prstGeom>
-          <a:solidFill>
-            <a:srgbClr val="eeeeee">
-              <a:alpha val="70000"/>
-            </a:srgbClr>
-          </a:solidFill>
-          <a:ln cap="rnd" w="36000">
-            <a:solidFill>
-              <a:srgbClr val="808080"/>
-            </a:solidFill>
-            <a:round/>
-          </a:ln>
-        </p:spPr>
-        <p:style>
-          <a:lnRef idx="0"/>
-          <a:fillRef idx="0"/>
-          <a:effectRef idx="0"/>
-          <a:fontRef idx="minor"/>
-        </p:style>
-        <p:txBody>
-          <a:bodyPr lIns="107640" rIns="107640" tIns="62640" bIns="62640">
-            <a:noAutofit/>
-          </a:bodyPr>
-          <a:p>
-            <a:pPr>
-              <a:lnSpc>
-                <a:spcPct val="100000"/>
-              </a:lnSpc>
-            </a:pPr>
-            <a:r>
-              <a:rPr b="0" lang="pt-BR" sz="1400" spc="-1" strike="noStrike">
-                <a:solidFill>
-                  <a:srgbClr val="008000"/>
-                </a:solidFill>
-                <a:latin typeface="Nimbus Mono PS"/>
-                <a:ea typeface="DejaVu Sans"/>
-              </a:rPr>
-              <a:t>import</a:t>
-            </a:r>
-            <a:r>
-              <a:rPr b="0" lang="pt-BR" sz="1400" spc="-1" strike="noStrike">
-                <a:solidFill>
-                  <a:srgbClr val="000000"/>
-                </a:solidFill>
-                <a:latin typeface="Nimbus Mono PS"/>
-                <a:ea typeface="DejaVu Sans"/>
-              </a:rPr>
-              <a:t> React from </a:t>
-            </a:r>
-            <a:r>
-              <a:rPr b="0" lang="pt-BR" sz="1400" spc="-1" strike="noStrike">
-                <a:solidFill>
-                  <a:srgbClr val="ba2121"/>
-                </a:solidFill>
-                <a:latin typeface="Nimbus Mono PS"/>
-                <a:ea typeface="DejaVu Sans"/>
-              </a:rPr>
-              <a:t>'react'</a:t>
-            </a:r>
-            <a:r>
-              <a:rPr b="0" lang="pt-BR" sz="1400" spc="-1" strike="noStrike">
-                <a:solidFill>
-                  <a:srgbClr val="000000"/>
-                </a:solidFill>
-                <a:latin typeface="Nimbus Mono PS"/>
-                <a:ea typeface="DejaVu Sans"/>
-              </a:rPr>
-              <a:t>;</a:t>
-            </a:r>
-            <a:endParaRPr b="0" lang="pt-BR" sz="1400" spc="-1" strike="noStrike">
-              <a:latin typeface="Arial"/>
-            </a:endParaRPr>
-          </a:p>
-          <a:p>
-            <a:pPr>
-              <a:lnSpc>
-                <a:spcPct val="100000"/>
-              </a:lnSpc>
-            </a:pPr>
-            <a:r>
-              <a:rPr b="0" lang="pt-BR" sz="1400" spc="-1" strike="noStrike">
-                <a:solidFill>
-                  <a:srgbClr val="008000"/>
-                </a:solidFill>
-                <a:latin typeface="Nimbus Mono PS"/>
-                <a:ea typeface="DejaVu Sans"/>
-              </a:rPr>
-              <a:t>import</a:t>
-            </a:r>
-            <a:r>
-              <a:rPr b="0" lang="pt-BR" sz="1400" spc="-1" strike="noStrike">
-                <a:solidFill>
-                  <a:srgbClr val="000000"/>
-                </a:solidFill>
-                <a:latin typeface="Nimbus Mono PS"/>
-                <a:ea typeface="DejaVu Sans"/>
-              </a:rPr>
-              <a:t> { Link } from </a:t>
-            </a:r>
-            <a:r>
-              <a:rPr b="0" lang="pt-BR" sz="1400" spc="-1" strike="noStrike">
-                <a:solidFill>
-                  <a:srgbClr val="ba2121"/>
-                </a:solidFill>
-                <a:latin typeface="Nimbus Mono PS"/>
-                <a:ea typeface="DejaVu Sans"/>
-              </a:rPr>
-              <a:t>"react-router-dom"</a:t>
-            </a:r>
-            <a:r>
-              <a:rPr b="0" lang="pt-BR" sz="1400" spc="-1" strike="noStrike">
-                <a:solidFill>
-                  <a:srgbClr val="000000"/>
-                </a:solidFill>
-                <a:latin typeface="Nimbus Mono PS"/>
-                <a:ea typeface="DejaVu Sans"/>
-              </a:rPr>
-              <a:t>;</a:t>
-            </a:r>
-            <a:endParaRPr b="0" lang="pt-BR" sz="1400" spc="-1" strike="noStrike">
-              <a:latin typeface="Arial"/>
-            </a:endParaRPr>
-          </a:p>
-          <a:p>
-            <a:pPr>
-              <a:lnSpc>
-                <a:spcPct val="100000"/>
-              </a:lnSpc>
-            </a:pPr>
-            <a:endParaRPr b="0" lang="pt-BR" sz="1400" spc="-1" strike="noStrike">
-              <a:latin typeface="Arial"/>
-            </a:endParaRPr>
-          </a:p>
-          <a:p>
-            <a:pPr>
-              <a:lnSpc>
-                <a:spcPct val="100000"/>
-              </a:lnSpc>
-            </a:pPr>
-            <a:r>
-              <a:rPr b="0" lang="pt-BR" sz="1400" spc="-1" strike="noStrike">
-                <a:solidFill>
-                  <a:srgbClr val="008000"/>
-                </a:solidFill>
-                <a:latin typeface="Nimbus Mono PS"/>
-                <a:ea typeface="DejaVu Sans"/>
-              </a:rPr>
-              <a:t>const</a:t>
-            </a:r>
-            <a:r>
-              <a:rPr b="0" lang="pt-BR" sz="1400" spc="-1" strike="noStrike">
-                <a:solidFill>
-                  <a:srgbClr val="000000"/>
-                </a:solidFill>
-                <a:latin typeface="Nimbus Mono PS"/>
-                <a:ea typeface="DejaVu Sans"/>
-              </a:rPr>
-              <a:t> Menu </a:t>
-            </a:r>
-            <a:r>
-              <a:rPr b="0" lang="pt-BR" sz="1400" spc="-1" strike="noStrike">
-                <a:solidFill>
-                  <a:srgbClr val="666666"/>
-                </a:solidFill>
-                <a:latin typeface="Nimbus Mono PS"/>
-                <a:ea typeface="DejaVu Sans"/>
-              </a:rPr>
-              <a:t>=</a:t>
-            </a:r>
-            <a:r>
-              <a:rPr b="0" lang="pt-BR" sz="1400" spc="-1" strike="noStrike">
-                <a:solidFill>
-                  <a:srgbClr val="000000"/>
-                </a:solidFill>
-                <a:latin typeface="Nimbus Mono PS"/>
-                <a:ea typeface="DejaVu Sans"/>
-              </a:rPr>
-              <a:t> () =&gt; {</a:t>
-            </a:r>
-            <a:endParaRPr b="0" lang="pt-BR" sz="1400" spc="-1" strike="noStrike">
-              <a:latin typeface="Arial"/>
-            </a:endParaRPr>
-          </a:p>
-          <a:p>
-            <a:pPr>
-              <a:lnSpc>
-                <a:spcPct val="100000"/>
-              </a:lnSpc>
-            </a:pPr>
-            <a:r>
-              <a:rPr b="0" lang="pt-BR" sz="1400" spc="-1" strike="noStrike">
-                <a:solidFill>
-                  <a:srgbClr val="000000"/>
-                </a:solidFill>
-                <a:latin typeface="Nimbus Mono PS"/>
-                <a:ea typeface="DejaVu Sans"/>
-              </a:rPr>
-              <a:t>    </a:t>
-            </a:r>
-            <a:r>
-              <a:rPr b="0" lang="pt-BR" sz="1400" spc="-1" strike="noStrike">
-                <a:solidFill>
-                  <a:srgbClr val="008000"/>
-                </a:solidFill>
-                <a:latin typeface="Nimbus Mono PS"/>
-                <a:ea typeface="DejaVu Sans"/>
-              </a:rPr>
-              <a:t>return</a:t>
-            </a:r>
-            <a:r>
-              <a:rPr b="0" lang="pt-BR" sz="1400" spc="-1" strike="noStrike">
-                <a:solidFill>
-                  <a:srgbClr val="000000"/>
-                </a:solidFill>
-                <a:latin typeface="Nimbus Mono PS"/>
-                <a:ea typeface="DejaVu Sans"/>
-              </a:rPr>
-              <a:t> (</a:t>
-            </a:r>
-            <a:endParaRPr b="0" lang="pt-BR" sz="1400" spc="-1" strike="noStrike">
-              <a:latin typeface="Arial"/>
-            </a:endParaRPr>
-          </a:p>
-          <a:p>
-            <a:pPr>
-              <a:lnSpc>
-                <a:spcPct val="100000"/>
-              </a:lnSpc>
-            </a:pPr>
-            <a:r>
-              <a:rPr b="0" lang="pt-BR" sz="1400" spc="-1" strike="noStrike">
-                <a:solidFill>
-                  <a:srgbClr val="000000"/>
-                </a:solidFill>
-                <a:latin typeface="Nimbus Mono PS"/>
-                <a:ea typeface="DejaVu Sans"/>
-              </a:rPr>
-              <a:t>        </a:t>
-            </a:r>
-            <a:r>
-              <a:rPr b="0" lang="pt-BR" sz="1400" spc="-1" strike="noStrike">
-                <a:solidFill>
-                  <a:srgbClr val="666666"/>
-                </a:solidFill>
-                <a:latin typeface="Nimbus Mono PS"/>
-                <a:ea typeface="DejaVu Sans"/>
-              </a:rPr>
-              <a:t>&lt;</a:t>
-            </a:r>
-            <a:r>
-              <a:rPr b="0" lang="pt-BR" sz="1400" spc="-1" strike="noStrike">
-                <a:solidFill>
-                  <a:srgbClr val="000000"/>
-                </a:solidFill>
-                <a:latin typeface="Nimbus Mono PS"/>
-                <a:ea typeface="DejaVu Sans"/>
-              </a:rPr>
-              <a:t>nav</a:t>
-            </a:r>
-            <a:r>
-              <a:rPr b="0" lang="pt-BR" sz="1400" spc="-1" strike="noStrike">
-                <a:solidFill>
-                  <a:srgbClr val="666666"/>
-                </a:solidFill>
-                <a:latin typeface="Nimbus Mono PS"/>
-                <a:ea typeface="DejaVu Sans"/>
-              </a:rPr>
-              <a:t>&gt;</a:t>
-            </a:r>
-            <a:endParaRPr b="0" lang="pt-BR" sz="1400" spc="-1" strike="noStrike">
-              <a:latin typeface="Arial"/>
-            </a:endParaRPr>
-          </a:p>
-          <a:p>
-            <a:pPr>
-              <a:lnSpc>
-                <a:spcPct val="100000"/>
-              </a:lnSpc>
-            </a:pPr>
-            <a:r>
-              <a:rPr b="0" lang="pt-BR" sz="1400" spc="-1" strike="noStrike">
-                <a:solidFill>
-                  <a:srgbClr val="000000"/>
-                </a:solidFill>
-                <a:latin typeface="Nimbus Mono PS"/>
-                <a:ea typeface="DejaVu Sans"/>
-              </a:rPr>
-              <a:t>            </a:t>
-            </a:r>
-            <a:r>
-              <a:rPr b="0" lang="pt-BR" sz="1400" spc="-1" strike="noStrike">
-                <a:solidFill>
-                  <a:srgbClr val="666666"/>
-                </a:solidFill>
-                <a:latin typeface="Nimbus Mono PS"/>
-                <a:ea typeface="DejaVu Sans"/>
-              </a:rPr>
-              <a:t>&lt;</a:t>
-            </a:r>
-            <a:r>
-              <a:rPr b="0" lang="pt-BR" sz="1400" spc="-1" strike="noStrike">
-                <a:solidFill>
-                  <a:srgbClr val="000000"/>
-                </a:solidFill>
-                <a:latin typeface="Nimbus Mono PS"/>
-                <a:ea typeface="DejaVu Sans"/>
-              </a:rPr>
-              <a:t>ul</a:t>
-            </a:r>
-            <a:r>
-              <a:rPr b="0" lang="pt-BR" sz="1400" spc="-1" strike="noStrike">
-                <a:solidFill>
-                  <a:srgbClr val="666666"/>
-                </a:solidFill>
-                <a:latin typeface="Nimbus Mono PS"/>
-                <a:ea typeface="DejaVu Sans"/>
-              </a:rPr>
-              <a:t>&gt;</a:t>
-            </a:r>
-            <a:endParaRPr b="0" lang="pt-BR" sz="1400" spc="-1" strike="noStrike">
-              <a:latin typeface="Arial"/>
-            </a:endParaRPr>
-          </a:p>
-          <a:p>
-            <a:pPr>
-              <a:lnSpc>
-                <a:spcPct val="100000"/>
-              </a:lnSpc>
-            </a:pPr>
-            <a:r>
-              <a:rPr b="0" lang="pt-BR" sz="1400" spc="-1" strike="noStrike">
-                <a:solidFill>
-                  <a:srgbClr val="000000"/>
-                </a:solidFill>
-                <a:latin typeface="Nimbus Mono PS"/>
-                <a:ea typeface="DejaVu Sans"/>
-              </a:rPr>
-              <a:t>                </a:t>
-            </a:r>
-            <a:r>
-              <a:rPr b="0" lang="pt-BR" sz="1400" spc="-1" strike="noStrike">
-                <a:solidFill>
-                  <a:srgbClr val="666666"/>
-                </a:solidFill>
-                <a:latin typeface="Nimbus Mono PS"/>
-                <a:ea typeface="DejaVu Sans"/>
-              </a:rPr>
-              <a:t>&lt;</a:t>
-            </a:r>
-            <a:r>
-              <a:rPr b="0" lang="pt-BR" sz="1400" spc="-1" strike="noStrike">
-                <a:solidFill>
-                  <a:srgbClr val="000000"/>
-                </a:solidFill>
-                <a:latin typeface="Nimbus Mono PS"/>
-                <a:ea typeface="DejaVu Sans"/>
-              </a:rPr>
-              <a:t>li</a:t>
-            </a:r>
-            <a:r>
-              <a:rPr b="0" lang="pt-BR" sz="1400" spc="-1" strike="noStrike">
-                <a:solidFill>
-                  <a:srgbClr val="666666"/>
-                </a:solidFill>
-                <a:latin typeface="Nimbus Mono PS"/>
-                <a:ea typeface="DejaVu Sans"/>
-              </a:rPr>
-              <a:t>&gt;</a:t>
-            </a:r>
-            <a:endParaRPr b="0" lang="pt-BR" sz="1400" spc="-1" strike="noStrike">
-              <a:latin typeface="Arial"/>
-            </a:endParaRPr>
-          </a:p>
-          <a:p>
-            <a:pPr>
-              <a:lnSpc>
-                <a:spcPct val="100000"/>
-              </a:lnSpc>
-            </a:pPr>
-            <a:r>
-              <a:rPr b="0" lang="pt-BR" sz="1400" spc="-1" strike="noStrike">
-                <a:solidFill>
-                  <a:srgbClr val="000000"/>
-                </a:solidFill>
-                <a:latin typeface="Nimbus Mono PS"/>
-                <a:ea typeface="DejaVu Sans"/>
-              </a:rPr>
-              <a:t>                    </a:t>
-            </a:r>
-            <a:r>
-              <a:rPr b="0" lang="pt-BR" sz="1400" spc="-1" strike="noStrike">
-                <a:solidFill>
-                  <a:srgbClr val="666666"/>
-                </a:solidFill>
-                <a:latin typeface="Nimbus Mono PS"/>
-                <a:ea typeface="DejaVu Sans"/>
-              </a:rPr>
-              <a:t>&lt;</a:t>
-            </a:r>
-            <a:r>
-              <a:rPr b="0" lang="pt-BR" sz="1400" spc="-1" strike="noStrike">
-                <a:solidFill>
-                  <a:srgbClr val="000000"/>
-                </a:solidFill>
-                <a:latin typeface="Nimbus Mono PS"/>
-                <a:ea typeface="DejaVu Sans"/>
-              </a:rPr>
-              <a:t>Link to</a:t>
-            </a:r>
-            <a:r>
-              <a:rPr b="0" lang="pt-BR" sz="1400" spc="-1" strike="noStrike">
-                <a:solidFill>
-                  <a:srgbClr val="666666"/>
-                </a:solidFill>
-                <a:latin typeface="Nimbus Mono PS"/>
-                <a:ea typeface="DejaVu Sans"/>
-              </a:rPr>
-              <a:t>=</a:t>
-            </a:r>
-            <a:r>
-              <a:rPr b="0" lang="pt-BR" sz="1400" spc="-1" strike="noStrike">
-                <a:solidFill>
-                  <a:srgbClr val="ba2121"/>
-                </a:solidFill>
-                <a:latin typeface="Nimbus Mono PS"/>
-                <a:ea typeface="DejaVu Sans"/>
-              </a:rPr>
-              <a:t>"/"</a:t>
-            </a:r>
-            <a:r>
-              <a:rPr b="0" lang="pt-BR" sz="1400" spc="-1" strike="noStrike">
-                <a:solidFill>
-                  <a:srgbClr val="666666"/>
-                </a:solidFill>
-                <a:latin typeface="Nimbus Mono PS"/>
-                <a:ea typeface="DejaVu Sans"/>
-              </a:rPr>
-              <a:t>&gt;</a:t>
-            </a:r>
-            <a:r>
-              <a:rPr b="0" lang="pt-BR" sz="1400" spc="-1" strike="noStrike">
-                <a:solidFill>
-                  <a:srgbClr val="000000"/>
-                </a:solidFill>
-                <a:latin typeface="Nimbus Mono PS"/>
-                <a:ea typeface="DejaVu Sans"/>
-              </a:rPr>
-              <a:t>Painel</a:t>
-            </a:r>
-            <a:r>
-              <a:rPr b="0" lang="pt-BR" sz="1400" spc="-1" strike="noStrike">
-                <a:solidFill>
-                  <a:srgbClr val="666666"/>
-                </a:solidFill>
-                <a:latin typeface="Nimbus Mono PS"/>
-                <a:ea typeface="DejaVu Sans"/>
-              </a:rPr>
-              <a:t>&lt;</a:t>
-            </a:r>
-            <a:r>
-              <a:rPr b="0" lang="pt-BR" sz="1400" spc="-1" strike="noStrike">
-                <a:solidFill>
-                  <a:srgbClr val="000000"/>
-                </a:solidFill>
-                <a:latin typeface="Nimbus Mono PS"/>
-                <a:ea typeface="DejaVu Sans"/>
-              </a:rPr>
-              <a:t>/Link&gt;</a:t>
-            </a:r>
-            <a:endParaRPr b="0" lang="pt-BR" sz="1400" spc="-1" strike="noStrike">
-              <a:latin typeface="Arial"/>
-            </a:endParaRPr>
-          </a:p>
-          <a:p>
-            <a:pPr>
-              <a:lnSpc>
-                <a:spcPct val="100000"/>
-              </a:lnSpc>
-            </a:pPr>
-            <a:r>
-              <a:rPr b="0" lang="pt-BR" sz="1400" spc="-1" strike="noStrike">
-                <a:solidFill>
-                  <a:srgbClr val="000000"/>
-                </a:solidFill>
-                <a:latin typeface="Nimbus Mono PS"/>
-                <a:ea typeface="DejaVu Sans"/>
-              </a:rPr>
-              <a:t>                </a:t>
-            </a:r>
-            <a:r>
-              <a:rPr b="0" lang="pt-BR" sz="1400" spc="-1" strike="noStrike">
-                <a:solidFill>
-                  <a:srgbClr val="666666"/>
-                </a:solidFill>
-                <a:latin typeface="Nimbus Mono PS"/>
-                <a:ea typeface="DejaVu Sans"/>
-              </a:rPr>
-              <a:t>&lt;</a:t>
-            </a:r>
-            <a:r>
-              <a:rPr b="0" lang="pt-BR" sz="1400" spc="-1" strike="noStrike">
-                <a:solidFill>
-                  <a:srgbClr val="000000"/>
-                </a:solidFill>
-                <a:latin typeface="Nimbus Mono PS"/>
-                <a:ea typeface="DejaVu Sans"/>
-              </a:rPr>
-              <a:t>/li&gt;</a:t>
-            </a:r>
-            <a:endParaRPr b="0" lang="pt-BR" sz="1400" spc="-1" strike="noStrike">
-              <a:latin typeface="Arial"/>
-            </a:endParaRPr>
-          </a:p>
-          <a:p>
-            <a:pPr>
-              <a:lnSpc>
-                <a:spcPct val="100000"/>
-              </a:lnSpc>
-            </a:pPr>
-            <a:r>
-              <a:rPr b="0" lang="pt-BR" sz="1400" spc="-1" strike="noStrike">
-                <a:solidFill>
-                  <a:srgbClr val="000000"/>
-                </a:solidFill>
-                <a:latin typeface="Nimbus Mono PS"/>
-                <a:ea typeface="DejaVu Sans"/>
-              </a:rPr>
-              <a:t>                </a:t>
-            </a:r>
-            <a:r>
-              <a:rPr b="0" lang="pt-BR" sz="1400" spc="-1" strike="noStrike">
-                <a:solidFill>
-                  <a:srgbClr val="666666"/>
-                </a:solidFill>
-                <a:latin typeface="Nimbus Mono PS"/>
-                <a:ea typeface="DejaVu Sans"/>
-              </a:rPr>
-              <a:t>&lt;</a:t>
-            </a:r>
-            <a:r>
-              <a:rPr b="0" lang="pt-BR" sz="1400" spc="-1" strike="noStrike">
-                <a:solidFill>
-                  <a:srgbClr val="000000"/>
-                </a:solidFill>
-                <a:latin typeface="Nimbus Mono PS"/>
-                <a:ea typeface="DejaVu Sans"/>
-              </a:rPr>
-              <a:t>li</a:t>
-            </a:r>
-            <a:r>
-              <a:rPr b="0" lang="pt-BR" sz="1400" spc="-1" strike="noStrike">
-                <a:solidFill>
-                  <a:srgbClr val="666666"/>
-                </a:solidFill>
-                <a:latin typeface="Nimbus Mono PS"/>
-                <a:ea typeface="DejaVu Sans"/>
-              </a:rPr>
-              <a:t>&gt;</a:t>
-            </a:r>
-            <a:endParaRPr b="0" lang="pt-BR" sz="1400" spc="-1" strike="noStrike">
-              <a:latin typeface="Arial"/>
-            </a:endParaRPr>
-          </a:p>
-          <a:p>
-            <a:pPr>
-              <a:lnSpc>
-                <a:spcPct val="100000"/>
-              </a:lnSpc>
-            </a:pPr>
-            <a:r>
-              <a:rPr b="0" lang="pt-BR" sz="1400" spc="-1" strike="noStrike">
-                <a:solidFill>
-                  <a:srgbClr val="000000"/>
-                </a:solidFill>
-                <a:latin typeface="Nimbus Mono PS"/>
-                <a:ea typeface="DejaVu Sans"/>
-              </a:rPr>
-              <a:t>                    </a:t>
-            </a:r>
-            <a:r>
-              <a:rPr b="0" lang="pt-BR" sz="1400" spc="-1" strike="noStrike">
-                <a:solidFill>
-                  <a:srgbClr val="666666"/>
-                </a:solidFill>
-                <a:latin typeface="Nimbus Mono PS"/>
-                <a:ea typeface="DejaVu Sans"/>
-              </a:rPr>
-              <a:t>&lt;</a:t>
-            </a:r>
-            <a:r>
-              <a:rPr b="0" lang="pt-BR" sz="1400" spc="-1" strike="noStrike">
-                <a:solidFill>
-                  <a:srgbClr val="000000"/>
-                </a:solidFill>
-                <a:latin typeface="Nimbus Mono PS"/>
-                <a:ea typeface="DejaVu Sans"/>
-              </a:rPr>
-              <a:t>Link to</a:t>
-            </a:r>
-            <a:r>
-              <a:rPr b="0" lang="pt-BR" sz="1400" spc="-1" strike="noStrike">
-                <a:solidFill>
-                  <a:srgbClr val="666666"/>
-                </a:solidFill>
-                <a:latin typeface="Nimbus Mono PS"/>
-                <a:ea typeface="DejaVu Sans"/>
-              </a:rPr>
-              <a:t>=</a:t>
-            </a:r>
-            <a:r>
-              <a:rPr b="0" lang="pt-BR" sz="1400" spc="-1" strike="noStrike">
-                <a:solidFill>
-                  <a:srgbClr val="ba2121"/>
-                </a:solidFill>
-                <a:latin typeface="Nimbus Mono PS"/>
-                <a:ea typeface="DejaVu Sans"/>
-              </a:rPr>
-              <a:t>"/sobre"</a:t>
-            </a:r>
-            <a:r>
-              <a:rPr b="0" lang="pt-BR" sz="1400" spc="-1" strike="noStrike">
-                <a:solidFill>
-                  <a:srgbClr val="666666"/>
-                </a:solidFill>
-                <a:latin typeface="Nimbus Mono PS"/>
-                <a:ea typeface="DejaVu Sans"/>
-              </a:rPr>
-              <a:t>&gt;</a:t>
-            </a:r>
-            <a:r>
-              <a:rPr b="0" lang="pt-BR" sz="1400" spc="-1" strike="noStrike">
-                <a:solidFill>
-                  <a:srgbClr val="000000"/>
-                </a:solidFill>
-                <a:latin typeface="Nimbus Mono PS"/>
-                <a:ea typeface="DejaVu Sans"/>
-              </a:rPr>
-              <a:t>Sobre</a:t>
-            </a:r>
-            <a:r>
-              <a:rPr b="0" lang="pt-BR" sz="1400" spc="-1" strike="noStrike">
-                <a:solidFill>
-                  <a:srgbClr val="666666"/>
-                </a:solidFill>
-                <a:latin typeface="Nimbus Mono PS"/>
-                <a:ea typeface="DejaVu Sans"/>
-              </a:rPr>
-              <a:t>&lt;</a:t>
-            </a:r>
-            <a:r>
-              <a:rPr b="0" lang="pt-BR" sz="1400" spc="-1" strike="noStrike">
-                <a:solidFill>
-                  <a:srgbClr val="000000"/>
-                </a:solidFill>
-                <a:latin typeface="Nimbus Mono PS"/>
-                <a:ea typeface="DejaVu Sans"/>
-              </a:rPr>
-              <a:t>/Link&gt;</a:t>
-            </a:r>
-            <a:endParaRPr b="0" lang="pt-BR" sz="1400" spc="-1" strike="noStrike">
-              <a:latin typeface="Arial"/>
-            </a:endParaRPr>
-          </a:p>
-          <a:p>
-            <a:pPr>
-              <a:lnSpc>
-                <a:spcPct val="100000"/>
-              </a:lnSpc>
-            </a:pPr>
-            <a:r>
-              <a:rPr b="0" lang="pt-BR" sz="1400" spc="-1" strike="noStrike">
-                <a:solidFill>
-                  <a:srgbClr val="000000"/>
-                </a:solidFill>
-                <a:latin typeface="Nimbus Mono PS"/>
-                <a:ea typeface="DejaVu Sans"/>
-              </a:rPr>
-              <a:t>                </a:t>
-            </a:r>
-            <a:r>
-              <a:rPr b="0" lang="pt-BR" sz="1400" spc="-1" strike="noStrike">
-                <a:solidFill>
-                  <a:srgbClr val="666666"/>
-                </a:solidFill>
-                <a:latin typeface="Nimbus Mono PS"/>
-                <a:ea typeface="DejaVu Sans"/>
-              </a:rPr>
-              <a:t>&lt;</a:t>
-            </a:r>
-            <a:r>
-              <a:rPr b="0" lang="pt-BR" sz="1400" spc="-1" strike="noStrike">
-                <a:solidFill>
-                  <a:srgbClr val="000000"/>
-                </a:solidFill>
-                <a:latin typeface="Nimbus Mono PS"/>
-                <a:ea typeface="DejaVu Sans"/>
-              </a:rPr>
-              <a:t>/li&gt;</a:t>
-            </a:r>
-            <a:endParaRPr b="0" lang="pt-BR" sz="1400" spc="-1" strike="noStrike">
-              <a:latin typeface="Arial"/>
-            </a:endParaRPr>
-          </a:p>
-          <a:p>
-            <a:pPr>
-              <a:lnSpc>
-                <a:spcPct val="100000"/>
-              </a:lnSpc>
-            </a:pPr>
-            <a:r>
-              <a:rPr b="0" lang="pt-BR" sz="1400" spc="-1" strike="noStrike">
-                <a:solidFill>
-                  <a:srgbClr val="000000"/>
-                </a:solidFill>
-                <a:latin typeface="Nimbus Mono PS"/>
-                <a:ea typeface="DejaVu Sans"/>
-              </a:rPr>
-              <a:t>                </a:t>
-            </a:r>
-            <a:r>
-              <a:rPr b="0" lang="pt-BR" sz="1400" spc="-1" strike="noStrike">
-                <a:solidFill>
-                  <a:srgbClr val="666666"/>
-                </a:solidFill>
-                <a:latin typeface="Nimbus Mono PS"/>
-                <a:ea typeface="DejaVu Sans"/>
-              </a:rPr>
-              <a:t>&lt;</a:t>
-            </a:r>
-            <a:r>
-              <a:rPr b="0" lang="pt-BR" sz="1400" spc="-1" strike="noStrike">
-                <a:solidFill>
-                  <a:srgbClr val="000000"/>
-                </a:solidFill>
-                <a:latin typeface="Nimbus Mono PS"/>
-                <a:ea typeface="DejaVu Sans"/>
-              </a:rPr>
-              <a:t>li</a:t>
-            </a:r>
-            <a:r>
-              <a:rPr b="0" lang="pt-BR" sz="1400" spc="-1" strike="noStrike">
-                <a:solidFill>
-                  <a:srgbClr val="666666"/>
-                </a:solidFill>
-                <a:latin typeface="Nimbus Mono PS"/>
-                <a:ea typeface="DejaVu Sans"/>
-              </a:rPr>
-              <a:t>&gt;</a:t>
-            </a:r>
-            <a:endParaRPr b="0" lang="pt-BR" sz="1400" spc="-1" strike="noStrike">
-              <a:latin typeface="Arial"/>
-            </a:endParaRPr>
-          </a:p>
-          <a:p>
-            <a:pPr>
-              <a:lnSpc>
-                <a:spcPct val="100000"/>
-              </a:lnSpc>
-            </a:pPr>
-            <a:r>
-              <a:rPr b="0" lang="pt-BR" sz="1400" spc="-1" strike="noStrike">
-                <a:solidFill>
-                  <a:srgbClr val="000000"/>
-                </a:solidFill>
-                <a:latin typeface="Nimbus Mono PS"/>
-                <a:ea typeface="DejaVu Sans"/>
-              </a:rPr>
-              <a:t>                    </a:t>
-            </a:r>
-            <a:r>
-              <a:rPr b="0" lang="pt-BR" sz="1400" spc="-1" strike="noStrike">
-                <a:solidFill>
-                  <a:srgbClr val="666666"/>
-                </a:solidFill>
-                <a:latin typeface="Nimbus Mono PS"/>
-                <a:ea typeface="DejaVu Sans"/>
-              </a:rPr>
-              <a:t>&lt;</a:t>
-            </a:r>
-            <a:r>
-              <a:rPr b="0" lang="pt-BR" sz="1400" spc="-1" strike="noStrike">
-                <a:solidFill>
-                  <a:srgbClr val="000000"/>
-                </a:solidFill>
-                <a:latin typeface="Nimbus Mono PS"/>
-                <a:ea typeface="DejaVu Sans"/>
-              </a:rPr>
-              <a:t>Link to</a:t>
-            </a:r>
-            <a:r>
-              <a:rPr b="0" lang="pt-BR" sz="1400" spc="-1" strike="noStrike">
-                <a:solidFill>
-                  <a:srgbClr val="666666"/>
-                </a:solidFill>
-                <a:latin typeface="Nimbus Mono PS"/>
-                <a:ea typeface="DejaVu Sans"/>
-              </a:rPr>
-              <a:t>=</a:t>
-            </a:r>
-            <a:r>
-              <a:rPr b="0" lang="pt-BR" sz="1400" spc="-1" strike="noStrike">
-                <a:solidFill>
-                  <a:srgbClr val="ba2121"/>
-                </a:solidFill>
-                <a:latin typeface="Nimbus Mono PS"/>
-                <a:ea typeface="DejaVu Sans"/>
-              </a:rPr>
-              <a:t>"/usuarios"</a:t>
-            </a:r>
-            <a:r>
-              <a:rPr b="0" lang="pt-BR" sz="1400" spc="-1" strike="noStrike">
-                <a:solidFill>
-                  <a:srgbClr val="666666"/>
-                </a:solidFill>
-                <a:latin typeface="Nimbus Mono PS"/>
-                <a:ea typeface="DejaVu Sans"/>
-              </a:rPr>
-              <a:t>&gt;</a:t>
-            </a:r>
-            <a:r>
-              <a:rPr b="0" lang="pt-BR" sz="1400" spc="-1" strike="noStrike">
-                <a:solidFill>
-                  <a:srgbClr val="000000"/>
-                </a:solidFill>
-                <a:latin typeface="Nimbus Mono PS"/>
-                <a:ea typeface="DejaVu Sans"/>
-              </a:rPr>
-              <a:t>Usuários</a:t>
-            </a:r>
-            <a:r>
-              <a:rPr b="0" lang="pt-BR" sz="1400" spc="-1" strike="noStrike">
-                <a:solidFill>
-                  <a:srgbClr val="666666"/>
-                </a:solidFill>
-                <a:latin typeface="Nimbus Mono PS"/>
-                <a:ea typeface="DejaVu Sans"/>
-              </a:rPr>
-              <a:t>&lt;</a:t>
-            </a:r>
-            <a:r>
-              <a:rPr b="0" lang="pt-BR" sz="1400" spc="-1" strike="noStrike">
-                <a:solidFill>
-                  <a:srgbClr val="000000"/>
-                </a:solidFill>
-                <a:latin typeface="Nimbus Mono PS"/>
-                <a:ea typeface="DejaVu Sans"/>
-              </a:rPr>
-              <a:t>/Link&gt;</a:t>
-            </a:r>
-            <a:endParaRPr b="0" lang="pt-BR" sz="1400" spc="-1" strike="noStrike">
-              <a:latin typeface="Arial"/>
-            </a:endParaRPr>
-          </a:p>
-          <a:p>
-            <a:pPr>
-              <a:lnSpc>
-                <a:spcPct val="100000"/>
-              </a:lnSpc>
-            </a:pPr>
-            <a:r>
-              <a:rPr b="0" lang="pt-BR" sz="1400" spc="-1" strike="noStrike">
-                <a:solidFill>
-                  <a:srgbClr val="000000"/>
-                </a:solidFill>
-                <a:latin typeface="Nimbus Mono PS"/>
-                <a:ea typeface="DejaVu Sans"/>
-              </a:rPr>
-              <a:t>                </a:t>
-            </a:r>
-            <a:r>
-              <a:rPr b="0" lang="pt-BR" sz="1400" spc="-1" strike="noStrike">
-                <a:solidFill>
-                  <a:srgbClr val="666666"/>
-                </a:solidFill>
-                <a:latin typeface="Nimbus Mono PS"/>
-                <a:ea typeface="DejaVu Sans"/>
-              </a:rPr>
-              <a:t>&lt;</a:t>
-            </a:r>
-            <a:r>
-              <a:rPr b="0" lang="pt-BR" sz="1400" spc="-1" strike="noStrike">
-                <a:solidFill>
-                  <a:srgbClr val="000000"/>
-                </a:solidFill>
-                <a:latin typeface="Nimbus Mono PS"/>
-                <a:ea typeface="DejaVu Sans"/>
-              </a:rPr>
-              <a:t>/li&gt;</a:t>
-            </a:r>
-            <a:endParaRPr b="0" lang="pt-BR" sz="1400" spc="-1" strike="noStrike">
-              <a:latin typeface="Arial"/>
-            </a:endParaRPr>
-          </a:p>
-          <a:p>
-            <a:pPr>
-              <a:lnSpc>
-                <a:spcPct val="100000"/>
-              </a:lnSpc>
-            </a:pPr>
-            <a:r>
-              <a:rPr b="0" lang="pt-BR" sz="1400" spc="-1" strike="noStrike">
-                <a:solidFill>
-                  <a:srgbClr val="000000"/>
-                </a:solidFill>
-                <a:latin typeface="Nimbus Mono PS"/>
-                <a:ea typeface="DejaVu Sans"/>
-              </a:rPr>
-              <a:t>            </a:t>
-            </a:r>
-            <a:r>
-              <a:rPr b="0" lang="pt-BR" sz="1400" spc="-1" strike="noStrike">
-                <a:solidFill>
-                  <a:srgbClr val="666666"/>
-                </a:solidFill>
-                <a:latin typeface="Nimbus Mono PS"/>
-                <a:ea typeface="DejaVu Sans"/>
-              </a:rPr>
-              <a:t>&lt;</a:t>
-            </a:r>
-            <a:r>
-              <a:rPr b="0" lang="pt-BR" sz="1400" spc="-1" strike="noStrike">
-                <a:solidFill>
-                  <a:srgbClr val="000000"/>
-                </a:solidFill>
-                <a:latin typeface="Nimbus Mono PS"/>
-                <a:ea typeface="DejaVu Sans"/>
-              </a:rPr>
-              <a:t>/ul&gt;</a:t>
-            </a:r>
-            <a:endParaRPr b="0" lang="pt-BR" sz="1400" spc="-1" strike="noStrike">
-              <a:latin typeface="Arial"/>
-            </a:endParaRPr>
-          </a:p>
-          <a:p>
-            <a:pPr>
-              <a:lnSpc>
-                <a:spcPct val="100000"/>
-              </a:lnSpc>
-            </a:pPr>
-            <a:r>
-              <a:rPr b="0" lang="pt-BR" sz="1400" spc="-1" strike="noStrike">
-                <a:solidFill>
-                  <a:srgbClr val="000000"/>
-                </a:solidFill>
-                <a:latin typeface="Nimbus Mono PS"/>
-                <a:ea typeface="DejaVu Sans"/>
-              </a:rPr>
-              <a:t>        </a:t>
-            </a:r>
-            <a:r>
-              <a:rPr b="0" lang="pt-BR" sz="1400" spc="-1" strike="noStrike">
-                <a:solidFill>
-                  <a:srgbClr val="666666"/>
-                </a:solidFill>
-                <a:latin typeface="Nimbus Mono PS"/>
-                <a:ea typeface="DejaVu Sans"/>
-              </a:rPr>
-              <a:t>&lt;</a:t>
-            </a:r>
-            <a:r>
-              <a:rPr b="0" lang="pt-BR" sz="1400" spc="-1" strike="noStrike">
-                <a:solidFill>
-                  <a:srgbClr val="000000"/>
-                </a:solidFill>
-                <a:latin typeface="Nimbus Mono PS"/>
-                <a:ea typeface="DejaVu Sans"/>
-              </a:rPr>
-              <a:t>/nav&gt;</a:t>
-            </a:r>
-            <a:endParaRPr b="0" lang="pt-BR" sz="1400" spc="-1" strike="noStrike">
-              <a:latin typeface="Arial"/>
-            </a:endParaRPr>
-          </a:p>
-          <a:p>
-            <a:pPr>
-              <a:lnSpc>
-                <a:spcPct val="100000"/>
-              </a:lnSpc>
-            </a:pPr>
-            <a:r>
-              <a:rPr b="0" lang="pt-BR" sz="1400" spc="-1" strike="noStrike">
-                <a:solidFill>
-                  <a:srgbClr val="000000"/>
-                </a:solidFill>
-                <a:latin typeface="Nimbus Mono PS"/>
-                <a:ea typeface="DejaVu Sans"/>
-              </a:rPr>
-              <a:t>    </a:t>
-            </a:r>
-            <a:r>
-              <a:rPr b="0" lang="pt-BR" sz="1400" spc="-1" strike="noStrike">
-                <a:solidFill>
-                  <a:srgbClr val="000000"/>
-                </a:solidFill>
-                <a:latin typeface="Nimbus Mono PS"/>
-                <a:ea typeface="DejaVu Sans"/>
-              </a:rPr>
-              <a:t>);</a:t>
-            </a:r>
-            <a:endParaRPr b="0" lang="pt-BR" sz="1400" spc="-1" strike="noStrike">
-              <a:latin typeface="Arial"/>
-            </a:endParaRPr>
-          </a:p>
-          <a:p>
-            <a:pPr>
-              <a:lnSpc>
-                <a:spcPct val="100000"/>
-              </a:lnSpc>
-            </a:pPr>
-            <a:r>
-              <a:rPr b="0" lang="pt-BR" sz="1400" spc="-1" strike="noStrike">
-                <a:solidFill>
-                  <a:srgbClr val="000000"/>
-                </a:solidFill>
-                <a:latin typeface="Nimbus Mono PS"/>
-                <a:ea typeface="DejaVu Sans"/>
-              </a:rPr>
-              <a:t>};</a:t>
-            </a:r>
-            <a:endParaRPr b="0" lang="pt-BR" sz="1400" spc="-1" strike="noStrike">
-              <a:latin typeface="Arial"/>
-            </a:endParaRPr>
-          </a:p>
-          <a:p>
-            <a:pPr>
-              <a:lnSpc>
-                <a:spcPct val="100000"/>
-              </a:lnSpc>
-            </a:pPr>
-            <a:endParaRPr b="0" lang="pt-BR" sz="1400" spc="-1" strike="noStrike">
-              <a:latin typeface="Arial"/>
-            </a:endParaRPr>
-          </a:p>
-          <a:p>
-            <a:pPr>
-              <a:lnSpc>
-                <a:spcPct val="100000"/>
-              </a:lnSpc>
-            </a:pPr>
-            <a:r>
-              <a:rPr b="0" lang="pt-BR" sz="1400" spc="-1" strike="noStrike">
-                <a:solidFill>
-                  <a:srgbClr val="008000"/>
-                </a:solidFill>
-                <a:latin typeface="Nimbus Mono PS"/>
-                <a:ea typeface="DejaVu Sans"/>
-              </a:rPr>
-              <a:t>export</a:t>
-            </a:r>
-            <a:r>
-              <a:rPr b="0" lang="pt-BR" sz="1400" spc="-1" strike="noStrike">
-                <a:solidFill>
-                  <a:srgbClr val="000000"/>
-                </a:solidFill>
-                <a:latin typeface="Nimbus Mono PS"/>
-                <a:ea typeface="DejaVu Sans"/>
-              </a:rPr>
-              <a:t> </a:t>
-            </a:r>
-            <a:r>
-              <a:rPr b="0" lang="pt-BR" sz="1400" spc="-1" strike="noStrike">
-                <a:solidFill>
-                  <a:srgbClr val="008000"/>
-                </a:solidFill>
-                <a:latin typeface="Nimbus Mono PS"/>
-                <a:ea typeface="DejaVu Sans"/>
-              </a:rPr>
-              <a:t>default</a:t>
-            </a:r>
-            <a:r>
-              <a:rPr b="0" lang="pt-BR" sz="1400" spc="-1" strike="noStrike">
-                <a:solidFill>
-                  <a:srgbClr val="000000"/>
-                </a:solidFill>
-                <a:latin typeface="Nimbus Mono PS"/>
-                <a:ea typeface="DejaVu Sans"/>
-              </a:rPr>
-              <a:t> Menu;</a:t>
-            </a:r>
-            <a:endParaRPr b="0" lang="pt-BR" sz="1400" spc="-1" strike="noStrike">
-              <a:latin typeface="Arial"/>
-            </a:endParaRPr>
-          </a:p>
-          <a:p>
-            <a:pPr>
-              <a:lnSpc>
-                <a:spcPct val="100000"/>
-              </a:lnSpc>
-            </a:pPr>
-            <a:endParaRPr b="0" lang="pt-BR" sz="1400" spc="-1" strike="noStrike">
+            <a:endParaRPr b="0" lang="pt-BR" sz="1600" spc="-1" strike="noStrike">
               <a:latin typeface="Arial"/>
             </a:endParaRPr>
           </a:p>
@@ -8009,21 +11874,21 @@
       </p:sp>
       <p:grpSp>
         <p:nvGrpSpPr>
-          <p:cNvPr id="135" name="Group 4"/>
+          <p:cNvPr id="146" name="Group 3"/>
           <p:cNvGrpSpPr/>
           <p:nvPr/>
         </p:nvGrpSpPr>
         <p:grpSpPr>
           <a:xfrm>
-            <a:off x="360000" y="5544720"/>
-            <a:ext cx="933480" cy="1077480"/>
-            <a:chOff x="360000" y="5544720"/>
-            <a:chExt cx="933480" cy="1077480"/>
+            <a:off x="360000" y="5545800"/>
+            <a:ext cx="933120" cy="1077120"/>
+            <a:chOff x="360000" y="5545800"/>
+            <a:chExt cx="933120" cy="1077120"/>
           </a:xfrm>
         </p:grpSpPr>
         <p:pic>
           <p:nvPicPr>
-            <p:cNvPr id="136" name="" descr=""/>
+            <p:cNvPr id="147" name="" descr=""/>
             <p:cNvPicPr/>
             <p:nvPr/>
           </p:nvPicPr>
@@ -8033,8 +11898,8 @@
           </p:blipFill>
           <p:spPr>
             <a:xfrm>
-              <a:off x="459360" y="5544720"/>
-              <a:ext cx="663120" cy="793440"/>
+              <a:off x="459360" y="5545800"/>
+              <a:ext cx="662760" cy="793080"/>
             </a:xfrm>
             <a:prstGeom prst="rect">
               <a:avLst/>
@@ -8046,14 +11911,14 @@
         </p:pic>
         <p:sp>
           <p:nvSpPr>
-            <p:cNvPr id="137" name="CustomShape 5"/>
+            <p:cNvPr id="148" name="CustomShape 4"/>
             <p:cNvSpPr/>
             <p:nvPr/>
           </p:nvSpPr>
           <p:spPr>
             <a:xfrm>
-              <a:off x="360000" y="6340680"/>
-              <a:ext cx="933480" cy="281520"/>
+              <a:off x="360000" y="6341760"/>
+              <a:ext cx="933120" cy="281160"/>
             </a:xfrm>
             <a:prstGeom prst="rect">
               <a:avLst/>
@@ -8096,521 +11961,6 @@
           </p:txBody>
         </p:sp>
       </p:grpSp>
-    </p:spTree>
-  </p:cSld>
-  <mc:AlternateContent>
-    <mc:Choice Requires="p14">
-      <p:transition spd="slow" p14:dur="2000"/>
-    </mc:Choice>
-    <mc:Fallback>
-      <p:transition spd="slow"/>
-    </mc:Fallback>
-  </mc:AlternateContent>
-</p:sld>
-</file>
-
-<file path=ppt/slides/slide6.xml><?xml version="1.0" encoding="utf-8"?>
-<p:sld xmlns:a="http://schemas.openxmlformats.org/drawingml/2006/main" xmlns:p="http://schemas.openxmlformats.org/presentationml/2006/main" xmlns:r="http://schemas.openxmlformats.org/officeDocument/2006/relationships" xmlns:p14="http://schemas.microsoft.com/office/powerpoint/2010/main" xmlns:p15="http://schemas.microsoft.com/office/powerpoint/2012/main" xmlns:mc="http://schemas.openxmlformats.org/markup-compatibility/2006">
-  <p:cSld>
-    <p:spTree>
-      <p:nvGrpSpPr>
-        <p:cNvPr id="1" name=""/>
-        <p:cNvGrpSpPr/>
-        <p:nvPr/>
-      </p:nvGrpSpPr>
-      <p:grpSpPr>
-        <a:xfrm>
-          <a:off x="0" y="0"/>
-          <a:ext cx="0" cy="0"/>
-          <a:chOff x="0" y="0"/>
-          <a:chExt cx="0" cy="0"/>
-        </a:xfrm>
-      </p:grpSpPr>
-      <p:pic>
-        <p:nvPicPr>
-          <p:cNvPr id="138" name="Imagem 16" descr=""/>
-          <p:cNvPicPr/>
-          <p:nvPr/>
-        </p:nvPicPr>
-        <p:blipFill>
-          <a:blip r:embed="rId1"/>
-          <a:stretch/>
-        </p:blipFill>
-        <p:spPr>
-          <a:xfrm>
-            <a:off x="0" y="3315600"/>
-            <a:ext cx="12186360" cy="3543840"/>
-          </a:xfrm>
-          <a:prstGeom prst="rect">
-            <a:avLst/>
-          </a:prstGeom>
-          <a:ln>
-            <a:noFill/>
-          </a:ln>
-        </p:spPr>
-      </p:pic>
-      <p:pic>
-        <p:nvPicPr>
-          <p:cNvPr id="139" name="Google Shape;280;p40" descr="Logo_dataprev_Preferencial-01.jpg"/>
-          <p:cNvPicPr/>
-          <p:nvPr/>
-        </p:nvPicPr>
-        <p:blipFill>
-          <a:blip r:embed="rId2"/>
-          <a:srcRect l="0" t="11401" r="0" b="13021"/>
-          <a:stretch/>
-        </p:blipFill>
-        <p:spPr>
-          <a:xfrm>
-            <a:off x="213480" y="68040"/>
-            <a:ext cx="1744920" cy="1317240"/>
-          </a:xfrm>
-          <a:prstGeom prst="rect">
-            <a:avLst/>
-          </a:prstGeom>
-          <a:ln>
-            <a:noFill/>
-          </a:ln>
-        </p:spPr>
-      </p:pic>
-      <p:sp>
-        <p:nvSpPr>
-          <p:cNvPr id="140" name="CustomShape 1"/>
-          <p:cNvSpPr/>
-          <p:nvPr/>
-        </p:nvSpPr>
-        <p:spPr>
-          <a:xfrm>
-            <a:off x="371520" y="4010400"/>
-            <a:ext cx="1501560" cy="227520"/>
-          </a:xfrm>
-          <a:prstGeom prst="rect">
-            <a:avLst/>
-          </a:prstGeom>
-          <a:noFill/>
-          <a:ln>
-            <a:noFill/>
-          </a:ln>
-        </p:spPr>
-        <p:style>
-          <a:lnRef idx="0"/>
-          <a:fillRef idx="0"/>
-          <a:effectRef idx="0"/>
-          <a:fontRef idx="minor"/>
-        </p:style>
-        <p:txBody>
-          <a:bodyPr lIns="90000" rIns="90000" tIns="91440" bIns="91440" anchor="ctr">
-            <a:noAutofit/>
-          </a:bodyPr>
-          <a:p>
-            <a:pPr>
-              <a:lnSpc>
-                <a:spcPct val="100000"/>
-              </a:lnSpc>
-            </a:pPr>
-            <a:r>
-              <a:rPr b="0" lang="pt-BR" sz="1000" spc="-1" strike="noStrike">
-                <a:solidFill>
-                  <a:srgbClr val="1b4973"/>
-                </a:solidFill>
-                <a:latin typeface="Roboto Light"/>
-                <a:ea typeface="Roboto Light"/>
-              </a:rPr>
-              <a:t>Julho </a:t>
-            </a:r>
-            <a:r>
-              <a:rPr b="0" lang="pt-BR" sz="600" spc="-1" strike="noStrike">
-                <a:solidFill>
-                  <a:srgbClr val="1b4973"/>
-                </a:solidFill>
-                <a:latin typeface="Roboto Light"/>
-                <a:ea typeface="Roboto Light"/>
-              </a:rPr>
-              <a:t> </a:t>
-            </a:r>
-            <a:r>
-              <a:rPr b="0" lang="pt-BR" sz="1000" spc="-1" strike="noStrike">
-                <a:solidFill>
-                  <a:srgbClr val="1b4973"/>
-                </a:solidFill>
-                <a:latin typeface="Roboto Light"/>
-                <a:ea typeface="Roboto Light"/>
-              </a:rPr>
-              <a:t>2020</a:t>
-            </a:r>
-            <a:endParaRPr b="0" lang="pt-BR" sz="1000" spc="-1" strike="noStrike">
-              <a:latin typeface="Arial"/>
-            </a:endParaRPr>
-          </a:p>
-        </p:txBody>
-      </p:sp>
-      <p:pic>
-        <p:nvPicPr>
-          <p:cNvPr id="141" name="Google Shape;284;p40" descr=""/>
-          <p:cNvPicPr/>
-          <p:nvPr/>
-        </p:nvPicPr>
-        <p:blipFill>
-          <a:blip r:embed="rId3"/>
-          <a:stretch/>
-        </p:blipFill>
-        <p:spPr>
-          <a:xfrm>
-            <a:off x="8935920" y="2871720"/>
-            <a:ext cx="269280" cy="290880"/>
-          </a:xfrm>
-          <a:prstGeom prst="rect">
-            <a:avLst/>
-          </a:prstGeom>
-          <a:ln>
-            <a:noFill/>
-          </a:ln>
-        </p:spPr>
-      </p:pic>
-      <p:pic>
-        <p:nvPicPr>
-          <p:cNvPr id="142" name="Google Shape;285;p40" descr=""/>
-          <p:cNvPicPr/>
-          <p:nvPr/>
-        </p:nvPicPr>
-        <p:blipFill>
-          <a:blip r:embed="rId4"/>
-          <a:stretch/>
-        </p:blipFill>
-        <p:spPr>
-          <a:xfrm>
-            <a:off x="8935920" y="3661200"/>
-            <a:ext cx="269280" cy="292320"/>
-          </a:xfrm>
-          <a:prstGeom prst="rect">
-            <a:avLst/>
-          </a:prstGeom>
-          <a:ln>
-            <a:noFill/>
-          </a:ln>
-        </p:spPr>
-      </p:pic>
-      <p:pic>
-        <p:nvPicPr>
-          <p:cNvPr id="143" name="Google Shape;286;p40" descr=""/>
-          <p:cNvPicPr/>
-          <p:nvPr/>
-        </p:nvPicPr>
-        <p:blipFill>
-          <a:blip r:embed="rId5"/>
-          <a:stretch/>
-        </p:blipFill>
-        <p:spPr>
-          <a:xfrm>
-            <a:off x="8935920" y="3266640"/>
-            <a:ext cx="269280" cy="290880"/>
-          </a:xfrm>
-          <a:prstGeom prst="rect">
-            <a:avLst/>
-          </a:prstGeom>
-          <a:ln>
-            <a:noFill/>
-          </a:ln>
-        </p:spPr>
-      </p:pic>
-      <p:sp>
-        <p:nvSpPr>
-          <p:cNvPr id="144" name="CustomShape 2"/>
-          <p:cNvSpPr/>
-          <p:nvPr/>
-        </p:nvSpPr>
-        <p:spPr>
-          <a:xfrm>
-            <a:off x="9234000" y="2844000"/>
-            <a:ext cx="2580840" cy="274320"/>
-          </a:xfrm>
-          <a:prstGeom prst="rect">
-            <a:avLst/>
-          </a:prstGeom>
-          <a:noFill/>
-          <a:ln>
-            <a:noFill/>
-          </a:ln>
-        </p:spPr>
-        <p:style>
-          <a:lnRef idx="0"/>
-          <a:fillRef idx="0"/>
-          <a:effectRef idx="0"/>
-          <a:fontRef idx="minor"/>
-        </p:style>
-        <p:txBody>
-          <a:bodyPr lIns="90000" rIns="90000" tIns="91440" bIns="91440">
-            <a:noAutofit/>
-          </a:bodyPr>
-          <a:p>
-            <a:pPr>
-              <a:lnSpc>
-                <a:spcPct val="115000"/>
-              </a:lnSpc>
-            </a:pPr>
-            <a:r>
-              <a:rPr b="0" lang="pt-BR" sz="1050" spc="-1" strike="noStrike">
-                <a:solidFill>
-                  <a:srgbClr val="404040"/>
-                </a:solidFill>
-                <a:latin typeface="Roboto Light"/>
-                <a:ea typeface="Roboto Light"/>
-              </a:rPr>
-              <a:t>www.facebook.com/dataprevtecnologia</a:t>
-            </a:r>
-            <a:endParaRPr b="0" lang="pt-BR" sz="1050" spc="-1" strike="noStrike">
-              <a:latin typeface="Arial"/>
-            </a:endParaRPr>
-          </a:p>
-        </p:txBody>
-      </p:sp>
-      <p:sp>
-        <p:nvSpPr>
-          <p:cNvPr id="145" name="CustomShape 3"/>
-          <p:cNvSpPr/>
-          <p:nvPr/>
-        </p:nvSpPr>
-        <p:spPr>
-          <a:xfrm>
-            <a:off x="9236160" y="3227040"/>
-            <a:ext cx="2578320" cy="274320"/>
-          </a:xfrm>
-          <a:prstGeom prst="rect">
-            <a:avLst/>
-          </a:prstGeom>
-          <a:noFill/>
-          <a:ln>
-            <a:noFill/>
-          </a:ln>
-        </p:spPr>
-        <p:style>
-          <a:lnRef idx="0"/>
-          <a:fillRef idx="0"/>
-          <a:effectRef idx="0"/>
-          <a:fontRef idx="minor"/>
-        </p:style>
-        <p:txBody>
-          <a:bodyPr lIns="90000" rIns="90000" tIns="91440" bIns="91440">
-            <a:noAutofit/>
-          </a:bodyPr>
-          <a:p>
-            <a:pPr>
-              <a:lnSpc>
-                <a:spcPct val="115000"/>
-              </a:lnSpc>
-            </a:pPr>
-            <a:r>
-              <a:rPr b="0" lang="pt-BR" sz="1050" spc="-1" strike="noStrike">
-                <a:solidFill>
-                  <a:srgbClr val="404040"/>
-                </a:solidFill>
-                <a:latin typeface="Roboto Light"/>
-                <a:ea typeface="Roboto Light"/>
-              </a:rPr>
-              <a:t>@dataprev</a:t>
-            </a:r>
-            <a:endParaRPr b="0" lang="pt-BR" sz="1050" spc="-1" strike="noStrike">
-              <a:latin typeface="Arial"/>
-            </a:endParaRPr>
-          </a:p>
-        </p:txBody>
-      </p:sp>
-      <p:sp>
-        <p:nvSpPr>
-          <p:cNvPr id="146" name="CustomShape 4"/>
-          <p:cNvSpPr/>
-          <p:nvPr/>
-        </p:nvSpPr>
-        <p:spPr>
-          <a:xfrm>
-            <a:off x="9234000" y="3626640"/>
-            <a:ext cx="2578320" cy="274320"/>
-          </a:xfrm>
-          <a:prstGeom prst="rect">
-            <a:avLst/>
-          </a:prstGeom>
-          <a:noFill/>
-          <a:ln>
-            <a:noFill/>
-          </a:ln>
-        </p:spPr>
-        <p:style>
-          <a:lnRef idx="0"/>
-          <a:fillRef idx="0"/>
-          <a:effectRef idx="0"/>
-          <a:fontRef idx="minor"/>
-        </p:style>
-        <p:txBody>
-          <a:bodyPr lIns="90000" rIns="90000" tIns="91440" bIns="91440">
-            <a:noAutofit/>
-          </a:bodyPr>
-          <a:p>
-            <a:pPr>
-              <a:lnSpc>
-                <a:spcPct val="115000"/>
-              </a:lnSpc>
-            </a:pPr>
-            <a:r>
-              <a:rPr b="0" lang="pt-BR" sz="1050" spc="-1" strike="noStrike">
-                <a:solidFill>
-                  <a:srgbClr val="404040"/>
-                </a:solidFill>
-                <a:latin typeface="Roboto Light"/>
-                <a:ea typeface="Roboto Light"/>
-              </a:rPr>
-              <a:t>DATAPREV</a:t>
-            </a:r>
-            <a:endParaRPr b="0" lang="pt-BR" sz="1050" spc="-1" strike="noStrike">
-              <a:latin typeface="Arial"/>
-            </a:endParaRPr>
-          </a:p>
-        </p:txBody>
-      </p:sp>
-      <p:sp>
-        <p:nvSpPr>
-          <p:cNvPr id="147" name="CustomShape 5"/>
-          <p:cNvSpPr/>
-          <p:nvPr/>
-        </p:nvSpPr>
-        <p:spPr>
-          <a:xfrm rot="6600">
-            <a:off x="363960" y="1404720"/>
-            <a:ext cx="4807080" cy="1279440"/>
-          </a:xfrm>
-          <a:prstGeom prst="rect">
-            <a:avLst/>
-          </a:prstGeom>
-          <a:noFill/>
-          <a:ln>
-            <a:noFill/>
-          </a:ln>
-        </p:spPr>
-        <p:style>
-          <a:lnRef idx="0"/>
-          <a:fillRef idx="0"/>
-          <a:effectRef idx="0"/>
-          <a:fontRef idx="minor"/>
-        </p:style>
-        <p:txBody>
-          <a:bodyPr lIns="90000" rIns="90000" tIns="91440" bIns="91440" anchor="ctr">
-            <a:spAutoFit/>
-          </a:bodyPr>
-          <a:p>
-            <a:pPr>
-              <a:lnSpc>
-                <a:spcPct val="100000"/>
-              </a:lnSpc>
-            </a:pPr>
-            <a:r>
-              <a:rPr b="0" lang="pt-BR" sz="7200" spc="-80" strike="noStrike">
-                <a:solidFill>
-                  <a:srgbClr val="006eb3"/>
-                </a:solidFill>
-                <a:latin typeface="Segoe Condensed"/>
-                <a:ea typeface="Roboto"/>
-              </a:rPr>
-              <a:t>Obrigado!</a:t>
-            </a:r>
-            <a:endParaRPr b="0" lang="pt-BR" sz="7200" spc="-1" strike="noStrike">
-              <a:latin typeface="Arial"/>
-            </a:endParaRPr>
-          </a:p>
-        </p:txBody>
-      </p:sp>
-      <p:sp>
-        <p:nvSpPr>
-          <p:cNvPr id="148" name="CustomShape 6"/>
-          <p:cNvSpPr/>
-          <p:nvPr/>
-        </p:nvSpPr>
-        <p:spPr>
-          <a:xfrm>
-            <a:off x="371520" y="2819160"/>
-            <a:ext cx="6964920" cy="996120"/>
-          </a:xfrm>
-          <a:prstGeom prst="rect">
-            <a:avLst/>
-          </a:prstGeom>
-          <a:noFill/>
-          <a:ln>
-            <a:noFill/>
-          </a:ln>
-        </p:spPr>
-        <p:style>
-          <a:lnRef idx="0"/>
-          <a:fillRef idx="0"/>
-          <a:effectRef idx="0"/>
-          <a:fontRef idx="minor"/>
-        </p:style>
-        <p:txBody>
-          <a:bodyPr lIns="90000" rIns="90000" tIns="45000" bIns="45000">
-            <a:spAutoFit/>
-          </a:bodyPr>
-          <a:p>
-            <a:pPr>
-              <a:lnSpc>
-                <a:spcPct val="100000"/>
-              </a:lnSpc>
-            </a:pPr>
-            <a:r>
-              <a:rPr b="1" lang="pt-BR" sz="2600" spc="-21" strike="noStrike">
-                <a:solidFill>
-                  <a:srgbClr val="1b4973"/>
-                </a:solidFill>
-                <a:latin typeface="Roboto"/>
-                <a:ea typeface="Roboto"/>
-              </a:rPr>
-              <a:t>Ricardo Glodzinski</a:t>
-            </a:r>
-            <a:endParaRPr b="0" lang="pt-BR" sz="2600" spc="-1" strike="noStrike">
-              <a:latin typeface="Arial"/>
-            </a:endParaRPr>
-          </a:p>
-          <a:p>
-            <a:pPr>
-              <a:lnSpc>
-                <a:spcPct val="100000"/>
-              </a:lnSpc>
-            </a:pPr>
-            <a:r>
-              <a:rPr b="0" lang="pt-BR" sz="1700" spc="-1" strike="noStrike">
-                <a:solidFill>
-                  <a:srgbClr val="1b4973"/>
-                </a:solidFill>
-                <a:latin typeface="Roboto Medium"/>
-                <a:ea typeface="Roboto Medium"/>
-              </a:rPr>
-              <a:t>Analista de Tecnologia da Informação</a:t>
-            </a:r>
-            <a:endParaRPr b="0" lang="pt-BR" sz="1700" spc="-1" strike="noStrike">
-              <a:latin typeface="Arial"/>
-            </a:endParaRPr>
-          </a:p>
-          <a:p>
-            <a:pPr>
-              <a:lnSpc>
-                <a:spcPct val="100000"/>
-              </a:lnSpc>
-              <a:spcBef>
-                <a:spcPts val="300"/>
-              </a:spcBef>
-            </a:pPr>
-            <a:r>
-              <a:rPr b="0" lang="pt-BR" sz="1400" spc="-1" strike="noStrike">
-                <a:solidFill>
-                  <a:srgbClr val="3f647b"/>
-                </a:solidFill>
-                <a:latin typeface="Roboto Light"/>
-                <a:ea typeface="Roboto Light"/>
-              </a:rPr>
-              <a:t>ricardo.glodzinski@dataprev.gov.br</a:t>
-            </a:r>
-            <a:endParaRPr b="0" lang="pt-BR" sz="1400" spc="-1" strike="noStrike">
-              <a:latin typeface="Arial"/>
-            </a:endParaRPr>
-          </a:p>
-        </p:txBody>
-      </p:sp>
     </p:spTree>
   </p:cSld>
   <mc:AlternateContent>
